--- a/Module1/M1project/figures.pptx
+++ b/Module1/M1project/figures.pptx
@@ -244,7 +244,7 @@
           <a:p>
             <a:fld id="{FABAE490-0A31-9944-8C10-D3082C1F3F1E}" type="datetimeFigureOut">
               <a:rPr lang="en-GB" smtClean="0"/>
-              <a:t>12/12/2023</a:t>
+              <a:t>14/12/2023</a:t>
             </a:fld>
             <a:endParaRPr lang="en-GB"/>
           </a:p>
@@ -414,7 +414,7 @@
           <a:p>
             <a:fld id="{FABAE490-0A31-9944-8C10-D3082C1F3F1E}" type="datetimeFigureOut">
               <a:rPr lang="en-GB" smtClean="0"/>
-              <a:t>12/12/2023</a:t>
+              <a:t>14/12/2023</a:t>
             </a:fld>
             <a:endParaRPr lang="en-GB"/>
           </a:p>
@@ -594,7 +594,7 @@
           <a:p>
             <a:fld id="{FABAE490-0A31-9944-8C10-D3082C1F3F1E}" type="datetimeFigureOut">
               <a:rPr lang="en-GB" smtClean="0"/>
-              <a:t>12/12/2023</a:t>
+              <a:t>14/12/2023</a:t>
             </a:fld>
             <a:endParaRPr lang="en-GB"/>
           </a:p>
@@ -764,7 +764,7 @@
           <a:p>
             <a:fld id="{FABAE490-0A31-9944-8C10-D3082C1F3F1E}" type="datetimeFigureOut">
               <a:rPr lang="en-GB" smtClean="0"/>
-              <a:t>12/12/2023</a:t>
+              <a:t>14/12/2023</a:t>
             </a:fld>
             <a:endParaRPr lang="en-GB"/>
           </a:p>
@@ -1008,7 +1008,7 @@
           <a:p>
             <a:fld id="{FABAE490-0A31-9944-8C10-D3082C1F3F1E}" type="datetimeFigureOut">
               <a:rPr lang="en-GB" smtClean="0"/>
-              <a:t>12/12/2023</a:t>
+              <a:t>14/12/2023</a:t>
             </a:fld>
             <a:endParaRPr lang="en-GB"/>
           </a:p>
@@ -1240,7 +1240,7 @@
           <a:p>
             <a:fld id="{FABAE490-0A31-9944-8C10-D3082C1F3F1E}" type="datetimeFigureOut">
               <a:rPr lang="en-GB" smtClean="0"/>
-              <a:t>12/12/2023</a:t>
+              <a:t>14/12/2023</a:t>
             </a:fld>
             <a:endParaRPr lang="en-GB"/>
           </a:p>
@@ -1607,7 +1607,7 @@
           <a:p>
             <a:fld id="{FABAE490-0A31-9944-8C10-D3082C1F3F1E}" type="datetimeFigureOut">
               <a:rPr lang="en-GB" smtClean="0"/>
-              <a:t>12/12/2023</a:t>
+              <a:t>14/12/2023</a:t>
             </a:fld>
             <a:endParaRPr lang="en-GB"/>
           </a:p>
@@ -1725,7 +1725,7 @@
           <a:p>
             <a:fld id="{FABAE490-0A31-9944-8C10-D3082C1F3F1E}" type="datetimeFigureOut">
               <a:rPr lang="en-GB" smtClean="0"/>
-              <a:t>12/12/2023</a:t>
+              <a:t>14/12/2023</a:t>
             </a:fld>
             <a:endParaRPr lang="en-GB"/>
           </a:p>
@@ -1820,7 +1820,7 @@
           <a:p>
             <a:fld id="{FABAE490-0A31-9944-8C10-D3082C1F3F1E}" type="datetimeFigureOut">
               <a:rPr lang="en-GB" smtClean="0"/>
-              <a:t>12/12/2023</a:t>
+              <a:t>14/12/2023</a:t>
             </a:fld>
             <a:endParaRPr lang="en-GB"/>
           </a:p>
@@ -2097,7 +2097,7 @@
           <a:p>
             <a:fld id="{FABAE490-0A31-9944-8C10-D3082C1F3F1E}" type="datetimeFigureOut">
               <a:rPr lang="en-GB" smtClean="0"/>
-              <a:t>12/12/2023</a:t>
+              <a:t>14/12/2023</a:t>
             </a:fld>
             <a:endParaRPr lang="en-GB"/>
           </a:p>
@@ -2354,7 +2354,7 @@
           <a:p>
             <a:fld id="{FABAE490-0A31-9944-8C10-D3082C1F3F1E}" type="datetimeFigureOut">
               <a:rPr lang="en-GB" smtClean="0"/>
-              <a:t>12/12/2023</a:t>
+              <a:t>14/12/2023</a:t>
             </a:fld>
             <a:endParaRPr lang="en-GB"/>
           </a:p>
@@ -2567,7 +2567,7 @@
           <a:p>
             <a:fld id="{FABAE490-0A31-9944-8C10-D3082C1F3F1E}" type="datetimeFigureOut">
               <a:rPr lang="en-GB" smtClean="0"/>
-              <a:t>12/12/2023</a:t>
+              <a:t>14/12/2023</a:t>
             </a:fld>
             <a:endParaRPr lang="en-GB"/>
           </a:p>
@@ -2994,7 +2994,7 @@
         </p:blipFill>
         <p:spPr>
           <a:xfrm>
-            <a:off x="1517763" y="9168582"/>
+            <a:off x="964870" y="1194163"/>
             <a:ext cx="11160728" cy="1631183"/>
           </a:xfrm>
           <a:prstGeom prst="rect">
@@ -3023,7 +3023,7 @@
         </p:blipFill>
         <p:spPr>
           <a:xfrm>
-            <a:off x="1601977" y="9486033"/>
+            <a:off x="1049084" y="1511614"/>
             <a:ext cx="2701299" cy="1276769"/>
           </a:xfrm>
           <a:prstGeom prst="rect">
@@ -3045,7 +3045,7 @@
         </p:nvSpPr>
         <p:spPr>
           <a:xfrm>
-            <a:off x="3344251" y="10584318"/>
+            <a:off x="2791358" y="2609899"/>
             <a:ext cx="1003801" cy="215444"/>
           </a:xfrm>
           <a:prstGeom prst="rect">
@@ -3092,7 +3092,7 @@
         </p:blipFill>
         <p:spPr>
           <a:xfrm>
-            <a:off x="4380703" y="9502852"/>
+            <a:off x="3827810" y="1528433"/>
             <a:ext cx="2723838" cy="1286024"/>
           </a:xfrm>
           <a:prstGeom prst="rect">
@@ -3114,7 +3114,7 @@
         </p:nvSpPr>
         <p:spPr>
           <a:xfrm>
-            <a:off x="6149134" y="10595204"/>
+            <a:off x="5596241" y="2620785"/>
             <a:ext cx="1003801" cy="215444"/>
           </a:xfrm>
           <a:prstGeom prst="rect">
@@ -3161,7 +3161,7 @@
         </p:blipFill>
         <p:spPr>
           <a:xfrm>
-            <a:off x="7178334" y="9486032"/>
+            <a:off x="6625441" y="1511613"/>
             <a:ext cx="2701300" cy="1286023"/>
           </a:xfrm>
           <a:prstGeom prst="rect">
@@ -3183,7 +3183,7 @@
         </p:nvSpPr>
         <p:spPr>
           <a:xfrm>
-            <a:off x="8895967" y="10584319"/>
+            <a:off x="8343074" y="2609900"/>
             <a:ext cx="1003801" cy="215444"/>
           </a:xfrm>
           <a:prstGeom prst="rect">
@@ -3230,7 +3230,7 @@
         </p:blipFill>
         <p:spPr>
           <a:xfrm>
-            <a:off x="9948584" y="9496916"/>
+            <a:off x="9395691" y="1522497"/>
             <a:ext cx="2656117" cy="1275136"/>
           </a:xfrm>
           <a:prstGeom prst="rect">
@@ -3252,7 +3252,7 @@
         </p:nvSpPr>
         <p:spPr>
           <a:xfrm>
-            <a:off x="11637796" y="10556609"/>
+            <a:off x="11084903" y="2582190"/>
             <a:ext cx="1003801" cy="215444"/>
           </a:xfrm>
           <a:prstGeom prst="rect">
@@ -3274,6 +3274,1077 @@
                 <a:latin typeface="Helvetica" pitchFamily="2" charset="0"/>
               </a:rPr>
               <a:t>5068_2_A_169_1</a:t>
+            </a:r>
+          </a:p>
+        </p:txBody>
+      </p:sp>
+      <p:graphicFrame>
+        <p:nvGraphicFramePr>
+          <p:cNvPr id="2" name="Table 1">
+            <a:extLst>
+              <a:ext uri="{FF2B5EF4-FFF2-40B4-BE49-F238E27FC236}">
+                <a16:creationId xmlns:a16="http://schemas.microsoft.com/office/drawing/2014/main" id="{382FAABD-D8FB-340A-8471-8DEBAC862102}"/>
+              </a:ext>
+            </a:extLst>
+          </p:cNvPr>
+          <p:cNvGraphicFramePr>
+            <a:graphicFrameLocks noGrp="1"/>
+          </p:cNvGraphicFramePr>
+          <p:nvPr>
+            <p:extLst>
+              <p:ext uri="{D42A27DB-BD31-4B8C-83A1-F6EECF244321}">
+                <p14:modId xmlns:p14="http://schemas.microsoft.com/office/powerpoint/2010/main" val="3578634436"/>
+              </p:ext>
+            </p:extLst>
+          </p:nvPr>
+        </p:nvGraphicFramePr>
+        <p:xfrm>
+          <a:off x="5189729" y="6479921"/>
+          <a:ext cx="4448655" cy="4449336"/>
+        </p:xfrm>
+        <a:graphic>
+          <a:graphicData uri="http://schemas.openxmlformats.org/drawingml/2006/table">
+            <a:tbl>
+              <a:tblPr firstRow="1" bandRow="1">
+                <a:tableStyleId>{5C22544A-7EE6-4342-B048-85BDC9FD1C3A}</a:tableStyleId>
+              </a:tblPr>
+              <a:tblGrid>
+                <a:gridCol w="1482885">
+                  <a:extLst>
+                    <a:ext uri="{9D8B030D-6E8A-4147-A177-3AD203B41FA5}">
+                      <a16:colId xmlns:a16="http://schemas.microsoft.com/office/drawing/2014/main" val="4213229322"/>
+                    </a:ext>
+                  </a:extLst>
+                </a:gridCol>
+                <a:gridCol w="1482885">
+                  <a:extLst>
+                    <a:ext uri="{9D8B030D-6E8A-4147-A177-3AD203B41FA5}">
+                      <a16:colId xmlns:a16="http://schemas.microsoft.com/office/drawing/2014/main" val="4087525183"/>
+                    </a:ext>
+                  </a:extLst>
+                </a:gridCol>
+                <a:gridCol w="1482885">
+                  <a:extLst>
+                    <a:ext uri="{9D8B030D-6E8A-4147-A177-3AD203B41FA5}">
+                      <a16:colId xmlns:a16="http://schemas.microsoft.com/office/drawing/2014/main" val="2307591995"/>
+                    </a:ext>
+                  </a:extLst>
+                </a:gridCol>
+              </a:tblGrid>
+              <a:tr h="1483112">
+                <a:tc>
+                  <a:txBody>
+                    <a:bodyPr/>
+                    <a:lstStyle/>
+                    <a:p>
+                      <a:endParaRPr lang="en-GB" dirty="0"/>
+                    </a:p>
+                  </a:txBody>
+                  <a:tcPr>
+                    <a:lnL w="12700" cap="flat" cmpd="sng" algn="ctr">
+                      <a:solidFill>
+                        <a:schemeClr val="tx1"/>
+                      </a:solidFill>
+                      <a:prstDash val="solid"/>
+                      <a:round/>
+                      <a:headEnd type="none" w="med" len="med"/>
+                      <a:tailEnd type="none" w="med" len="med"/>
+                    </a:lnL>
+                    <a:lnR w="12700" cap="flat" cmpd="sng" algn="ctr">
+                      <a:solidFill>
+                        <a:schemeClr val="tx1"/>
+                      </a:solidFill>
+                      <a:prstDash val="solid"/>
+                      <a:round/>
+                      <a:headEnd type="none" w="med" len="med"/>
+                      <a:tailEnd type="none" w="med" len="med"/>
+                    </a:lnR>
+                    <a:lnT w="12700" cap="flat" cmpd="sng" algn="ctr">
+                      <a:solidFill>
+                        <a:schemeClr val="tx1"/>
+                      </a:solidFill>
+                      <a:prstDash val="solid"/>
+                      <a:round/>
+                      <a:headEnd type="none" w="med" len="med"/>
+                      <a:tailEnd type="none" w="med" len="med"/>
+                    </a:lnT>
+                    <a:lnB w="12700" cap="flat" cmpd="sng" algn="ctr">
+                      <a:solidFill>
+                        <a:schemeClr val="tx1"/>
+                      </a:solidFill>
+                      <a:prstDash val="solid"/>
+                      <a:round/>
+                      <a:headEnd type="none" w="med" len="med"/>
+                      <a:tailEnd type="none" w="med" len="med"/>
+                    </a:lnB>
+                    <a:solidFill>
+                      <a:schemeClr val="accent4">
+                        <a:lumMod val="60000"/>
+                        <a:lumOff val="40000"/>
+                      </a:schemeClr>
+                    </a:solidFill>
+                  </a:tcPr>
+                </a:tc>
+                <a:tc>
+                  <a:txBody>
+                    <a:bodyPr/>
+                    <a:lstStyle/>
+                    <a:p>
+                      <a:endParaRPr lang="en-GB" dirty="0"/>
+                    </a:p>
+                  </a:txBody>
+                  <a:tcPr>
+                    <a:lnL w="12700" cap="flat" cmpd="sng" algn="ctr">
+                      <a:solidFill>
+                        <a:schemeClr val="tx1"/>
+                      </a:solidFill>
+                      <a:prstDash val="solid"/>
+                      <a:round/>
+                      <a:headEnd type="none" w="med" len="med"/>
+                      <a:tailEnd type="none" w="med" len="med"/>
+                    </a:lnL>
+                    <a:lnR w="12700" cap="flat" cmpd="sng" algn="ctr">
+                      <a:solidFill>
+                        <a:schemeClr val="tx1"/>
+                      </a:solidFill>
+                      <a:prstDash val="solid"/>
+                      <a:round/>
+                      <a:headEnd type="none" w="med" len="med"/>
+                      <a:tailEnd type="none" w="med" len="med"/>
+                    </a:lnR>
+                    <a:lnT w="12700" cap="flat" cmpd="sng" algn="ctr">
+                      <a:solidFill>
+                        <a:schemeClr val="tx1"/>
+                      </a:solidFill>
+                      <a:prstDash val="solid"/>
+                      <a:round/>
+                      <a:headEnd type="none" w="med" len="med"/>
+                      <a:tailEnd type="none" w="med" len="med"/>
+                    </a:lnT>
+                    <a:lnB w="12700" cap="flat" cmpd="sng" algn="ctr">
+                      <a:solidFill>
+                        <a:schemeClr val="tx1"/>
+                      </a:solidFill>
+                      <a:prstDash val="solid"/>
+                      <a:round/>
+                      <a:headEnd type="none" w="med" len="med"/>
+                      <a:tailEnd type="none" w="med" len="med"/>
+                    </a:lnB>
+                    <a:solidFill>
+                      <a:srgbClr val="FF2600"/>
+                    </a:solidFill>
+                  </a:tcPr>
+                </a:tc>
+                <a:tc>
+                  <a:txBody>
+                    <a:bodyPr/>
+                    <a:lstStyle/>
+                    <a:p>
+                      <a:endParaRPr lang="en-GB" dirty="0"/>
+                    </a:p>
+                  </a:txBody>
+                  <a:tcPr>
+                    <a:lnL w="12700" cap="flat" cmpd="sng" algn="ctr">
+                      <a:solidFill>
+                        <a:schemeClr val="tx1"/>
+                      </a:solidFill>
+                      <a:prstDash val="solid"/>
+                      <a:round/>
+                      <a:headEnd type="none" w="med" len="med"/>
+                      <a:tailEnd type="none" w="med" len="med"/>
+                    </a:lnL>
+                    <a:lnR w="12700" cap="flat" cmpd="sng" algn="ctr">
+                      <a:solidFill>
+                        <a:schemeClr val="tx1"/>
+                      </a:solidFill>
+                      <a:prstDash val="solid"/>
+                      <a:round/>
+                      <a:headEnd type="none" w="med" len="med"/>
+                      <a:tailEnd type="none" w="med" len="med"/>
+                    </a:lnR>
+                    <a:lnT w="12700" cap="flat" cmpd="sng" algn="ctr">
+                      <a:solidFill>
+                        <a:schemeClr val="tx1"/>
+                      </a:solidFill>
+                      <a:prstDash val="solid"/>
+                      <a:round/>
+                      <a:headEnd type="none" w="med" len="med"/>
+                      <a:tailEnd type="none" w="med" len="med"/>
+                    </a:lnT>
+                    <a:lnB w="12700" cap="flat" cmpd="sng" algn="ctr">
+                      <a:solidFill>
+                        <a:schemeClr val="tx1"/>
+                      </a:solidFill>
+                      <a:prstDash val="solid"/>
+                      <a:round/>
+                      <a:headEnd type="none" w="med" len="med"/>
+                      <a:tailEnd type="none" w="med" len="med"/>
+                    </a:lnB>
+                    <a:solidFill>
+                      <a:srgbClr val="FF2600"/>
+                    </a:solidFill>
+                  </a:tcPr>
+                </a:tc>
+                <a:extLst>
+                  <a:ext uri="{0D108BD9-81ED-4DB2-BD59-A6C34878D82A}">
+                    <a16:rowId xmlns:a16="http://schemas.microsoft.com/office/drawing/2014/main" val="1820197552"/>
+                  </a:ext>
+                </a:extLst>
+              </a:tr>
+              <a:tr h="1483112">
+                <a:tc>
+                  <a:txBody>
+                    <a:bodyPr/>
+                    <a:lstStyle/>
+                    <a:p>
+                      <a:endParaRPr lang="en-GB" dirty="0"/>
+                    </a:p>
+                  </a:txBody>
+                  <a:tcPr>
+                    <a:lnL w="12700" cap="flat" cmpd="sng" algn="ctr">
+                      <a:solidFill>
+                        <a:schemeClr val="tx1"/>
+                      </a:solidFill>
+                      <a:prstDash val="solid"/>
+                      <a:round/>
+                      <a:headEnd type="none" w="med" len="med"/>
+                      <a:tailEnd type="none" w="med" len="med"/>
+                    </a:lnL>
+                    <a:lnR w="12700" cap="flat" cmpd="sng" algn="ctr">
+                      <a:solidFill>
+                        <a:schemeClr val="tx1"/>
+                      </a:solidFill>
+                      <a:prstDash val="solid"/>
+                      <a:round/>
+                      <a:headEnd type="none" w="med" len="med"/>
+                      <a:tailEnd type="none" w="med" len="med"/>
+                    </a:lnR>
+                    <a:lnT w="12700" cap="flat" cmpd="sng" algn="ctr">
+                      <a:solidFill>
+                        <a:schemeClr val="tx1"/>
+                      </a:solidFill>
+                      <a:prstDash val="solid"/>
+                      <a:round/>
+                      <a:headEnd type="none" w="med" len="med"/>
+                      <a:tailEnd type="none" w="med" len="med"/>
+                    </a:lnT>
+                    <a:lnB w="12700" cap="flat" cmpd="sng" algn="ctr">
+                      <a:solidFill>
+                        <a:schemeClr val="tx1"/>
+                      </a:solidFill>
+                      <a:prstDash val="solid"/>
+                      <a:round/>
+                      <a:headEnd type="none" w="med" len="med"/>
+                      <a:tailEnd type="none" w="med" len="med"/>
+                    </a:lnB>
+                    <a:solidFill>
+                      <a:srgbClr val="92D050"/>
+                    </a:solidFill>
+                  </a:tcPr>
+                </a:tc>
+                <a:tc>
+                  <a:txBody>
+                    <a:bodyPr/>
+                    <a:lstStyle/>
+                    <a:p>
+                      <a:endParaRPr lang="en-GB" dirty="0"/>
+                    </a:p>
+                  </a:txBody>
+                  <a:tcPr>
+                    <a:lnL w="12700" cap="flat" cmpd="sng" algn="ctr">
+                      <a:solidFill>
+                        <a:schemeClr val="tx1"/>
+                      </a:solidFill>
+                      <a:prstDash val="solid"/>
+                      <a:round/>
+                      <a:headEnd type="none" w="med" len="med"/>
+                      <a:tailEnd type="none" w="med" len="med"/>
+                    </a:lnL>
+                    <a:lnR w="12700" cap="flat" cmpd="sng" algn="ctr">
+                      <a:solidFill>
+                        <a:schemeClr val="tx1"/>
+                      </a:solidFill>
+                      <a:prstDash val="solid"/>
+                      <a:round/>
+                      <a:headEnd type="none" w="med" len="med"/>
+                      <a:tailEnd type="none" w="med" len="med"/>
+                    </a:lnR>
+                    <a:lnT w="12700" cap="flat" cmpd="sng" algn="ctr">
+                      <a:solidFill>
+                        <a:schemeClr val="tx1"/>
+                      </a:solidFill>
+                      <a:prstDash val="solid"/>
+                      <a:round/>
+                      <a:headEnd type="none" w="med" len="med"/>
+                      <a:tailEnd type="none" w="med" len="med"/>
+                    </a:lnT>
+                    <a:lnB w="12700" cap="flat" cmpd="sng" algn="ctr">
+                      <a:solidFill>
+                        <a:schemeClr val="tx1"/>
+                      </a:solidFill>
+                      <a:prstDash val="solid"/>
+                      <a:round/>
+                      <a:headEnd type="none" w="med" len="med"/>
+                      <a:tailEnd type="none" w="med" len="med"/>
+                    </a:lnB>
+                    <a:solidFill>
+                      <a:schemeClr val="accent4">
+                        <a:lumMod val="60000"/>
+                        <a:lumOff val="40000"/>
+                      </a:schemeClr>
+                    </a:solidFill>
+                  </a:tcPr>
+                </a:tc>
+                <a:tc>
+                  <a:txBody>
+                    <a:bodyPr/>
+                    <a:lstStyle/>
+                    <a:p>
+                      <a:endParaRPr lang="en-GB" dirty="0"/>
+                    </a:p>
+                  </a:txBody>
+                  <a:tcPr>
+                    <a:lnL w="12700" cap="flat" cmpd="sng" algn="ctr">
+                      <a:solidFill>
+                        <a:schemeClr val="tx1"/>
+                      </a:solidFill>
+                      <a:prstDash val="solid"/>
+                      <a:round/>
+                      <a:headEnd type="none" w="med" len="med"/>
+                      <a:tailEnd type="none" w="med" len="med"/>
+                    </a:lnL>
+                    <a:lnR w="12700" cap="flat" cmpd="sng" algn="ctr">
+                      <a:solidFill>
+                        <a:schemeClr val="tx1"/>
+                      </a:solidFill>
+                      <a:prstDash val="solid"/>
+                      <a:round/>
+                      <a:headEnd type="none" w="med" len="med"/>
+                      <a:tailEnd type="none" w="med" len="med"/>
+                    </a:lnR>
+                    <a:lnT w="12700" cap="flat" cmpd="sng" algn="ctr">
+                      <a:solidFill>
+                        <a:schemeClr val="tx1"/>
+                      </a:solidFill>
+                      <a:prstDash val="solid"/>
+                      <a:round/>
+                      <a:headEnd type="none" w="med" len="med"/>
+                      <a:tailEnd type="none" w="med" len="med"/>
+                    </a:lnT>
+                    <a:lnB w="12700" cap="flat" cmpd="sng" algn="ctr">
+                      <a:solidFill>
+                        <a:schemeClr val="tx1"/>
+                      </a:solidFill>
+                      <a:prstDash val="solid"/>
+                      <a:round/>
+                      <a:headEnd type="none" w="med" len="med"/>
+                      <a:tailEnd type="none" w="med" len="med"/>
+                    </a:lnB>
+                    <a:solidFill>
+                      <a:srgbClr val="FF2600"/>
+                    </a:solidFill>
+                  </a:tcPr>
+                </a:tc>
+                <a:extLst>
+                  <a:ext uri="{0D108BD9-81ED-4DB2-BD59-A6C34878D82A}">
+                    <a16:rowId xmlns:a16="http://schemas.microsoft.com/office/drawing/2014/main" val="3837047177"/>
+                  </a:ext>
+                </a:extLst>
+              </a:tr>
+              <a:tr h="1483112">
+                <a:tc>
+                  <a:txBody>
+                    <a:bodyPr/>
+                    <a:lstStyle/>
+                    <a:p>
+                      <a:endParaRPr lang="en-GB" dirty="0"/>
+                    </a:p>
+                  </a:txBody>
+                  <a:tcPr>
+                    <a:lnL w="12700" cap="flat" cmpd="sng" algn="ctr">
+                      <a:solidFill>
+                        <a:schemeClr val="tx1"/>
+                      </a:solidFill>
+                      <a:prstDash val="solid"/>
+                      <a:round/>
+                      <a:headEnd type="none" w="med" len="med"/>
+                      <a:tailEnd type="none" w="med" len="med"/>
+                    </a:lnL>
+                    <a:lnR w="12700" cap="flat" cmpd="sng" algn="ctr">
+                      <a:solidFill>
+                        <a:schemeClr val="tx1"/>
+                      </a:solidFill>
+                      <a:prstDash val="solid"/>
+                      <a:round/>
+                      <a:headEnd type="none" w="med" len="med"/>
+                      <a:tailEnd type="none" w="med" len="med"/>
+                    </a:lnR>
+                    <a:lnT w="12700" cap="flat" cmpd="sng" algn="ctr">
+                      <a:solidFill>
+                        <a:schemeClr val="tx1"/>
+                      </a:solidFill>
+                      <a:prstDash val="solid"/>
+                      <a:round/>
+                      <a:headEnd type="none" w="med" len="med"/>
+                      <a:tailEnd type="none" w="med" len="med"/>
+                    </a:lnT>
+                    <a:lnB w="12700" cap="flat" cmpd="sng" algn="ctr">
+                      <a:solidFill>
+                        <a:schemeClr val="tx1"/>
+                      </a:solidFill>
+                      <a:prstDash val="solid"/>
+                      <a:round/>
+                      <a:headEnd type="none" w="med" len="med"/>
+                      <a:tailEnd type="none" w="med" len="med"/>
+                    </a:lnB>
+                    <a:solidFill>
+                      <a:srgbClr val="92D050"/>
+                    </a:solidFill>
+                  </a:tcPr>
+                </a:tc>
+                <a:tc>
+                  <a:txBody>
+                    <a:bodyPr/>
+                    <a:lstStyle/>
+                    <a:p>
+                      <a:endParaRPr lang="en-GB" dirty="0"/>
+                    </a:p>
+                  </a:txBody>
+                  <a:tcPr>
+                    <a:lnL w="12700" cap="flat" cmpd="sng" algn="ctr">
+                      <a:solidFill>
+                        <a:schemeClr val="tx1"/>
+                      </a:solidFill>
+                      <a:prstDash val="solid"/>
+                      <a:round/>
+                      <a:headEnd type="none" w="med" len="med"/>
+                      <a:tailEnd type="none" w="med" len="med"/>
+                    </a:lnL>
+                    <a:lnR w="12700" cap="flat" cmpd="sng" algn="ctr">
+                      <a:solidFill>
+                        <a:schemeClr val="tx1"/>
+                      </a:solidFill>
+                      <a:prstDash val="solid"/>
+                      <a:round/>
+                      <a:headEnd type="none" w="med" len="med"/>
+                      <a:tailEnd type="none" w="med" len="med"/>
+                    </a:lnR>
+                    <a:lnT w="12700" cap="flat" cmpd="sng" algn="ctr">
+                      <a:solidFill>
+                        <a:schemeClr val="tx1"/>
+                      </a:solidFill>
+                      <a:prstDash val="solid"/>
+                      <a:round/>
+                      <a:headEnd type="none" w="med" len="med"/>
+                      <a:tailEnd type="none" w="med" len="med"/>
+                    </a:lnT>
+                    <a:lnB w="12700" cap="flat" cmpd="sng" algn="ctr">
+                      <a:solidFill>
+                        <a:schemeClr val="tx1"/>
+                      </a:solidFill>
+                      <a:prstDash val="solid"/>
+                      <a:round/>
+                      <a:headEnd type="none" w="med" len="med"/>
+                      <a:tailEnd type="none" w="med" len="med"/>
+                    </a:lnB>
+                    <a:solidFill>
+                      <a:srgbClr val="92D050"/>
+                    </a:solidFill>
+                  </a:tcPr>
+                </a:tc>
+                <a:tc>
+                  <a:txBody>
+                    <a:bodyPr/>
+                    <a:lstStyle/>
+                    <a:p>
+                      <a:endParaRPr lang="en-GB" dirty="0"/>
+                    </a:p>
+                  </a:txBody>
+                  <a:tcPr>
+                    <a:lnL w="12700" cap="flat" cmpd="sng" algn="ctr">
+                      <a:solidFill>
+                        <a:schemeClr val="tx1"/>
+                      </a:solidFill>
+                      <a:prstDash val="solid"/>
+                      <a:round/>
+                      <a:headEnd type="none" w="med" len="med"/>
+                      <a:tailEnd type="none" w="med" len="med"/>
+                    </a:lnL>
+                    <a:lnR w="12700" cap="flat" cmpd="sng" algn="ctr">
+                      <a:solidFill>
+                        <a:schemeClr val="tx1"/>
+                      </a:solidFill>
+                      <a:prstDash val="solid"/>
+                      <a:round/>
+                      <a:headEnd type="none" w="med" len="med"/>
+                      <a:tailEnd type="none" w="med" len="med"/>
+                    </a:lnR>
+                    <a:lnT w="12700" cap="flat" cmpd="sng" algn="ctr">
+                      <a:solidFill>
+                        <a:schemeClr val="tx1"/>
+                      </a:solidFill>
+                      <a:prstDash val="solid"/>
+                      <a:round/>
+                      <a:headEnd type="none" w="med" len="med"/>
+                      <a:tailEnd type="none" w="med" len="med"/>
+                    </a:lnT>
+                    <a:lnB w="12700" cap="flat" cmpd="sng" algn="ctr">
+                      <a:solidFill>
+                        <a:schemeClr val="tx1"/>
+                      </a:solidFill>
+                      <a:prstDash val="solid"/>
+                      <a:round/>
+                      <a:headEnd type="none" w="med" len="med"/>
+                      <a:tailEnd type="none" w="med" len="med"/>
+                    </a:lnB>
+                    <a:solidFill>
+                      <a:schemeClr val="accent4">
+                        <a:lumMod val="60000"/>
+                        <a:lumOff val="40000"/>
+                      </a:schemeClr>
+                    </a:solidFill>
+                  </a:tcPr>
+                </a:tc>
+                <a:extLst>
+                  <a:ext uri="{0D108BD9-81ED-4DB2-BD59-A6C34878D82A}">
+                    <a16:rowId xmlns:a16="http://schemas.microsoft.com/office/drawing/2014/main" val="2322098054"/>
+                  </a:ext>
+                </a:extLst>
+              </a:tr>
+            </a:tbl>
+          </a:graphicData>
+        </a:graphic>
+      </p:graphicFrame>
+      <p:sp>
+        <p:nvSpPr>
+          <p:cNvPr id="3" name="TextBox 2">
+            <a:extLst>
+              <a:ext uri="{FF2B5EF4-FFF2-40B4-BE49-F238E27FC236}">
+                <a16:creationId xmlns:a16="http://schemas.microsoft.com/office/drawing/2014/main" id="{75B540CD-D4F3-42FC-C05F-62ACF915BD3A}"/>
+              </a:ext>
+            </a:extLst>
+          </p:cNvPr>
+          <p:cNvSpPr txBox="1"/>
+          <p:nvPr/>
+        </p:nvSpPr>
+        <p:spPr>
+          <a:xfrm rot="16200000">
+            <a:off x="4666281" y="9993087"/>
+            <a:ext cx="620683" cy="369332"/>
+          </a:xfrm>
+          <a:prstGeom prst="rect">
+            <a:avLst/>
+          </a:prstGeom>
+          <a:noFill/>
+        </p:spPr>
+        <p:txBody>
+          <a:bodyPr wrap="none" rtlCol="0">
+            <a:spAutoFit/>
+          </a:bodyPr>
+          <a:lstStyle/>
+          <a:p>
+            <a:r>
+              <a:rPr lang="en-GB" dirty="0">
+                <a:latin typeface="Helvetica Neue" panose="02000503000000020004" pitchFamily="2" charset="0"/>
+                <a:ea typeface="Helvetica Neue" panose="02000503000000020004" pitchFamily="2" charset="0"/>
+                <a:cs typeface="Helvetica Neue" panose="02000503000000020004" pitchFamily="2" charset="0"/>
+              </a:rPr>
+              <a:t>Low</a:t>
+            </a:r>
+          </a:p>
+        </p:txBody>
+      </p:sp>
+      <p:sp>
+        <p:nvSpPr>
+          <p:cNvPr id="4" name="TextBox 3">
+            <a:extLst>
+              <a:ext uri="{FF2B5EF4-FFF2-40B4-BE49-F238E27FC236}">
+                <a16:creationId xmlns:a16="http://schemas.microsoft.com/office/drawing/2014/main" id="{150B7093-8B20-DC39-B67E-429749BBC47C}"/>
+              </a:ext>
+            </a:extLst>
+          </p:cNvPr>
+          <p:cNvSpPr txBox="1"/>
+          <p:nvPr/>
+        </p:nvSpPr>
+        <p:spPr>
+          <a:xfrm>
+            <a:off x="5594525" y="10929259"/>
+            <a:ext cx="620683" cy="369332"/>
+          </a:xfrm>
+          <a:prstGeom prst="rect">
+            <a:avLst/>
+          </a:prstGeom>
+          <a:noFill/>
+        </p:spPr>
+        <p:txBody>
+          <a:bodyPr wrap="none" rtlCol="0">
+            <a:spAutoFit/>
+          </a:bodyPr>
+          <a:lstStyle/>
+          <a:p>
+            <a:r>
+              <a:rPr lang="en-GB" dirty="0">
+                <a:latin typeface="Helvetica Neue" panose="02000503000000020004" pitchFamily="2" charset="0"/>
+                <a:ea typeface="Helvetica Neue" panose="02000503000000020004" pitchFamily="2" charset="0"/>
+                <a:cs typeface="Helvetica Neue" panose="02000503000000020004" pitchFamily="2" charset="0"/>
+              </a:rPr>
+              <a:t>Low</a:t>
+            </a:r>
+          </a:p>
+        </p:txBody>
+      </p:sp>
+      <p:sp>
+        <p:nvSpPr>
+          <p:cNvPr id="6" name="TextBox 5">
+            <a:extLst>
+              <a:ext uri="{FF2B5EF4-FFF2-40B4-BE49-F238E27FC236}">
+                <a16:creationId xmlns:a16="http://schemas.microsoft.com/office/drawing/2014/main" id="{C671B28D-BF96-B719-DB8C-5BBD141504BD}"/>
+              </a:ext>
+            </a:extLst>
+          </p:cNvPr>
+          <p:cNvSpPr txBox="1"/>
+          <p:nvPr/>
+        </p:nvSpPr>
+        <p:spPr>
+          <a:xfrm>
+            <a:off x="6903339" y="10929259"/>
+            <a:ext cx="1021433" cy="369332"/>
+          </a:xfrm>
+          <a:prstGeom prst="rect">
+            <a:avLst/>
+          </a:prstGeom>
+          <a:noFill/>
+        </p:spPr>
+        <p:txBody>
+          <a:bodyPr wrap="none" rtlCol="0">
+            <a:spAutoFit/>
+          </a:bodyPr>
+          <a:lstStyle/>
+          <a:p>
+            <a:r>
+              <a:rPr lang="en-GB" dirty="0">
+                <a:latin typeface="Helvetica Neue" panose="02000503000000020004" pitchFamily="2" charset="0"/>
+                <a:ea typeface="Helvetica Neue" panose="02000503000000020004" pitchFamily="2" charset="0"/>
+                <a:cs typeface="Helvetica Neue" panose="02000503000000020004" pitchFamily="2" charset="0"/>
+              </a:rPr>
+              <a:t>Medium</a:t>
+            </a:r>
+          </a:p>
+        </p:txBody>
+      </p:sp>
+      <p:sp>
+        <p:nvSpPr>
+          <p:cNvPr id="9" name="TextBox 8">
+            <a:extLst>
+              <a:ext uri="{FF2B5EF4-FFF2-40B4-BE49-F238E27FC236}">
+                <a16:creationId xmlns:a16="http://schemas.microsoft.com/office/drawing/2014/main" id="{2F556167-BFB9-11F1-104E-1E17D84CB0D8}"/>
+              </a:ext>
+            </a:extLst>
+          </p:cNvPr>
+          <p:cNvSpPr txBox="1"/>
+          <p:nvPr/>
+        </p:nvSpPr>
+        <p:spPr>
+          <a:xfrm rot="16200000">
+            <a:off x="4464252" y="8519923"/>
+            <a:ext cx="1021433" cy="369332"/>
+          </a:xfrm>
+          <a:prstGeom prst="rect">
+            <a:avLst/>
+          </a:prstGeom>
+          <a:noFill/>
+        </p:spPr>
+        <p:txBody>
+          <a:bodyPr wrap="none" rtlCol="0">
+            <a:spAutoFit/>
+          </a:bodyPr>
+          <a:lstStyle/>
+          <a:p>
+            <a:r>
+              <a:rPr lang="en-GB" dirty="0">
+                <a:latin typeface="Helvetica Neue" panose="02000503000000020004" pitchFamily="2" charset="0"/>
+                <a:ea typeface="Helvetica Neue" panose="02000503000000020004" pitchFamily="2" charset="0"/>
+                <a:cs typeface="Helvetica Neue" panose="02000503000000020004" pitchFamily="2" charset="0"/>
+              </a:rPr>
+              <a:t>Medium</a:t>
+            </a:r>
+          </a:p>
+        </p:txBody>
+      </p:sp>
+      <p:sp>
+        <p:nvSpPr>
+          <p:cNvPr id="12" name="TextBox 11">
+            <a:extLst>
+              <a:ext uri="{FF2B5EF4-FFF2-40B4-BE49-F238E27FC236}">
+                <a16:creationId xmlns:a16="http://schemas.microsoft.com/office/drawing/2014/main" id="{3DB0B41C-D428-EF0F-C7D3-5DF45E25494E}"/>
+              </a:ext>
+            </a:extLst>
+          </p:cNvPr>
+          <p:cNvSpPr txBox="1"/>
+          <p:nvPr/>
+        </p:nvSpPr>
+        <p:spPr>
+          <a:xfrm rot="16200000">
+            <a:off x="4642987" y="7019190"/>
+            <a:ext cx="663964" cy="369332"/>
+          </a:xfrm>
+          <a:prstGeom prst="rect">
+            <a:avLst/>
+          </a:prstGeom>
+          <a:noFill/>
+        </p:spPr>
+        <p:txBody>
+          <a:bodyPr wrap="none" rtlCol="0">
+            <a:spAutoFit/>
+          </a:bodyPr>
+          <a:lstStyle/>
+          <a:p>
+            <a:r>
+              <a:rPr lang="en-GB" dirty="0">
+                <a:latin typeface="Helvetica Neue" panose="02000503000000020004" pitchFamily="2" charset="0"/>
+                <a:ea typeface="Helvetica Neue" panose="02000503000000020004" pitchFamily="2" charset="0"/>
+                <a:cs typeface="Helvetica Neue" panose="02000503000000020004" pitchFamily="2" charset="0"/>
+              </a:rPr>
+              <a:t>High</a:t>
+            </a:r>
+          </a:p>
+        </p:txBody>
+      </p:sp>
+      <p:sp>
+        <p:nvSpPr>
+          <p:cNvPr id="15" name="TextBox 14">
+            <a:extLst>
+              <a:ext uri="{FF2B5EF4-FFF2-40B4-BE49-F238E27FC236}">
+                <a16:creationId xmlns:a16="http://schemas.microsoft.com/office/drawing/2014/main" id="{D9C51DDF-4A31-BC85-9D74-FF8071CCE7F1}"/>
+              </a:ext>
+            </a:extLst>
+          </p:cNvPr>
+          <p:cNvSpPr txBox="1"/>
+          <p:nvPr/>
+        </p:nvSpPr>
+        <p:spPr>
+          <a:xfrm>
+            <a:off x="8571048" y="10929257"/>
+            <a:ext cx="663964" cy="369332"/>
+          </a:xfrm>
+          <a:prstGeom prst="rect">
+            <a:avLst/>
+          </a:prstGeom>
+          <a:noFill/>
+        </p:spPr>
+        <p:txBody>
+          <a:bodyPr wrap="none" rtlCol="0">
+            <a:spAutoFit/>
+          </a:bodyPr>
+          <a:lstStyle/>
+          <a:p>
+            <a:r>
+              <a:rPr lang="en-GB" dirty="0">
+                <a:latin typeface="Helvetica Neue" panose="02000503000000020004" pitchFamily="2" charset="0"/>
+                <a:ea typeface="Helvetica Neue" panose="02000503000000020004" pitchFamily="2" charset="0"/>
+                <a:cs typeface="Helvetica Neue" panose="02000503000000020004" pitchFamily="2" charset="0"/>
+              </a:rPr>
+              <a:t>High</a:t>
+            </a:r>
+          </a:p>
+        </p:txBody>
+      </p:sp>
+      <p:sp>
+        <p:nvSpPr>
+          <p:cNvPr id="18" name="TextBox 17">
+            <a:extLst>
+              <a:ext uri="{FF2B5EF4-FFF2-40B4-BE49-F238E27FC236}">
+                <a16:creationId xmlns:a16="http://schemas.microsoft.com/office/drawing/2014/main" id="{2E0E16BA-1C30-4DE1-1A3B-CD0DD645665F}"/>
+              </a:ext>
+            </a:extLst>
+          </p:cNvPr>
+          <p:cNvSpPr txBox="1"/>
+          <p:nvPr/>
+        </p:nvSpPr>
+        <p:spPr>
+          <a:xfrm rot="16200000">
+            <a:off x="3632552" y="8519923"/>
+            <a:ext cx="1276953" cy="369332"/>
+          </a:xfrm>
+          <a:prstGeom prst="rect">
+            <a:avLst/>
+          </a:prstGeom>
+          <a:noFill/>
+        </p:spPr>
+        <p:txBody>
+          <a:bodyPr wrap="none" rtlCol="0">
+            <a:spAutoFit/>
+          </a:bodyPr>
+          <a:lstStyle/>
+          <a:p>
+            <a:r>
+              <a:rPr lang="en-GB" dirty="0">
+                <a:latin typeface="Helvetica Neue" panose="02000503000000020004" pitchFamily="2" charset="0"/>
+                <a:ea typeface="Helvetica Neue" panose="02000503000000020004" pitchFamily="2" charset="0"/>
+                <a:cs typeface="Helvetica Neue" panose="02000503000000020004" pitchFamily="2" charset="0"/>
+              </a:rPr>
+              <a:t>Probability</a:t>
+            </a:r>
+          </a:p>
+        </p:txBody>
+      </p:sp>
+      <p:cxnSp>
+        <p:nvCxnSpPr>
+          <p:cNvPr id="20" name="Straight Arrow Connector 19">
+            <a:extLst>
+              <a:ext uri="{FF2B5EF4-FFF2-40B4-BE49-F238E27FC236}">
+                <a16:creationId xmlns:a16="http://schemas.microsoft.com/office/drawing/2014/main" id="{C08419B8-50E1-9812-EAB9-29733F0F7030}"/>
+              </a:ext>
+            </a:extLst>
+          </p:cNvPr>
+          <p:cNvCxnSpPr>
+            <a:cxnSpLocks/>
+          </p:cNvCxnSpPr>
+          <p:nvPr/>
+        </p:nvCxnSpPr>
+        <p:spPr>
+          <a:xfrm flipV="1">
+            <a:off x="4586514" y="7411573"/>
+            <a:ext cx="0" cy="2586031"/>
+          </a:xfrm>
+          <a:prstGeom prst="straightConnector1">
+            <a:avLst/>
+          </a:prstGeom>
+          <a:ln w="38100">
+            <a:solidFill>
+              <a:schemeClr val="tx1"/>
+            </a:solidFill>
+            <a:tailEnd type="triangle"/>
+          </a:ln>
+        </p:spPr>
+        <p:style>
+          <a:lnRef idx="1">
+            <a:schemeClr val="accent1"/>
+          </a:lnRef>
+          <a:fillRef idx="0">
+            <a:schemeClr val="accent1"/>
+          </a:fillRef>
+          <a:effectRef idx="0">
+            <a:schemeClr val="accent1"/>
+          </a:effectRef>
+          <a:fontRef idx="minor">
+            <a:schemeClr val="tx1"/>
+          </a:fontRef>
+        </p:style>
+      </p:cxnSp>
+      <p:sp>
+        <p:nvSpPr>
+          <p:cNvPr id="23" name="TextBox 22">
+            <a:extLst>
+              <a:ext uri="{FF2B5EF4-FFF2-40B4-BE49-F238E27FC236}">
+                <a16:creationId xmlns:a16="http://schemas.microsoft.com/office/drawing/2014/main" id="{3E0ACAD7-134A-B0FD-BA0A-78CEB53E1EEB}"/>
+              </a:ext>
+            </a:extLst>
+          </p:cNvPr>
+          <p:cNvSpPr txBox="1"/>
+          <p:nvPr/>
+        </p:nvSpPr>
+        <p:spPr>
+          <a:xfrm>
+            <a:off x="6965855" y="11473544"/>
+            <a:ext cx="896399" cy="369332"/>
+          </a:xfrm>
+          <a:prstGeom prst="rect">
+            <a:avLst/>
+          </a:prstGeom>
+          <a:noFill/>
+        </p:spPr>
+        <p:txBody>
+          <a:bodyPr wrap="none" rtlCol="0">
+            <a:spAutoFit/>
+          </a:bodyPr>
+          <a:lstStyle/>
+          <a:p>
+            <a:r>
+              <a:rPr lang="en-GB" dirty="0">
+                <a:latin typeface="Helvetica Neue" panose="02000503000000020004" pitchFamily="2" charset="0"/>
+                <a:ea typeface="Helvetica Neue" panose="02000503000000020004" pitchFamily="2" charset="0"/>
+                <a:cs typeface="Helvetica Neue" panose="02000503000000020004" pitchFamily="2" charset="0"/>
+              </a:rPr>
+              <a:t>Impact</a:t>
+            </a:r>
+          </a:p>
+        </p:txBody>
+      </p:sp>
+      <p:cxnSp>
+        <p:nvCxnSpPr>
+          <p:cNvPr id="24" name="Straight Arrow Connector 23">
+            <a:extLst>
+              <a:ext uri="{FF2B5EF4-FFF2-40B4-BE49-F238E27FC236}">
+                <a16:creationId xmlns:a16="http://schemas.microsoft.com/office/drawing/2014/main" id="{BE8FD1FA-A028-859E-AD87-1D218339D43C}"/>
+              </a:ext>
+            </a:extLst>
+          </p:cNvPr>
+          <p:cNvCxnSpPr>
+            <a:cxnSpLocks/>
+          </p:cNvCxnSpPr>
+          <p:nvPr/>
+        </p:nvCxnSpPr>
+        <p:spPr>
+          <a:xfrm rot="5400000" flipV="1">
+            <a:off x="7505610" y="10122470"/>
+            <a:ext cx="0" cy="2586031"/>
+          </a:xfrm>
+          <a:prstGeom prst="straightConnector1">
+            <a:avLst/>
+          </a:prstGeom>
+          <a:ln w="38100">
+            <a:solidFill>
+              <a:schemeClr val="tx1"/>
+            </a:solidFill>
+            <a:tailEnd type="triangle"/>
+          </a:ln>
+        </p:spPr>
+        <p:style>
+          <a:lnRef idx="1">
+            <a:schemeClr val="accent1"/>
+          </a:lnRef>
+          <a:fillRef idx="0">
+            <a:schemeClr val="accent1"/>
+          </a:fillRef>
+          <a:effectRef idx="0">
+            <a:schemeClr val="accent1"/>
+          </a:effectRef>
+          <a:fontRef idx="minor">
+            <a:schemeClr val="tx1"/>
+          </a:fontRef>
+        </p:style>
+      </p:cxnSp>
+      <p:sp>
+        <p:nvSpPr>
+          <p:cNvPr id="26" name="TextBox 25">
+            <a:extLst>
+              <a:ext uri="{FF2B5EF4-FFF2-40B4-BE49-F238E27FC236}">
+                <a16:creationId xmlns:a16="http://schemas.microsoft.com/office/drawing/2014/main" id="{A3F161F9-1319-0A4A-BDDF-07E947471682}"/>
+              </a:ext>
+            </a:extLst>
+          </p:cNvPr>
+          <p:cNvSpPr txBox="1"/>
+          <p:nvPr/>
+        </p:nvSpPr>
+        <p:spPr>
+          <a:xfrm>
+            <a:off x="5669064" y="7042241"/>
+            <a:ext cx="471604" cy="369332"/>
+          </a:xfrm>
+          <a:prstGeom prst="rect">
+            <a:avLst/>
+          </a:prstGeom>
+          <a:noFill/>
+        </p:spPr>
+        <p:txBody>
+          <a:bodyPr wrap="none" rtlCol="0">
+            <a:spAutoFit/>
+          </a:bodyPr>
+          <a:lstStyle/>
+          <a:p>
+            <a:r>
+              <a:rPr lang="en-GB" dirty="0">
+                <a:latin typeface="Helvetica Neue" panose="02000503000000020004" pitchFamily="2" charset="0"/>
+                <a:ea typeface="Helvetica Neue" panose="02000503000000020004" pitchFamily="2" charset="0"/>
+                <a:cs typeface="Helvetica Neue" panose="02000503000000020004" pitchFamily="2" charset="0"/>
+              </a:rPr>
+              <a:t>R1</a:t>
+            </a:r>
+          </a:p>
+        </p:txBody>
+      </p:sp>
+      <p:sp>
+        <p:nvSpPr>
+          <p:cNvPr id="27" name="TextBox 26">
+            <a:extLst>
+              <a:ext uri="{FF2B5EF4-FFF2-40B4-BE49-F238E27FC236}">
+                <a16:creationId xmlns:a16="http://schemas.microsoft.com/office/drawing/2014/main" id="{D1A290CC-0B50-54A3-C507-BFE4029FA6F2}"/>
+              </a:ext>
+            </a:extLst>
+          </p:cNvPr>
+          <p:cNvSpPr txBox="1"/>
+          <p:nvPr/>
+        </p:nvSpPr>
+        <p:spPr>
+          <a:xfrm>
+            <a:off x="5669064" y="8519922"/>
+            <a:ext cx="471604" cy="369332"/>
+          </a:xfrm>
+          <a:prstGeom prst="rect">
+            <a:avLst/>
+          </a:prstGeom>
+          <a:noFill/>
+        </p:spPr>
+        <p:txBody>
+          <a:bodyPr wrap="none" rtlCol="0">
+            <a:spAutoFit/>
+          </a:bodyPr>
+          <a:lstStyle/>
+          <a:p>
+            <a:r>
+              <a:rPr lang="en-GB" dirty="0">
+                <a:latin typeface="Helvetica Neue" panose="02000503000000020004" pitchFamily="2" charset="0"/>
+                <a:ea typeface="Helvetica Neue" panose="02000503000000020004" pitchFamily="2" charset="0"/>
+                <a:cs typeface="Helvetica Neue" panose="02000503000000020004" pitchFamily="2" charset="0"/>
+              </a:rPr>
+              <a:t>R3</a:t>
+            </a:r>
+          </a:p>
+        </p:txBody>
+      </p:sp>
+      <p:sp>
+        <p:nvSpPr>
+          <p:cNvPr id="28" name="TextBox 27">
+            <a:extLst>
+              <a:ext uri="{FF2B5EF4-FFF2-40B4-BE49-F238E27FC236}">
+                <a16:creationId xmlns:a16="http://schemas.microsoft.com/office/drawing/2014/main" id="{66876B47-2930-41D5-45C3-78693A8B2521}"/>
+              </a:ext>
+            </a:extLst>
+          </p:cNvPr>
+          <p:cNvSpPr txBox="1"/>
+          <p:nvPr/>
+        </p:nvSpPr>
+        <p:spPr>
+          <a:xfrm>
+            <a:off x="8667228" y="9755556"/>
+            <a:ext cx="471604" cy="923330"/>
+          </a:xfrm>
+          <a:prstGeom prst="rect">
+            <a:avLst/>
+          </a:prstGeom>
+          <a:noFill/>
+        </p:spPr>
+        <p:txBody>
+          <a:bodyPr wrap="none" rtlCol="0">
+            <a:spAutoFit/>
+          </a:bodyPr>
+          <a:lstStyle/>
+          <a:p>
+            <a:r>
+              <a:rPr lang="en-GB" dirty="0">
+                <a:latin typeface="Helvetica Neue" panose="02000503000000020004" pitchFamily="2" charset="0"/>
+                <a:ea typeface="Helvetica Neue" panose="02000503000000020004" pitchFamily="2" charset="0"/>
+                <a:cs typeface="Helvetica Neue" panose="02000503000000020004" pitchFamily="2" charset="0"/>
+              </a:rPr>
+              <a:t>R2</a:t>
+            </a:r>
+          </a:p>
+          <a:p>
+            <a:endParaRPr lang="en-GB" dirty="0">
+              <a:latin typeface="Helvetica Neue" panose="02000503000000020004" pitchFamily="2" charset="0"/>
+              <a:ea typeface="Helvetica Neue" panose="02000503000000020004" pitchFamily="2" charset="0"/>
+              <a:cs typeface="Helvetica Neue" panose="02000503000000020004" pitchFamily="2" charset="0"/>
+            </a:endParaRPr>
+          </a:p>
+          <a:p>
+            <a:r>
+              <a:rPr lang="en-GB" dirty="0">
+                <a:latin typeface="Helvetica Neue" panose="02000503000000020004" pitchFamily="2" charset="0"/>
+                <a:ea typeface="Helvetica Neue" panose="02000503000000020004" pitchFamily="2" charset="0"/>
+                <a:cs typeface="Helvetica Neue" panose="02000503000000020004" pitchFamily="2" charset="0"/>
+              </a:rPr>
+              <a:t>R4</a:t>
             </a:r>
           </a:p>
         </p:txBody>
@@ -3310,6 +4381,302 @@
       </p:grpSpPr>
       <p:grpSp>
         <p:nvGrpSpPr>
+          <p:cNvPr id="86" name="Group 85">
+            <a:extLst>
+              <a:ext uri="{FF2B5EF4-FFF2-40B4-BE49-F238E27FC236}">
+                <a16:creationId xmlns:a16="http://schemas.microsoft.com/office/drawing/2014/main" id="{969B63BB-B51D-CC5C-20B6-4BB95F73CAAA}"/>
+              </a:ext>
+            </a:extLst>
+          </p:cNvPr>
+          <p:cNvGrpSpPr/>
+          <p:nvPr/>
+        </p:nvGrpSpPr>
+        <p:grpSpPr>
+          <a:xfrm>
+            <a:off x="1804443" y="8536902"/>
+            <a:ext cx="6313715" cy="3958590"/>
+            <a:chOff x="2677884" y="315686"/>
+            <a:chExt cx="6313715" cy="3958590"/>
+          </a:xfrm>
+        </p:grpSpPr>
+        <p:sp>
+          <p:nvSpPr>
+            <p:cNvPr id="87" name="Down Arrow Callout 86">
+              <a:extLst>
+                <a:ext uri="{FF2B5EF4-FFF2-40B4-BE49-F238E27FC236}">
+                  <a16:creationId xmlns:a16="http://schemas.microsoft.com/office/drawing/2014/main" id="{B4C9255F-9AA7-0475-60FC-07333C479900}"/>
+                </a:ext>
+              </a:extLst>
+            </p:cNvPr>
+            <p:cNvSpPr/>
+            <p:nvPr/>
+          </p:nvSpPr>
+          <p:spPr>
+            <a:xfrm>
+              <a:off x="2677884" y="600889"/>
+              <a:ext cx="6313715" cy="3673387"/>
+            </a:xfrm>
+            <a:prstGeom prst="downArrowCallout">
+              <a:avLst>
+                <a:gd name="adj1" fmla="val 62899"/>
+                <a:gd name="adj2" fmla="val 70198"/>
+                <a:gd name="adj3" fmla="val 11432"/>
+                <a:gd name="adj4" fmla="val 84470"/>
+              </a:avLst>
+            </a:prstGeom>
+            <a:solidFill>
+              <a:schemeClr val="accent2">
+                <a:lumMod val="60000"/>
+                <a:lumOff val="40000"/>
+              </a:schemeClr>
+            </a:solidFill>
+            <a:ln>
+              <a:solidFill>
+                <a:schemeClr val="accent2">
+                  <a:lumMod val="50000"/>
+                </a:schemeClr>
+              </a:solidFill>
+            </a:ln>
+          </p:spPr>
+          <p:style>
+            <a:lnRef idx="2">
+              <a:schemeClr val="accent1">
+                <a:shade val="15000"/>
+              </a:schemeClr>
+            </a:lnRef>
+            <a:fillRef idx="1">
+              <a:schemeClr val="accent1"/>
+            </a:fillRef>
+            <a:effectRef idx="0">
+              <a:schemeClr val="accent1"/>
+            </a:effectRef>
+            <a:fontRef idx="minor">
+              <a:schemeClr val="lt1"/>
+            </a:fontRef>
+          </p:style>
+          <p:txBody>
+            <a:bodyPr rtlCol="0" anchor="ctr"/>
+            <a:lstStyle/>
+            <a:p>
+              <a:pPr algn="ctr"/>
+              <a:endParaRPr lang="en-GB">
+                <a:solidFill>
+                  <a:sysClr val="windowText" lastClr="000000"/>
+                </a:solidFill>
+              </a:endParaRPr>
+            </a:p>
+          </p:txBody>
+        </p:sp>
+        <p:sp>
+          <p:nvSpPr>
+            <p:cNvPr id="88" name="Rectangle 87">
+              <a:extLst>
+                <a:ext uri="{FF2B5EF4-FFF2-40B4-BE49-F238E27FC236}">
+                  <a16:creationId xmlns:a16="http://schemas.microsoft.com/office/drawing/2014/main" id="{4F642710-40F4-E84A-89FF-C0EAEFEAA3EE}"/>
+                </a:ext>
+              </a:extLst>
+            </p:cNvPr>
+            <p:cNvSpPr/>
+            <p:nvPr/>
+          </p:nvSpPr>
+          <p:spPr>
+            <a:xfrm>
+              <a:off x="2677884" y="315686"/>
+              <a:ext cx="6313715" cy="286066"/>
+            </a:xfrm>
+            <a:prstGeom prst="rect">
+              <a:avLst/>
+            </a:prstGeom>
+            <a:solidFill>
+              <a:schemeClr val="accent2">
+                <a:lumMod val="60000"/>
+                <a:lumOff val="40000"/>
+              </a:schemeClr>
+            </a:solidFill>
+            <a:ln>
+              <a:solidFill>
+                <a:schemeClr val="accent2">
+                  <a:lumMod val="50000"/>
+                </a:schemeClr>
+              </a:solidFill>
+            </a:ln>
+          </p:spPr>
+          <p:style>
+            <a:lnRef idx="2">
+              <a:schemeClr val="accent1">
+                <a:shade val="15000"/>
+              </a:schemeClr>
+            </a:lnRef>
+            <a:fillRef idx="1">
+              <a:schemeClr val="accent1"/>
+            </a:fillRef>
+            <a:effectRef idx="0">
+              <a:schemeClr val="accent1"/>
+            </a:effectRef>
+            <a:fontRef idx="minor">
+              <a:schemeClr val="lt1"/>
+            </a:fontRef>
+          </p:style>
+          <p:txBody>
+            <a:bodyPr rtlCol="0" anchor="ctr"/>
+            <a:lstStyle/>
+            <a:p>
+              <a:pPr algn="ctr"/>
+              <a:endParaRPr lang="en-GB"/>
+            </a:p>
+          </p:txBody>
+        </p:sp>
+      </p:grpSp>
+      <p:grpSp>
+        <p:nvGrpSpPr>
+          <p:cNvPr id="32" name="Group 31">
+            <a:extLst>
+              <a:ext uri="{FF2B5EF4-FFF2-40B4-BE49-F238E27FC236}">
+                <a16:creationId xmlns:a16="http://schemas.microsoft.com/office/drawing/2014/main" id="{5CF76F5E-27D5-6405-9B5B-24098EB9DA22}"/>
+              </a:ext>
+            </a:extLst>
+          </p:cNvPr>
+          <p:cNvGrpSpPr/>
+          <p:nvPr/>
+        </p:nvGrpSpPr>
+        <p:grpSpPr>
+          <a:xfrm>
+            <a:off x="1780194" y="2947270"/>
+            <a:ext cx="6313715" cy="2028950"/>
+            <a:chOff x="2677884" y="315686"/>
+            <a:chExt cx="6313715" cy="2028950"/>
+          </a:xfrm>
+        </p:grpSpPr>
+        <p:sp>
+          <p:nvSpPr>
+            <p:cNvPr id="33" name="Down Arrow Callout 32">
+              <a:extLst>
+                <a:ext uri="{FF2B5EF4-FFF2-40B4-BE49-F238E27FC236}">
+                  <a16:creationId xmlns:a16="http://schemas.microsoft.com/office/drawing/2014/main" id="{A41BA0F4-1CAE-A84E-871A-1EB4BEC9C638}"/>
+                </a:ext>
+              </a:extLst>
+            </p:cNvPr>
+            <p:cNvSpPr/>
+            <p:nvPr/>
+          </p:nvSpPr>
+          <p:spPr>
+            <a:xfrm>
+              <a:off x="2677884" y="600890"/>
+              <a:ext cx="6313715" cy="1743746"/>
+            </a:xfrm>
+            <a:prstGeom prst="downArrowCallout">
+              <a:avLst>
+                <a:gd name="adj1" fmla="val 132914"/>
+                <a:gd name="adj2" fmla="val 102698"/>
+                <a:gd name="adj3" fmla="val 25000"/>
+                <a:gd name="adj4" fmla="val 64977"/>
+              </a:avLst>
+            </a:prstGeom>
+            <a:solidFill>
+              <a:schemeClr val="accent4">
+                <a:lumMod val="60000"/>
+                <a:lumOff val="40000"/>
+              </a:schemeClr>
+            </a:solidFill>
+            <a:ln>
+              <a:solidFill>
+                <a:schemeClr val="accent4">
+                  <a:lumMod val="75000"/>
+                </a:schemeClr>
+              </a:solidFill>
+            </a:ln>
+          </p:spPr>
+          <p:style>
+            <a:lnRef idx="2">
+              <a:schemeClr val="accent1">
+                <a:shade val="15000"/>
+              </a:schemeClr>
+            </a:lnRef>
+            <a:fillRef idx="1">
+              <a:schemeClr val="accent1"/>
+            </a:fillRef>
+            <a:effectRef idx="0">
+              <a:schemeClr val="accent1"/>
+            </a:effectRef>
+            <a:fontRef idx="minor">
+              <a:schemeClr val="lt1"/>
+            </a:fontRef>
+          </p:style>
+          <p:txBody>
+            <a:bodyPr rtlCol="0" anchor="ctr"/>
+            <a:lstStyle/>
+            <a:p>
+              <a:pPr algn="ctr"/>
+              <a:endParaRPr lang="en-GB">
+                <a:solidFill>
+                  <a:sysClr val="windowText" lastClr="000000"/>
+                </a:solidFill>
+              </a:endParaRPr>
+            </a:p>
+          </p:txBody>
+        </p:sp>
+        <p:sp>
+          <p:nvSpPr>
+            <p:cNvPr id="34" name="Rectangle 33">
+              <a:extLst>
+                <a:ext uri="{FF2B5EF4-FFF2-40B4-BE49-F238E27FC236}">
+                  <a16:creationId xmlns:a16="http://schemas.microsoft.com/office/drawing/2014/main" id="{3E036DA5-C6AB-4E44-D1EE-BEEF90FE4191}"/>
+                </a:ext>
+              </a:extLst>
+            </p:cNvPr>
+            <p:cNvSpPr/>
+            <p:nvPr/>
+          </p:nvSpPr>
+          <p:spPr>
+            <a:xfrm>
+              <a:off x="2677884" y="315686"/>
+              <a:ext cx="6313715" cy="286066"/>
+            </a:xfrm>
+            <a:prstGeom prst="rect">
+              <a:avLst/>
+            </a:prstGeom>
+            <a:solidFill>
+              <a:schemeClr val="accent4">
+                <a:lumMod val="60000"/>
+                <a:lumOff val="40000"/>
+              </a:schemeClr>
+            </a:solidFill>
+            <a:ln>
+              <a:solidFill>
+                <a:schemeClr val="accent4">
+                  <a:lumMod val="75000"/>
+                </a:schemeClr>
+              </a:solidFill>
+            </a:ln>
+          </p:spPr>
+          <p:style>
+            <a:lnRef idx="2">
+              <a:schemeClr val="accent1">
+                <a:shade val="15000"/>
+              </a:schemeClr>
+            </a:lnRef>
+            <a:fillRef idx="1">
+              <a:schemeClr val="accent1"/>
+            </a:fillRef>
+            <a:effectRef idx="0">
+              <a:schemeClr val="accent1"/>
+            </a:effectRef>
+            <a:fontRef idx="minor">
+              <a:schemeClr val="lt1"/>
+            </a:fontRef>
+          </p:style>
+          <p:txBody>
+            <a:bodyPr rtlCol="0" anchor="ctr"/>
+            <a:lstStyle/>
+            <a:p>
+              <a:pPr algn="ctr"/>
+              <a:endParaRPr lang="en-GB"/>
+            </a:p>
+          </p:txBody>
+        </p:sp>
+      </p:grpSp>
+      <p:grpSp>
+        <p:nvGrpSpPr>
           <p:cNvPr id="10" name="Group 9">
             <a:extLst>
               <a:ext uri="{FF2B5EF4-FFF2-40B4-BE49-F238E27FC236}">
@@ -3322,10 +4689,10 @@
         </p:nvGrpSpPr>
         <p:grpSpPr>
           <a:xfrm>
-            <a:off x="1780196" y="478339"/>
-            <a:ext cx="6313716" cy="1861458"/>
-            <a:chOff x="2677884" y="315685"/>
-            <a:chExt cx="6313716" cy="1861458"/>
+            <a:off x="1780194" y="475803"/>
+            <a:ext cx="6313716" cy="1366523"/>
+            <a:chOff x="2677884" y="315686"/>
+            <a:chExt cx="6313716" cy="1366523"/>
           </a:xfrm>
         </p:grpSpPr>
         <p:sp>
@@ -3342,8 +4709,8 @@
           </p:nvSpPr>
           <p:spPr>
             <a:xfrm>
-              <a:off x="2677885" y="664029"/>
-              <a:ext cx="6313715" cy="1513114"/>
+              <a:off x="2677885" y="601752"/>
+              <a:ext cx="6313715" cy="1080457"/>
             </a:xfrm>
             <a:prstGeom prst="downArrowCallout">
               <a:avLst>
@@ -3353,7 +4720,9 @@
                 <a:gd name="adj4" fmla="val 64977"/>
               </a:avLst>
             </a:prstGeom>
-            <a:noFill/>
+            <a:solidFill>
+              <a:schemeClr val="accent6"/>
+            </a:solidFill>
             <a:ln>
               <a:solidFill>
                 <a:schemeClr val="accent6">
@@ -3405,13 +4774,15 @@
           </p:nvSpPr>
           <p:spPr>
             <a:xfrm>
-              <a:off x="2677884" y="315685"/>
-              <a:ext cx="6313715" cy="348343"/>
+              <a:off x="2677884" y="315686"/>
+              <a:ext cx="6313715" cy="286066"/>
             </a:xfrm>
             <a:prstGeom prst="rect">
               <a:avLst/>
             </a:prstGeom>
-            <a:noFill/>
+            <a:solidFill>
+              <a:schemeClr val="accent6"/>
+            </a:solidFill>
             <a:ln>
               <a:solidFill>
                 <a:schemeClr val="accent6">
@@ -3460,7 +4831,7 @@
         </p:nvSpPr>
         <p:spPr>
           <a:xfrm>
-            <a:off x="3808469" y="514013"/>
+            <a:off x="3808469" y="488613"/>
             <a:ext cx="2257168" cy="276999"/>
           </a:xfrm>
           <a:prstGeom prst="rect">
@@ -3499,14 +4870,14 @@
           <p:nvPr>
             <p:extLst>
               <p:ext uri="{D42A27DB-BD31-4B8C-83A1-F6EECF244321}">
-                <p14:modId xmlns:p14="http://schemas.microsoft.com/office/powerpoint/2010/main" val="3292808422"/>
+                <p14:modId xmlns:p14="http://schemas.microsoft.com/office/powerpoint/2010/main" val="2058727784"/>
               </p:ext>
             </p:extLst>
           </p:nvPr>
         </p:nvGraphicFramePr>
         <p:xfrm>
-          <a:off x="2378225" y="870591"/>
-          <a:ext cx="4896022" cy="822960"/>
+          <a:off x="2513290" y="814727"/>
+          <a:ext cx="4896022" cy="548640"/>
         </p:xfrm>
         <a:graphic>
           <a:graphicData uri="http://schemas.openxmlformats.org/drawingml/2006/table">
@@ -3515,14 +4886,14 @@
                 <a:tableStyleId>{5C22544A-7EE6-4342-B048-85BDC9FD1C3A}</a:tableStyleId>
               </a:tblPr>
               <a:tblGrid>
-                <a:gridCol w="2589428">
+                <a:gridCol w="2447230">
                   <a:extLst>
                     <a:ext uri="{9D8B030D-6E8A-4147-A177-3AD203B41FA5}">
                       <a16:colId xmlns:a16="http://schemas.microsoft.com/office/drawing/2014/main" val="3501301636"/>
                     </a:ext>
                   </a:extLst>
                 </a:gridCol>
-                <a:gridCol w="2306594">
+                <a:gridCol w="2448792">
                   <a:extLst>
                     <a:ext uri="{9D8B030D-6E8A-4147-A177-3AD203B41FA5}">
                       <a16:colId xmlns:a16="http://schemas.microsoft.com/office/drawing/2014/main" val="2299007356"/>
@@ -3543,9 +4914,7 @@
                       <a:r>
                         <a:rPr lang="en-GB" sz="1200" b="0" dirty="0">
                           <a:solidFill>
-                            <a:schemeClr val="bg2">
-                              <a:lumMod val="75000"/>
-                            </a:schemeClr>
+                            <a:schemeClr val="tx1"/>
                           </a:solidFill>
                           <a:latin typeface="Helvetica Neue" panose="02000503000000020004" pitchFamily="2" charset="0"/>
                           <a:ea typeface="Helvetica Neue" panose="02000503000000020004" pitchFamily="2" charset="0"/>
@@ -3607,9 +4976,7 @@
                       <a:r>
                         <a:rPr lang="en-GB" sz="1200" b="0" dirty="0">
                           <a:solidFill>
-                            <a:schemeClr val="bg2">
-                              <a:lumMod val="75000"/>
-                            </a:schemeClr>
+                            <a:schemeClr val="tx1"/>
                           </a:solidFill>
                           <a:latin typeface="Helvetica Neue" panose="02000503000000020004" pitchFamily="2" charset="0"/>
                           <a:ea typeface="Helvetica Neue" panose="02000503000000020004" pitchFamily="2" charset="0"/>
@@ -3678,9 +5045,7 @@
                       <a:r>
                         <a:rPr lang="en-GB" sz="1200" b="0" dirty="0">
                           <a:solidFill>
-                            <a:schemeClr val="bg2">
-                              <a:lumMod val="75000"/>
-                            </a:schemeClr>
+                            <a:schemeClr val="tx1"/>
                           </a:solidFill>
                           <a:latin typeface="Helvetica Neue" panose="02000503000000020004" pitchFamily="2" charset="0"/>
                           <a:ea typeface="Helvetica Neue" panose="02000503000000020004" pitchFamily="2" charset="0"/>
@@ -3730,77 +5095,6 @@
                     <a:noFill/>
                   </a:tcPr>
                 </a:tc>
-                <a:tc>
-                  <a:txBody>
-                    <a:bodyPr/>
-                    <a:lstStyle/>
-                    <a:p>
-                      <a:pPr marL="171450" indent="-171450">
-                        <a:buFont typeface="Arial" panose="020B0604020202020204" pitchFamily="34" charset="0"/>
-                        <a:buChar char="•"/>
-                      </a:pPr>
-                      <a:r>
-                        <a:rPr lang="en-GB" sz="1200" b="0" dirty="0">
-                          <a:solidFill>
-                            <a:schemeClr val="bg2">
-                              <a:lumMod val="75000"/>
-                            </a:schemeClr>
-                          </a:solidFill>
-                          <a:latin typeface="Helvetica Neue" panose="02000503000000020004" pitchFamily="2" charset="0"/>
-                          <a:ea typeface="Helvetica Neue" panose="02000503000000020004" pitchFamily="2" charset="0"/>
-                          <a:cs typeface="Helvetica Neue" panose="02000503000000020004" pitchFamily="2" charset="0"/>
-                        </a:rPr>
-                        <a:t>Visual classification </a:t>
-                      </a:r>
-                    </a:p>
-                  </a:txBody>
-                  <a:tcPr anchor="ctr">
-                    <a:lnL w="12700" cap="flat" cmpd="sng" algn="ctr">
-                      <a:noFill/>
-                      <a:prstDash val="solid"/>
-                      <a:round/>
-                      <a:headEnd type="none" w="med" len="med"/>
-                      <a:tailEnd type="none" w="med" len="med"/>
-                    </a:lnL>
-                    <a:lnR w="12700" cap="flat" cmpd="sng" algn="ctr">
-                      <a:noFill/>
-                      <a:prstDash val="solid"/>
-                      <a:round/>
-                      <a:headEnd type="none" w="med" len="med"/>
-                      <a:tailEnd type="none" w="med" len="med"/>
-                    </a:lnR>
-                    <a:lnT w="12700" cap="flat" cmpd="sng" algn="ctr">
-                      <a:noFill/>
-                      <a:prstDash val="solid"/>
-                      <a:round/>
-                      <a:headEnd type="none" w="med" len="med"/>
-                      <a:tailEnd type="none" w="med" len="med"/>
-                    </a:lnT>
-                    <a:lnB w="12700" cap="flat" cmpd="sng" algn="ctr">
-                      <a:noFill/>
-                      <a:prstDash val="solid"/>
-                      <a:round/>
-                      <a:headEnd type="none" w="med" len="med"/>
-                      <a:tailEnd type="none" w="med" len="med"/>
-                    </a:lnB>
-                    <a:lnTlToBr w="12700" cmpd="sng">
-                      <a:noFill/>
-                      <a:prstDash val="solid"/>
-                    </a:lnTlToBr>
-                    <a:lnBlToTr w="12700" cmpd="sng">
-                      <a:noFill/>
-                      <a:prstDash val="solid"/>
-                    </a:lnBlToTr>
-                    <a:noFill/>
-                  </a:tcPr>
-                </a:tc>
-                <a:extLst>
-                  <a:ext uri="{0D108BD9-81ED-4DB2-BD59-A6C34878D82A}">
-                    <a16:rowId xmlns:a16="http://schemas.microsoft.com/office/drawing/2014/main" val="975625563"/>
-                  </a:ext>
-                </a:extLst>
-              </a:tr>
-              <a:tr h="0">
                 <a:tc>
                   <a:txBody>
                     <a:bodyPr/>
@@ -3819,7 +5113,519 @@
                           <a:ea typeface="Helvetica Neue" panose="02000503000000020004" pitchFamily="2" charset="0"/>
                           <a:cs typeface="Helvetica Neue" panose="02000503000000020004" pitchFamily="2" charset="0"/>
                         </a:rPr>
-                        <a:t>Data retrieval &amp; Image download</a:t>
+                        <a:t>Visual classification </a:t>
+                      </a:r>
+                    </a:p>
+                  </a:txBody>
+                  <a:tcPr anchor="ctr">
+                    <a:lnL w="12700" cap="flat" cmpd="sng" algn="ctr">
+                      <a:noFill/>
+                      <a:prstDash val="solid"/>
+                      <a:round/>
+                      <a:headEnd type="none" w="med" len="med"/>
+                      <a:tailEnd type="none" w="med" len="med"/>
+                    </a:lnL>
+                    <a:lnR w="12700" cap="flat" cmpd="sng" algn="ctr">
+                      <a:noFill/>
+                      <a:prstDash val="solid"/>
+                      <a:round/>
+                      <a:headEnd type="none" w="med" len="med"/>
+                      <a:tailEnd type="none" w="med" len="med"/>
+                    </a:lnR>
+                    <a:lnT w="12700" cap="flat" cmpd="sng" algn="ctr">
+                      <a:noFill/>
+                      <a:prstDash val="solid"/>
+                      <a:round/>
+                      <a:headEnd type="none" w="med" len="med"/>
+                      <a:tailEnd type="none" w="med" len="med"/>
+                    </a:lnT>
+                    <a:lnB w="12700" cap="flat" cmpd="sng" algn="ctr">
+                      <a:noFill/>
+                      <a:prstDash val="solid"/>
+                      <a:round/>
+                      <a:headEnd type="none" w="med" len="med"/>
+                      <a:tailEnd type="none" w="med" len="med"/>
+                    </a:lnB>
+                    <a:lnTlToBr w="12700" cmpd="sng">
+                      <a:noFill/>
+                      <a:prstDash val="solid"/>
+                    </a:lnTlToBr>
+                    <a:lnBlToTr w="12700" cmpd="sng">
+                      <a:noFill/>
+                      <a:prstDash val="solid"/>
+                    </a:lnBlToTr>
+                    <a:noFill/>
+                  </a:tcPr>
+                </a:tc>
+                <a:extLst>
+                  <a:ext uri="{0D108BD9-81ED-4DB2-BD59-A6C34878D82A}">
+                    <a16:rowId xmlns:a16="http://schemas.microsoft.com/office/drawing/2014/main" val="975625563"/>
+                  </a:ext>
+                </a:extLst>
+              </a:tr>
+            </a:tbl>
+          </a:graphicData>
+        </a:graphic>
+      </p:graphicFrame>
+      <p:sp>
+        <p:nvSpPr>
+          <p:cNvPr id="18" name="TextBox 17">
+            <a:extLst>
+              <a:ext uri="{FF2B5EF4-FFF2-40B4-BE49-F238E27FC236}">
+                <a16:creationId xmlns:a16="http://schemas.microsoft.com/office/drawing/2014/main" id="{EC54187A-CDA7-6C2B-F5DE-E8E308CDB2BC}"/>
+              </a:ext>
+            </a:extLst>
+          </p:cNvPr>
+          <p:cNvSpPr txBox="1"/>
+          <p:nvPr/>
+        </p:nvSpPr>
+        <p:spPr>
+          <a:xfrm>
+            <a:off x="3808467" y="2956811"/>
+            <a:ext cx="2257168" cy="276999"/>
+          </a:xfrm>
+          <a:prstGeom prst="rect">
+            <a:avLst/>
+          </a:prstGeom>
+          <a:noFill/>
+        </p:spPr>
+        <p:txBody>
+          <a:bodyPr wrap="square" rtlCol="0">
+            <a:spAutoFit/>
+          </a:bodyPr>
+          <a:lstStyle/>
+          <a:p>
+            <a:pPr algn="ctr"/>
+            <a:r>
+              <a:rPr lang="en-GB" sz="1200" dirty="0">
+                <a:latin typeface="Helvetica" pitchFamily="2" charset="0"/>
+              </a:rPr>
+              <a:t>Data cleaning and preparation</a:t>
+            </a:r>
+          </a:p>
+        </p:txBody>
+      </p:sp>
+      <p:sp>
+        <p:nvSpPr>
+          <p:cNvPr id="22" name="TextBox 21">
+            <a:extLst>
+              <a:ext uri="{FF2B5EF4-FFF2-40B4-BE49-F238E27FC236}">
+                <a16:creationId xmlns:a16="http://schemas.microsoft.com/office/drawing/2014/main" id="{DD91DD54-1343-8636-AAD8-3725A4DB06AD}"/>
+              </a:ext>
+            </a:extLst>
+          </p:cNvPr>
+          <p:cNvSpPr txBox="1"/>
+          <p:nvPr/>
+        </p:nvSpPr>
+        <p:spPr>
+          <a:xfrm>
+            <a:off x="3808467" y="8550885"/>
+            <a:ext cx="2257168" cy="276999"/>
+          </a:xfrm>
+          <a:prstGeom prst="rect">
+            <a:avLst/>
+          </a:prstGeom>
+          <a:noFill/>
+        </p:spPr>
+        <p:txBody>
+          <a:bodyPr wrap="square" rtlCol="0">
+            <a:spAutoFit/>
+          </a:bodyPr>
+          <a:lstStyle/>
+          <a:p>
+            <a:pPr algn="ctr"/>
+            <a:r>
+              <a:rPr lang="en-GB" sz="1200" dirty="0">
+                <a:latin typeface="Helvetica" pitchFamily="2" charset="0"/>
+              </a:rPr>
+              <a:t>Machine Learning sub-flow</a:t>
+            </a:r>
+          </a:p>
+        </p:txBody>
+      </p:sp>
+      <p:grpSp>
+        <p:nvGrpSpPr>
+          <p:cNvPr id="89" name="Group 88">
+            <a:extLst>
+              <a:ext uri="{FF2B5EF4-FFF2-40B4-BE49-F238E27FC236}">
+                <a16:creationId xmlns:a16="http://schemas.microsoft.com/office/drawing/2014/main" id="{553918DD-F4D6-7E00-222E-B744DA93615C}"/>
+              </a:ext>
+            </a:extLst>
+          </p:cNvPr>
+          <p:cNvGrpSpPr/>
+          <p:nvPr/>
+        </p:nvGrpSpPr>
+        <p:grpSpPr>
+          <a:xfrm>
+            <a:off x="2044181" y="1926616"/>
+            <a:ext cx="3073400" cy="348343"/>
+            <a:chOff x="2044181" y="1926616"/>
+            <a:chExt cx="3073400" cy="348343"/>
+          </a:xfrm>
+          <a:solidFill>
+            <a:schemeClr val="accent1">
+              <a:lumMod val="40000"/>
+              <a:lumOff val="60000"/>
+            </a:schemeClr>
+          </a:solidFill>
+        </p:grpSpPr>
+        <p:sp>
+          <p:nvSpPr>
+            <p:cNvPr id="3" name="Data 2">
+              <a:extLst>
+                <a:ext uri="{FF2B5EF4-FFF2-40B4-BE49-F238E27FC236}">
+                  <a16:creationId xmlns:a16="http://schemas.microsoft.com/office/drawing/2014/main" id="{B8C81C30-1B07-E046-D6B9-201123DADB21}"/>
+                </a:ext>
+              </a:extLst>
+            </p:cNvPr>
+            <p:cNvSpPr/>
+            <p:nvPr/>
+          </p:nvSpPr>
+          <p:spPr>
+            <a:xfrm>
+              <a:off x="2044181" y="1926616"/>
+              <a:ext cx="3073400" cy="348343"/>
+            </a:xfrm>
+            <a:prstGeom prst="flowChartInputOutput">
+              <a:avLst/>
+            </a:prstGeom>
+            <a:grpFill/>
+            <a:ln>
+              <a:solidFill>
+                <a:schemeClr val="accent1">
+                  <a:lumMod val="50000"/>
+                </a:schemeClr>
+              </a:solidFill>
+            </a:ln>
+          </p:spPr>
+          <p:style>
+            <a:lnRef idx="2">
+              <a:schemeClr val="accent1">
+                <a:shade val="15000"/>
+              </a:schemeClr>
+            </a:lnRef>
+            <a:fillRef idx="1">
+              <a:schemeClr val="accent1"/>
+            </a:fillRef>
+            <a:effectRef idx="0">
+              <a:schemeClr val="accent1"/>
+            </a:effectRef>
+            <a:fontRef idx="minor">
+              <a:schemeClr val="lt1"/>
+            </a:fontRef>
+          </p:style>
+          <p:txBody>
+            <a:bodyPr rtlCol="0" anchor="ctr"/>
+            <a:lstStyle/>
+            <a:p>
+              <a:pPr algn="ctr"/>
+              <a:endParaRPr lang="en-GB">
+                <a:solidFill>
+                  <a:schemeClr val="accent1">
+                    <a:lumMod val="60000"/>
+                    <a:lumOff val="40000"/>
+                  </a:schemeClr>
+                </a:solidFill>
+              </a:endParaRPr>
+            </a:p>
+          </p:txBody>
+        </p:sp>
+        <p:sp>
+          <p:nvSpPr>
+            <p:cNvPr id="6" name="TextBox 5">
+              <a:extLst>
+                <a:ext uri="{FF2B5EF4-FFF2-40B4-BE49-F238E27FC236}">
+                  <a16:creationId xmlns:a16="http://schemas.microsoft.com/office/drawing/2014/main" id="{D21C7393-03B7-28CD-AD27-36E01C4F3164}"/>
+                </a:ext>
+              </a:extLst>
+            </p:cNvPr>
+            <p:cNvSpPr txBox="1"/>
+            <p:nvPr/>
+          </p:nvSpPr>
+          <p:spPr>
+            <a:xfrm>
+              <a:off x="2452297" y="1964337"/>
+              <a:ext cx="2257168" cy="276999"/>
+            </a:xfrm>
+            <a:prstGeom prst="rect">
+              <a:avLst/>
+            </a:prstGeom>
+            <a:noFill/>
+            <a:ln>
+              <a:noFill/>
+            </a:ln>
+          </p:spPr>
+          <p:txBody>
+            <a:bodyPr wrap="square" rtlCol="0">
+              <a:spAutoFit/>
+            </a:bodyPr>
+            <a:lstStyle/>
+            <a:p>
+              <a:pPr algn="ctr"/>
+              <a:r>
+                <a:rPr lang="en-GB" sz="1200" dirty="0">
+                  <a:latin typeface="Helvetica" pitchFamily="2" charset="0"/>
+                </a:rPr>
+                <a:t>Core section images</a:t>
+              </a:r>
+            </a:p>
+          </p:txBody>
+        </p:sp>
+      </p:grpSp>
+      <p:grpSp>
+        <p:nvGrpSpPr>
+          <p:cNvPr id="90" name="Group 89">
+            <a:extLst>
+              <a:ext uri="{FF2B5EF4-FFF2-40B4-BE49-F238E27FC236}">
+                <a16:creationId xmlns:a16="http://schemas.microsoft.com/office/drawing/2014/main" id="{001BDB9E-4557-A2D3-29D7-014EFFC65B02}"/>
+              </a:ext>
+            </a:extLst>
+          </p:cNvPr>
+          <p:cNvGrpSpPr/>
+          <p:nvPr/>
+        </p:nvGrpSpPr>
+        <p:grpSpPr>
+          <a:xfrm>
+            <a:off x="4709467" y="1926616"/>
+            <a:ext cx="3073400" cy="348343"/>
+            <a:chOff x="4709467" y="1926616"/>
+            <a:chExt cx="3073400" cy="348343"/>
+          </a:xfrm>
+          <a:solidFill>
+            <a:schemeClr val="accent1">
+              <a:lumMod val="40000"/>
+              <a:lumOff val="60000"/>
+            </a:schemeClr>
+          </a:solidFill>
+        </p:grpSpPr>
+        <p:sp>
+          <p:nvSpPr>
+            <p:cNvPr id="8" name="Data 7">
+              <a:extLst>
+                <a:ext uri="{FF2B5EF4-FFF2-40B4-BE49-F238E27FC236}">
+                  <a16:creationId xmlns:a16="http://schemas.microsoft.com/office/drawing/2014/main" id="{00AE91F1-0ABD-3AF6-4D15-952E0351C9D1}"/>
+                </a:ext>
+              </a:extLst>
+            </p:cNvPr>
+            <p:cNvSpPr/>
+            <p:nvPr/>
+          </p:nvSpPr>
+          <p:spPr>
+            <a:xfrm>
+              <a:off x="4709467" y="1926616"/>
+              <a:ext cx="3073400" cy="348343"/>
+            </a:xfrm>
+            <a:prstGeom prst="flowChartInputOutput">
+              <a:avLst/>
+            </a:prstGeom>
+            <a:grpFill/>
+            <a:ln>
+              <a:solidFill>
+                <a:schemeClr val="accent1">
+                  <a:lumMod val="50000"/>
+                </a:schemeClr>
+              </a:solidFill>
+            </a:ln>
+          </p:spPr>
+          <p:style>
+            <a:lnRef idx="2">
+              <a:schemeClr val="accent1">
+                <a:shade val="15000"/>
+              </a:schemeClr>
+            </a:lnRef>
+            <a:fillRef idx="1">
+              <a:schemeClr val="accent1"/>
+            </a:fillRef>
+            <a:effectRef idx="0">
+              <a:schemeClr val="accent1"/>
+            </a:effectRef>
+            <a:fontRef idx="minor">
+              <a:schemeClr val="lt1"/>
+            </a:fontRef>
+          </p:style>
+          <p:txBody>
+            <a:bodyPr rtlCol="0" anchor="ctr"/>
+            <a:lstStyle/>
+            <a:p>
+              <a:pPr algn="ctr"/>
+              <a:endParaRPr lang="en-GB">
+                <a:solidFill>
+                  <a:schemeClr val="accent1">
+                    <a:lumMod val="60000"/>
+                    <a:lumOff val="40000"/>
+                  </a:schemeClr>
+                </a:solidFill>
+              </a:endParaRPr>
+            </a:p>
+          </p:txBody>
+        </p:sp>
+        <p:sp>
+          <p:nvSpPr>
+            <p:cNvPr id="9" name="TextBox 8">
+              <a:extLst>
+                <a:ext uri="{FF2B5EF4-FFF2-40B4-BE49-F238E27FC236}">
+                  <a16:creationId xmlns:a16="http://schemas.microsoft.com/office/drawing/2014/main" id="{940AE274-D490-06B1-F50E-C90A1EF77A2C}"/>
+                </a:ext>
+              </a:extLst>
+            </p:cNvPr>
+            <p:cNvSpPr txBox="1"/>
+            <p:nvPr/>
+          </p:nvSpPr>
+          <p:spPr>
+            <a:xfrm>
+              <a:off x="5117581" y="1969463"/>
+              <a:ext cx="2257168" cy="276999"/>
+            </a:xfrm>
+            <a:prstGeom prst="rect">
+              <a:avLst/>
+            </a:prstGeom>
+            <a:noFill/>
+            <a:ln>
+              <a:noFill/>
+            </a:ln>
+          </p:spPr>
+          <p:txBody>
+            <a:bodyPr wrap="square" rtlCol="0">
+              <a:spAutoFit/>
+            </a:bodyPr>
+            <a:lstStyle/>
+            <a:p>
+              <a:pPr algn="ctr"/>
+              <a:r>
+                <a:rPr lang="en-GB" sz="1200" dirty="0">
+                  <a:latin typeface="Helvetica" pitchFamily="2" charset="0"/>
+                </a:rPr>
+                <a:t>MSCL and wireline logs</a:t>
+              </a:r>
+            </a:p>
+          </p:txBody>
+        </p:sp>
+      </p:grpSp>
+      <p:sp>
+        <p:nvSpPr>
+          <p:cNvPr id="27" name="Down Arrow 26">
+            <a:extLst>
+              <a:ext uri="{FF2B5EF4-FFF2-40B4-BE49-F238E27FC236}">
+                <a16:creationId xmlns:a16="http://schemas.microsoft.com/office/drawing/2014/main" id="{1C1C8AF9-4DEE-95A2-2264-D9850BBF546E}"/>
+              </a:ext>
+            </a:extLst>
+          </p:cNvPr>
+          <p:cNvSpPr/>
+          <p:nvPr/>
+        </p:nvSpPr>
+        <p:spPr>
+          <a:xfrm>
+            <a:off x="4451308" y="2404936"/>
+            <a:ext cx="971485" cy="348343"/>
+          </a:xfrm>
+          <a:prstGeom prst="downArrow">
+            <a:avLst/>
+          </a:prstGeom>
+          <a:solidFill>
+            <a:schemeClr val="accent1">
+              <a:lumMod val="40000"/>
+              <a:lumOff val="60000"/>
+            </a:schemeClr>
+          </a:solidFill>
+          <a:ln>
+            <a:solidFill>
+              <a:schemeClr val="accent1">
+                <a:lumMod val="50000"/>
+              </a:schemeClr>
+            </a:solidFill>
+          </a:ln>
+        </p:spPr>
+        <p:style>
+          <a:lnRef idx="2">
+            <a:schemeClr val="accent1">
+              <a:shade val="15000"/>
+            </a:schemeClr>
+          </a:lnRef>
+          <a:fillRef idx="1">
+            <a:schemeClr val="accent1"/>
+          </a:fillRef>
+          <a:effectRef idx="0">
+            <a:schemeClr val="accent1"/>
+          </a:effectRef>
+          <a:fontRef idx="minor">
+            <a:schemeClr val="lt1"/>
+          </a:fontRef>
+        </p:style>
+        <p:txBody>
+          <a:bodyPr rtlCol="0" anchor="ctr"/>
+          <a:lstStyle/>
+          <a:p>
+            <a:pPr algn="ctr"/>
+            <a:endParaRPr lang="en-GB"/>
+          </a:p>
+        </p:txBody>
+      </p:sp>
+      <p:graphicFrame>
+        <p:nvGraphicFramePr>
+          <p:cNvPr id="31" name="Table 30">
+            <a:extLst>
+              <a:ext uri="{FF2B5EF4-FFF2-40B4-BE49-F238E27FC236}">
+                <a16:creationId xmlns:a16="http://schemas.microsoft.com/office/drawing/2014/main" id="{C0AB439F-D108-B7EF-74BB-072AA5B81791}"/>
+              </a:ext>
+            </a:extLst>
+          </p:cNvPr>
+          <p:cNvGraphicFramePr>
+            <a:graphicFrameLocks noGrp="1"/>
+          </p:cNvGraphicFramePr>
+          <p:nvPr>
+            <p:extLst>
+              <p:ext uri="{D42A27DB-BD31-4B8C-83A1-F6EECF244321}">
+                <p14:modId xmlns:p14="http://schemas.microsoft.com/office/powerpoint/2010/main" val="3340326982"/>
+              </p:ext>
+            </p:extLst>
+          </p:nvPr>
+        </p:nvGraphicFramePr>
+        <p:xfrm>
+          <a:off x="2575377" y="3499832"/>
+          <a:ext cx="4896022" cy="822960"/>
+        </p:xfrm>
+        <a:graphic>
+          <a:graphicData uri="http://schemas.openxmlformats.org/drawingml/2006/table">
+            <a:tbl>
+              <a:tblPr firstRow="1" bandRow="1">
+                <a:tableStyleId>{5C22544A-7EE6-4342-B048-85BDC9FD1C3A}</a:tableStyleId>
+              </a:tblPr>
+              <a:tblGrid>
+                <a:gridCol w="2447230">
+                  <a:extLst>
+                    <a:ext uri="{9D8B030D-6E8A-4147-A177-3AD203B41FA5}">
+                      <a16:colId xmlns:a16="http://schemas.microsoft.com/office/drawing/2014/main" val="3501301636"/>
+                    </a:ext>
+                  </a:extLst>
+                </a:gridCol>
+                <a:gridCol w="2448792">
+                  <a:extLst>
+                    <a:ext uri="{9D8B030D-6E8A-4147-A177-3AD203B41FA5}">
+                      <a16:colId xmlns:a16="http://schemas.microsoft.com/office/drawing/2014/main" val="2299007356"/>
+                    </a:ext>
+                  </a:extLst>
+                </a:gridCol>
+              </a:tblGrid>
+              <a:tr h="178259">
+                <a:tc>
+                  <a:txBody>
+                    <a:bodyPr/>
+                    <a:lstStyle/>
+                    <a:p>
+                      <a:pPr marL="171450" indent="-171450">
+                        <a:buFont typeface="Arial" panose="020B0604020202020204" pitchFamily="34" charset="0"/>
+                        <a:buChar char="•"/>
+                      </a:pPr>
+                      <a:r>
+                        <a:rPr lang="en-GB" sz="1200" b="0" dirty="0">
+                          <a:solidFill>
+                            <a:schemeClr val="tx1"/>
+                          </a:solidFill>
+                          <a:latin typeface="Helvetica Neue" panose="02000503000000020004" pitchFamily="2" charset="0"/>
+                          <a:ea typeface="Helvetica Neue" panose="02000503000000020004" pitchFamily="2" charset="0"/>
+                          <a:cs typeface="Helvetica Neue" panose="02000503000000020004" pitchFamily="2" charset="0"/>
+                        </a:rPr>
+                        <a:t>Core quality &gt; 2 </a:t>
                       </a:r>
                     </a:p>
                   </a:txBody>
@@ -3868,6 +5674,322 @@
                     <a:bodyPr/>
                     <a:lstStyle/>
                     <a:p>
+                      <a:pPr marL="171450" marR="0" lvl="0" indent="-171450" algn="l" defTabSz="1439997" rtl="0" eaLnBrk="1" fontAlgn="auto" latinLnBrk="0" hangingPunct="1">
+                        <a:lnSpc>
+                          <a:spcPct val="100000"/>
+                        </a:lnSpc>
+                        <a:spcBef>
+                          <a:spcPts val="0"/>
+                        </a:spcBef>
+                        <a:spcAft>
+                          <a:spcPts val="0"/>
+                        </a:spcAft>
+                        <a:buClrTx/>
+                        <a:buSzTx/>
+                        <a:buFont typeface="Arial" panose="020B0604020202020204" pitchFamily="34" charset="0"/>
+                        <a:buChar char="•"/>
+                        <a:tabLst/>
+                        <a:defRPr/>
+                      </a:pPr>
+                      <a:r>
+                        <a:rPr lang="en-GB" sz="1200" b="0" dirty="0">
+                          <a:solidFill>
+                            <a:schemeClr val="tx1"/>
+                          </a:solidFill>
+                          <a:latin typeface="Helvetica Neue" panose="02000503000000020004" pitchFamily="2" charset="0"/>
+                          <a:ea typeface="Helvetica Neue" panose="02000503000000020004" pitchFamily="2" charset="0"/>
+                          <a:cs typeface="Helvetica Neue" panose="02000503000000020004" pitchFamily="2" charset="0"/>
+                        </a:rPr>
+                        <a:t>Density &lt; 1.5 g/cc</a:t>
+                      </a:r>
+                    </a:p>
+                  </a:txBody>
+                  <a:tcPr anchor="ctr">
+                    <a:lnL w="12700" cap="flat" cmpd="sng" algn="ctr">
+                      <a:noFill/>
+                      <a:prstDash val="solid"/>
+                      <a:round/>
+                      <a:headEnd type="none" w="med" len="med"/>
+                      <a:tailEnd type="none" w="med" len="med"/>
+                    </a:lnL>
+                    <a:lnR w="12700" cap="flat" cmpd="sng" algn="ctr">
+                      <a:noFill/>
+                      <a:prstDash val="solid"/>
+                      <a:round/>
+                      <a:headEnd type="none" w="med" len="med"/>
+                      <a:tailEnd type="none" w="med" len="med"/>
+                    </a:lnR>
+                    <a:lnT w="12700" cap="flat" cmpd="sng" algn="ctr">
+                      <a:noFill/>
+                      <a:prstDash val="solid"/>
+                      <a:round/>
+                      <a:headEnd type="none" w="med" len="med"/>
+                      <a:tailEnd type="none" w="med" len="med"/>
+                    </a:lnT>
+                    <a:lnB w="12700" cap="flat" cmpd="sng" algn="ctr">
+                      <a:noFill/>
+                      <a:prstDash val="solid"/>
+                      <a:round/>
+                      <a:headEnd type="none" w="med" len="med"/>
+                      <a:tailEnd type="none" w="med" len="med"/>
+                    </a:lnB>
+                    <a:lnTlToBr w="12700" cmpd="sng">
+                      <a:noFill/>
+                      <a:prstDash val="solid"/>
+                    </a:lnTlToBr>
+                    <a:lnBlToTr w="12700" cmpd="sng">
+                      <a:noFill/>
+                      <a:prstDash val="solid"/>
+                    </a:lnBlToTr>
+                    <a:noFill/>
+                  </a:tcPr>
+                </a:tc>
+                <a:extLst>
+                  <a:ext uri="{0D108BD9-81ED-4DB2-BD59-A6C34878D82A}">
+                    <a16:rowId xmlns:a16="http://schemas.microsoft.com/office/drawing/2014/main" val="2333022389"/>
+                  </a:ext>
+                </a:extLst>
+              </a:tr>
+              <a:tr h="178259">
+                <a:tc>
+                  <a:txBody>
+                    <a:bodyPr/>
+                    <a:lstStyle/>
+                    <a:p>
+                      <a:pPr marL="171450" marR="0" lvl="0" indent="-171450" algn="l" defTabSz="1439997" rtl="0" eaLnBrk="1" fontAlgn="auto" latinLnBrk="0" hangingPunct="1">
+                        <a:lnSpc>
+                          <a:spcPct val="100000"/>
+                        </a:lnSpc>
+                        <a:spcBef>
+                          <a:spcPts val="0"/>
+                        </a:spcBef>
+                        <a:spcAft>
+                          <a:spcPts val="0"/>
+                        </a:spcAft>
+                        <a:buClrTx/>
+                        <a:buSzTx/>
+                        <a:buFont typeface="Arial" panose="020B0604020202020204" pitchFamily="34" charset="0"/>
+                        <a:buChar char="•"/>
+                        <a:tabLst/>
+                        <a:defRPr/>
+                      </a:pPr>
+                      <a:r>
+                        <a:rPr lang="en-GB" sz="1200" b="0" dirty="0">
+                          <a:solidFill>
+                            <a:schemeClr val="tx1"/>
+                          </a:solidFill>
+                          <a:latin typeface="Helvetica Neue" panose="02000503000000020004" pitchFamily="2" charset="0"/>
+                          <a:ea typeface="Helvetica Neue" panose="02000503000000020004" pitchFamily="2" charset="0"/>
+                          <a:cs typeface="Helvetica Neue" panose="02000503000000020004" pitchFamily="2" charset="0"/>
+                        </a:rPr>
+                        <a:t>Magnetic Susceptibility &gt; 100</a:t>
+                      </a:r>
+                    </a:p>
+                  </a:txBody>
+                  <a:tcPr anchor="ctr">
+                    <a:lnL w="12700" cap="flat" cmpd="sng" algn="ctr">
+                      <a:noFill/>
+                      <a:prstDash val="solid"/>
+                      <a:round/>
+                      <a:headEnd type="none" w="med" len="med"/>
+                      <a:tailEnd type="none" w="med" len="med"/>
+                    </a:lnL>
+                    <a:lnR w="12700" cap="flat" cmpd="sng" algn="ctr">
+                      <a:noFill/>
+                      <a:prstDash val="solid"/>
+                      <a:round/>
+                      <a:headEnd type="none" w="med" len="med"/>
+                      <a:tailEnd type="none" w="med" len="med"/>
+                    </a:lnR>
+                    <a:lnT w="12700" cap="flat" cmpd="sng" algn="ctr">
+                      <a:noFill/>
+                      <a:prstDash val="solid"/>
+                      <a:round/>
+                      <a:headEnd type="none" w="med" len="med"/>
+                      <a:tailEnd type="none" w="med" len="med"/>
+                    </a:lnT>
+                    <a:lnB w="12700" cap="flat" cmpd="sng" algn="ctr">
+                      <a:noFill/>
+                      <a:prstDash val="solid"/>
+                      <a:round/>
+                      <a:headEnd type="none" w="med" len="med"/>
+                      <a:tailEnd type="none" w="med" len="med"/>
+                    </a:lnB>
+                    <a:lnTlToBr w="12700" cmpd="sng">
+                      <a:noFill/>
+                      <a:prstDash val="solid"/>
+                    </a:lnTlToBr>
+                    <a:lnBlToTr w="12700" cmpd="sng">
+                      <a:noFill/>
+                      <a:prstDash val="solid"/>
+                    </a:lnBlToTr>
+                    <a:noFill/>
+                  </a:tcPr>
+                </a:tc>
+                <a:tc>
+                  <a:txBody>
+                    <a:bodyPr/>
+                    <a:lstStyle/>
+                    <a:p>
+                      <a:pPr marL="171450" marR="0" lvl="0" indent="-171450" algn="l" defTabSz="1439997" rtl="0" eaLnBrk="1" fontAlgn="auto" latinLnBrk="0" hangingPunct="1">
+                        <a:lnSpc>
+                          <a:spcPct val="100000"/>
+                        </a:lnSpc>
+                        <a:spcBef>
+                          <a:spcPts val="0"/>
+                        </a:spcBef>
+                        <a:spcAft>
+                          <a:spcPts val="0"/>
+                        </a:spcAft>
+                        <a:buClrTx/>
+                        <a:buSzTx/>
+                        <a:buFont typeface="Arial" panose="020B0604020202020204" pitchFamily="34" charset="0"/>
+                        <a:buChar char="•"/>
+                        <a:tabLst/>
+                        <a:defRPr/>
+                      </a:pPr>
+                      <a:r>
+                        <a:rPr lang="en-GB" sz="1200" b="0" dirty="0">
+                          <a:solidFill>
+                            <a:schemeClr val="tx1"/>
+                          </a:solidFill>
+                          <a:latin typeface="Helvetica Neue" panose="02000503000000020004" pitchFamily="2" charset="0"/>
+                          <a:ea typeface="Helvetica Neue" panose="02000503000000020004" pitchFamily="2" charset="0"/>
+                          <a:cs typeface="Helvetica Neue" panose="02000503000000020004" pitchFamily="2" charset="0"/>
+                        </a:rPr>
+                        <a:t>Natural Gamma Radiation &lt; 0</a:t>
+                      </a:r>
+                    </a:p>
+                  </a:txBody>
+                  <a:tcPr anchor="ctr">
+                    <a:lnL w="12700" cap="flat" cmpd="sng" algn="ctr">
+                      <a:noFill/>
+                      <a:prstDash val="solid"/>
+                      <a:round/>
+                      <a:headEnd type="none" w="med" len="med"/>
+                      <a:tailEnd type="none" w="med" len="med"/>
+                    </a:lnL>
+                    <a:lnR w="12700" cap="flat" cmpd="sng" algn="ctr">
+                      <a:noFill/>
+                      <a:prstDash val="solid"/>
+                      <a:round/>
+                      <a:headEnd type="none" w="med" len="med"/>
+                      <a:tailEnd type="none" w="med" len="med"/>
+                    </a:lnR>
+                    <a:lnT w="12700" cap="flat" cmpd="sng" algn="ctr">
+                      <a:noFill/>
+                      <a:prstDash val="solid"/>
+                      <a:round/>
+                      <a:headEnd type="none" w="med" len="med"/>
+                      <a:tailEnd type="none" w="med" len="med"/>
+                    </a:lnT>
+                    <a:lnB w="12700" cap="flat" cmpd="sng" algn="ctr">
+                      <a:noFill/>
+                      <a:prstDash val="solid"/>
+                      <a:round/>
+                      <a:headEnd type="none" w="med" len="med"/>
+                      <a:tailEnd type="none" w="med" len="med"/>
+                    </a:lnB>
+                    <a:lnTlToBr w="12700" cmpd="sng">
+                      <a:noFill/>
+                      <a:prstDash val="solid"/>
+                    </a:lnTlToBr>
+                    <a:lnBlToTr w="12700" cmpd="sng">
+                      <a:noFill/>
+                      <a:prstDash val="solid"/>
+                    </a:lnBlToTr>
+                    <a:noFill/>
+                  </a:tcPr>
+                </a:tc>
+                <a:extLst>
+                  <a:ext uri="{0D108BD9-81ED-4DB2-BD59-A6C34878D82A}">
+                    <a16:rowId xmlns:a16="http://schemas.microsoft.com/office/drawing/2014/main" val="494886275"/>
+                  </a:ext>
+                </a:extLst>
+              </a:tr>
+              <a:tr h="145170">
+                <a:tc>
+                  <a:txBody>
+                    <a:bodyPr/>
+                    <a:lstStyle/>
+                    <a:p>
+                      <a:pPr marL="171450" indent="-171450">
+                        <a:buFont typeface="Arial" panose="020B0604020202020204" pitchFamily="34" charset="0"/>
+                        <a:buChar char="•"/>
+                      </a:pPr>
+                      <a:r>
+                        <a:rPr lang="en-GB" sz="1200" b="0" dirty="0" err="1">
+                          <a:solidFill>
+                            <a:schemeClr val="tx1"/>
+                          </a:solidFill>
+                          <a:latin typeface="Helvetica Neue" panose="02000503000000020004" pitchFamily="2" charset="0"/>
+                          <a:ea typeface="Helvetica Neue" panose="02000503000000020004" pitchFamily="2" charset="0"/>
+                          <a:cs typeface="Helvetica Neue" panose="02000503000000020004" pitchFamily="2" charset="0"/>
+                        </a:rPr>
+                        <a:t>NaN</a:t>
+                      </a:r>
+                      <a:r>
+                        <a:rPr lang="en-GB" sz="1200" b="0" dirty="0">
+                          <a:solidFill>
+                            <a:schemeClr val="tx1"/>
+                          </a:solidFill>
+                          <a:latin typeface="Helvetica Neue" panose="02000503000000020004" pitchFamily="2" charset="0"/>
+                          <a:ea typeface="Helvetica Neue" panose="02000503000000020004" pitchFamily="2" charset="0"/>
+                          <a:cs typeface="Helvetica Neue" panose="02000503000000020004" pitchFamily="2" charset="0"/>
+                        </a:rPr>
+                        <a:t> data</a:t>
+                      </a:r>
+                    </a:p>
+                  </a:txBody>
+                  <a:tcPr anchor="ctr">
+                    <a:lnL w="12700" cap="flat" cmpd="sng" algn="ctr">
+                      <a:noFill/>
+                      <a:prstDash val="solid"/>
+                      <a:round/>
+                      <a:headEnd type="none" w="med" len="med"/>
+                      <a:tailEnd type="none" w="med" len="med"/>
+                    </a:lnL>
+                    <a:lnR w="12700" cap="flat" cmpd="sng" algn="ctr">
+                      <a:noFill/>
+                      <a:prstDash val="solid"/>
+                      <a:round/>
+                      <a:headEnd type="none" w="med" len="med"/>
+                      <a:tailEnd type="none" w="med" len="med"/>
+                    </a:lnR>
+                    <a:lnT w="12700" cap="flat" cmpd="sng" algn="ctr">
+                      <a:noFill/>
+                      <a:prstDash val="solid"/>
+                      <a:round/>
+                      <a:headEnd type="none" w="med" len="med"/>
+                      <a:tailEnd type="none" w="med" len="med"/>
+                    </a:lnT>
+                    <a:lnB w="12700" cap="flat" cmpd="sng" algn="ctr">
+                      <a:noFill/>
+                      <a:prstDash val="solid"/>
+                      <a:round/>
+                      <a:headEnd type="none" w="med" len="med"/>
+                      <a:tailEnd type="none" w="med" len="med"/>
+                    </a:lnB>
+                    <a:lnTlToBr w="12700" cmpd="sng">
+                      <a:noFill/>
+                      <a:prstDash val="solid"/>
+                    </a:lnTlToBr>
+                    <a:lnBlToTr w="12700" cmpd="sng">
+                      <a:noFill/>
+                      <a:prstDash val="solid"/>
+                    </a:lnBlToTr>
+                    <a:noFill/>
+                  </a:tcPr>
+                </a:tc>
+                <a:tc>
+                  <a:txBody>
+                    <a:bodyPr/>
+                    <a:lstStyle/>
+                    <a:p>
+                      <a:pPr marL="171450" indent="-171450">
+                        <a:buFont typeface="Arial" panose="020B0604020202020204" pitchFamily="34" charset="0"/>
+                        <a:buChar char="•"/>
+                      </a:pPr>
                       <a:endParaRPr lang="en-GB" sz="1200" b="0" dirty="0">
                         <a:solidFill>
                           <a:schemeClr val="tx1"/>
@@ -3920,7 +6042,7 @@
                 </a:tc>
                 <a:extLst>
                   <a:ext uri="{0D108BD9-81ED-4DB2-BD59-A6C34878D82A}">
-                    <a16:rowId xmlns:a16="http://schemas.microsoft.com/office/drawing/2014/main" val="3356191454"/>
+                    <a16:rowId xmlns:a16="http://schemas.microsoft.com/office/drawing/2014/main" val="975625563"/>
                   </a:ext>
                 </a:extLst>
               </a:tr>
@@ -3928,12 +6050,63 @@
           </a:graphicData>
         </a:graphic>
       </p:graphicFrame>
+      <p:sp>
+        <p:nvSpPr>
+          <p:cNvPr id="35" name="TextBox 34">
+            <a:extLst>
+              <a:ext uri="{FF2B5EF4-FFF2-40B4-BE49-F238E27FC236}">
+                <a16:creationId xmlns:a16="http://schemas.microsoft.com/office/drawing/2014/main" id="{09135B71-C0EC-EEF8-F52A-A324EBEBC9CC}"/>
+              </a:ext>
+            </a:extLst>
+          </p:cNvPr>
+          <p:cNvSpPr txBox="1"/>
+          <p:nvPr/>
+        </p:nvSpPr>
+        <p:spPr>
+          <a:xfrm>
+            <a:off x="1804442" y="3230422"/>
+            <a:ext cx="6252482" cy="276999"/>
+          </a:xfrm>
+          <a:prstGeom prst="rect">
+            <a:avLst/>
+          </a:prstGeom>
+          <a:noFill/>
+        </p:spPr>
+        <p:txBody>
+          <a:bodyPr wrap="square" rtlCol="0">
+            <a:spAutoFit/>
+          </a:bodyPr>
+          <a:lstStyle/>
+          <a:p>
+            <a:pPr algn="ctr"/>
+            <a:r>
+              <a:rPr lang="en-GB" sz="1200" dirty="0">
+                <a:latin typeface="Helvetica" pitchFamily="2" charset="0"/>
+              </a:rPr>
+              <a:t>Selection of good images using cleaned MSCL data </a:t>
+            </a:r>
+            <a:r>
+              <a:rPr lang="en-GB" sz="1200" dirty="0">
+                <a:latin typeface="Helvetica" pitchFamily="2" charset="0"/>
+                <a:sym typeface="Wingdings" pitchFamily="2" charset="2"/>
+              </a:rPr>
+              <a:t> Exclude rows (i.e., depths) where</a:t>
+            </a:r>
+            <a:r>
+              <a:rPr lang="en-GB" sz="1200" dirty="0">
+                <a:latin typeface="Helvetica" pitchFamily="2" charset="0"/>
+              </a:rPr>
+              <a:t>:</a:t>
+            </a:r>
+          </a:p>
+        </p:txBody>
+      </p:sp>
       <p:grpSp>
         <p:nvGrpSpPr>
-          <p:cNvPr id="11" name="Group 10">
+          <p:cNvPr id="37" name="Group 36">
             <a:extLst>
               <a:ext uri="{FF2B5EF4-FFF2-40B4-BE49-F238E27FC236}">
-                <a16:creationId xmlns:a16="http://schemas.microsoft.com/office/drawing/2014/main" id="{46E7A907-692B-4B7F-7504-085AAABCA1F9}"/>
+                <a16:creationId xmlns:a16="http://schemas.microsoft.com/office/drawing/2014/main" id="{BD5946B0-9AFD-05AF-9D9B-F78221149F24}"/>
               </a:ext>
             </a:extLst>
           </p:cNvPr>
@@ -3942,18 +6115,18 @@
         </p:nvGrpSpPr>
         <p:grpSpPr>
           <a:xfrm>
-            <a:off x="1780196" y="2500728"/>
-            <a:ext cx="6313716" cy="1861458"/>
-            <a:chOff x="2677884" y="315685"/>
-            <a:chExt cx="6313716" cy="1861458"/>
+            <a:off x="1780194" y="6024638"/>
+            <a:ext cx="6313715" cy="1407915"/>
+            <a:chOff x="2677884" y="315686"/>
+            <a:chExt cx="6313715" cy="1407915"/>
           </a:xfrm>
         </p:grpSpPr>
         <p:sp>
           <p:nvSpPr>
-            <p:cNvPr id="12" name="Down Arrow Callout 11">
+            <p:cNvPr id="38" name="Down Arrow Callout 37">
               <a:extLst>
                 <a:ext uri="{FF2B5EF4-FFF2-40B4-BE49-F238E27FC236}">
-                  <a16:creationId xmlns:a16="http://schemas.microsoft.com/office/drawing/2014/main" id="{8837FC42-AC97-CD01-373A-3F0D82D17787}"/>
+                  <a16:creationId xmlns:a16="http://schemas.microsoft.com/office/drawing/2014/main" id="{E6F3F8D7-DEF5-05B2-496F-E6DA34AFEF32}"/>
                 </a:ext>
               </a:extLst>
             </p:cNvPr>
@@ -3962,8 +6135,8 @@
           </p:nvSpPr>
           <p:spPr>
             <a:xfrm>
-              <a:off x="2677885" y="664029"/>
-              <a:ext cx="6313715" cy="1513114"/>
+              <a:off x="2677884" y="600890"/>
+              <a:ext cx="6313715" cy="1122711"/>
             </a:xfrm>
             <a:prstGeom prst="downArrowCallout">
               <a:avLst>
@@ -3973,10 +6146,903 @@
                 <a:gd name="adj4" fmla="val 64977"/>
               </a:avLst>
             </a:prstGeom>
-            <a:noFill/>
+            <a:solidFill>
+              <a:schemeClr val="accent2">
+                <a:lumMod val="60000"/>
+                <a:lumOff val="40000"/>
+              </a:schemeClr>
+            </a:solidFill>
             <a:ln>
               <a:solidFill>
-                <a:schemeClr val="accent6">
+                <a:schemeClr val="accent2">
+                  <a:lumMod val="50000"/>
+                </a:schemeClr>
+              </a:solidFill>
+            </a:ln>
+          </p:spPr>
+          <p:style>
+            <a:lnRef idx="2">
+              <a:schemeClr val="accent1">
+                <a:shade val="15000"/>
+              </a:schemeClr>
+            </a:lnRef>
+            <a:fillRef idx="1">
+              <a:schemeClr val="accent1"/>
+            </a:fillRef>
+            <a:effectRef idx="0">
+              <a:schemeClr val="accent1"/>
+            </a:effectRef>
+            <a:fontRef idx="minor">
+              <a:schemeClr val="lt1"/>
+            </a:fontRef>
+          </p:style>
+          <p:txBody>
+            <a:bodyPr rtlCol="0" anchor="ctr"/>
+            <a:lstStyle/>
+            <a:p>
+              <a:pPr algn="ctr"/>
+              <a:endParaRPr lang="en-GB">
+                <a:solidFill>
+                  <a:sysClr val="windowText" lastClr="000000"/>
+                </a:solidFill>
+              </a:endParaRPr>
+            </a:p>
+          </p:txBody>
+        </p:sp>
+        <p:sp>
+          <p:nvSpPr>
+            <p:cNvPr id="39" name="Rectangle 38">
+              <a:extLst>
+                <a:ext uri="{FF2B5EF4-FFF2-40B4-BE49-F238E27FC236}">
+                  <a16:creationId xmlns:a16="http://schemas.microsoft.com/office/drawing/2014/main" id="{A562CC83-80C4-4BFE-F94F-FC38DE83B4FD}"/>
+                </a:ext>
+              </a:extLst>
+            </p:cNvPr>
+            <p:cNvSpPr/>
+            <p:nvPr/>
+          </p:nvSpPr>
+          <p:spPr>
+            <a:xfrm>
+              <a:off x="2677884" y="315686"/>
+              <a:ext cx="6313715" cy="286066"/>
+            </a:xfrm>
+            <a:prstGeom prst="rect">
+              <a:avLst/>
+            </a:prstGeom>
+            <a:solidFill>
+              <a:schemeClr val="accent2">
+                <a:lumMod val="60000"/>
+                <a:lumOff val="40000"/>
+              </a:schemeClr>
+            </a:solidFill>
+            <a:ln>
+              <a:solidFill>
+                <a:schemeClr val="accent2">
+                  <a:lumMod val="50000"/>
+                </a:schemeClr>
+              </a:solidFill>
+            </a:ln>
+          </p:spPr>
+          <p:style>
+            <a:lnRef idx="2">
+              <a:schemeClr val="accent1">
+                <a:shade val="15000"/>
+              </a:schemeClr>
+            </a:lnRef>
+            <a:fillRef idx="1">
+              <a:schemeClr val="accent1"/>
+            </a:fillRef>
+            <a:effectRef idx="0">
+              <a:schemeClr val="accent1"/>
+            </a:effectRef>
+            <a:fontRef idx="minor">
+              <a:schemeClr val="lt1"/>
+            </a:fontRef>
+          </p:style>
+          <p:txBody>
+            <a:bodyPr rtlCol="0" anchor="ctr"/>
+            <a:lstStyle/>
+            <a:p>
+              <a:pPr algn="ctr"/>
+              <a:endParaRPr lang="en-GB"/>
+            </a:p>
+          </p:txBody>
+        </p:sp>
+      </p:grpSp>
+      <p:sp>
+        <p:nvSpPr>
+          <p:cNvPr id="40" name="TextBox 39">
+            <a:extLst>
+              <a:ext uri="{FF2B5EF4-FFF2-40B4-BE49-F238E27FC236}">
+                <a16:creationId xmlns:a16="http://schemas.microsoft.com/office/drawing/2014/main" id="{6FCC2599-EDDC-4FB5-6BA2-5CC6EBA22AA7}"/>
+              </a:ext>
+            </a:extLst>
+          </p:cNvPr>
+          <p:cNvSpPr txBox="1"/>
+          <p:nvPr/>
+        </p:nvSpPr>
+        <p:spPr>
+          <a:xfrm>
+            <a:off x="3808467" y="6032843"/>
+            <a:ext cx="2257168" cy="276999"/>
+          </a:xfrm>
+          <a:prstGeom prst="rect">
+            <a:avLst/>
+          </a:prstGeom>
+          <a:noFill/>
+        </p:spPr>
+        <p:txBody>
+          <a:bodyPr wrap="square" rtlCol="0">
+            <a:spAutoFit/>
+          </a:bodyPr>
+          <a:lstStyle/>
+          <a:p>
+            <a:pPr algn="ctr"/>
+            <a:r>
+              <a:rPr lang="en-GB" sz="1200" dirty="0">
+                <a:latin typeface="Helvetica" pitchFamily="2" charset="0"/>
+              </a:rPr>
+              <a:t>Image labelling</a:t>
+            </a:r>
+          </a:p>
+        </p:txBody>
+      </p:sp>
+      <p:sp>
+        <p:nvSpPr>
+          <p:cNvPr id="41" name="TextBox 40">
+            <a:extLst>
+              <a:ext uri="{FF2B5EF4-FFF2-40B4-BE49-F238E27FC236}">
+                <a16:creationId xmlns:a16="http://schemas.microsoft.com/office/drawing/2014/main" id="{FBBD3D1F-F977-9C22-1790-5BB9E90FA703}"/>
+              </a:ext>
+            </a:extLst>
+          </p:cNvPr>
+          <p:cNvSpPr txBox="1"/>
+          <p:nvPr/>
+        </p:nvSpPr>
+        <p:spPr>
+          <a:xfrm>
+            <a:off x="1804442" y="6318404"/>
+            <a:ext cx="6252482" cy="738664"/>
+          </a:xfrm>
+          <a:prstGeom prst="rect">
+            <a:avLst/>
+          </a:prstGeom>
+          <a:noFill/>
+        </p:spPr>
+        <p:txBody>
+          <a:bodyPr wrap="square" rtlCol="0">
+            <a:spAutoFit/>
+          </a:bodyPr>
+          <a:lstStyle/>
+          <a:p>
+            <a:pPr algn="ctr"/>
+            <a:r>
+              <a:rPr lang="en-GB" sz="1200" dirty="0" err="1">
+                <a:latin typeface="Helvetica" pitchFamily="2" charset="0"/>
+              </a:rPr>
+              <a:t>Labeling</a:t>
+            </a:r>
+            <a:r>
+              <a:rPr lang="en-GB" sz="1200" dirty="0">
+                <a:latin typeface="Helvetica" pitchFamily="2" charset="0"/>
+              </a:rPr>
+              <a:t> of image sections according to four classes: </a:t>
+            </a:r>
+          </a:p>
+          <a:p>
+            <a:endParaRPr lang="en-GB" sz="600" dirty="0">
+              <a:latin typeface="Helvetica" pitchFamily="2" charset="0"/>
+            </a:endParaRPr>
+          </a:p>
+          <a:p>
+            <a:pPr algn="ctr"/>
+            <a:r>
+              <a:rPr lang="en-GB" sz="1200" dirty="0">
+                <a:latin typeface="Helvetica" pitchFamily="2" charset="0"/>
+              </a:rPr>
+              <a:t>(D) </a:t>
+            </a:r>
+            <a:r>
+              <a:rPr lang="en-GB" sz="1200" dirty="0" err="1">
+                <a:latin typeface="Helvetica" pitchFamily="2" charset="0"/>
+              </a:rPr>
+              <a:t>Diamict</a:t>
+            </a:r>
+            <a:r>
+              <a:rPr lang="en-GB" sz="1200" dirty="0">
+                <a:latin typeface="Helvetica" pitchFamily="2" charset="0"/>
+              </a:rPr>
+              <a:t>, (G) Gravel (S) Sand, (F) Fines</a:t>
+            </a:r>
+          </a:p>
+          <a:p>
+            <a:endParaRPr lang="en-GB" sz="1200" dirty="0">
+              <a:latin typeface="Helvetica" pitchFamily="2" charset="0"/>
+            </a:endParaRPr>
+          </a:p>
+        </p:txBody>
+      </p:sp>
+      <p:grpSp>
+        <p:nvGrpSpPr>
+          <p:cNvPr id="91" name="Group 90">
+            <a:extLst>
+              <a:ext uri="{FF2B5EF4-FFF2-40B4-BE49-F238E27FC236}">
+                <a16:creationId xmlns:a16="http://schemas.microsoft.com/office/drawing/2014/main" id="{1D178AD9-7702-65CE-3F17-FB5C255ADA5D}"/>
+              </a:ext>
+            </a:extLst>
+          </p:cNvPr>
+          <p:cNvGrpSpPr/>
+          <p:nvPr/>
+        </p:nvGrpSpPr>
+        <p:grpSpPr>
+          <a:xfrm>
+            <a:off x="2044181" y="5096212"/>
+            <a:ext cx="3073400" cy="348343"/>
+            <a:chOff x="2044181" y="5096212"/>
+            <a:chExt cx="3073400" cy="348343"/>
+          </a:xfrm>
+        </p:grpSpPr>
+        <p:sp>
+          <p:nvSpPr>
+            <p:cNvPr id="42" name="Data 41">
+              <a:extLst>
+                <a:ext uri="{FF2B5EF4-FFF2-40B4-BE49-F238E27FC236}">
+                  <a16:creationId xmlns:a16="http://schemas.microsoft.com/office/drawing/2014/main" id="{3B6240E0-CAA1-D6D5-7EE3-22F0C24D6BB8}"/>
+                </a:ext>
+              </a:extLst>
+            </p:cNvPr>
+            <p:cNvSpPr/>
+            <p:nvPr/>
+          </p:nvSpPr>
+          <p:spPr>
+            <a:xfrm>
+              <a:off x="2044181" y="5096212"/>
+              <a:ext cx="3073400" cy="348343"/>
+            </a:xfrm>
+            <a:prstGeom prst="flowChartInputOutput">
+              <a:avLst/>
+            </a:prstGeom>
+            <a:solidFill>
+              <a:schemeClr val="accent1">
+                <a:lumMod val="40000"/>
+                <a:lumOff val="60000"/>
+              </a:schemeClr>
+            </a:solidFill>
+            <a:ln>
+              <a:solidFill>
+                <a:schemeClr val="accent1">
+                  <a:lumMod val="50000"/>
+                </a:schemeClr>
+              </a:solidFill>
+            </a:ln>
+          </p:spPr>
+          <p:style>
+            <a:lnRef idx="2">
+              <a:schemeClr val="accent1">
+                <a:shade val="15000"/>
+              </a:schemeClr>
+            </a:lnRef>
+            <a:fillRef idx="1">
+              <a:schemeClr val="accent1"/>
+            </a:fillRef>
+            <a:effectRef idx="0">
+              <a:schemeClr val="accent1"/>
+            </a:effectRef>
+            <a:fontRef idx="minor">
+              <a:schemeClr val="lt1"/>
+            </a:fontRef>
+          </p:style>
+          <p:txBody>
+            <a:bodyPr rtlCol="0" anchor="ctr"/>
+            <a:lstStyle/>
+            <a:p>
+              <a:pPr algn="ctr"/>
+              <a:endParaRPr lang="en-GB">
+                <a:solidFill>
+                  <a:schemeClr val="accent1">
+                    <a:lumMod val="60000"/>
+                    <a:lumOff val="40000"/>
+                  </a:schemeClr>
+                </a:solidFill>
+              </a:endParaRPr>
+            </a:p>
+          </p:txBody>
+        </p:sp>
+        <p:sp>
+          <p:nvSpPr>
+            <p:cNvPr id="43" name="TextBox 42">
+              <a:extLst>
+                <a:ext uri="{FF2B5EF4-FFF2-40B4-BE49-F238E27FC236}">
+                  <a16:creationId xmlns:a16="http://schemas.microsoft.com/office/drawing/2014/main" id="{04218C80-7D46-C4B7-4C3E-5F8C5C0BB369}"/>
+                </a:ext>
+              </a:extLst>
+            </p:cNvPr>
+            <p:cNvSpPr txBox="1"/>
+            <p:nvPr/>
+          </p:nvSpPr>
+          <p:spPr>
+            <a:xfrm>
+              <a:off x="2452297" y="5133933"/>
+              <a:ext cx="2257168" cy="276999"/>
+            </a:xfrm>
+            <a:prstGeom prst="rect">
+              <a:avLst/>
+            </a:prstGeom>
+            <a:noFill/>
+          </p:spPr>
+          <p:txBody>
+            <a:bodyPr wrap="square" rtlCol="0">
+              <a:spAutoFit/>
+            </a:bodyPr>
+            <a:lstStyle/>
+            <a:p>
+              <a:pPr algn="ctr"/>
+              <a:r>
+                <a:rPr lang="en-GB" sz="1200" dirty="0">
+                  <a:latin typeface="Helvetica" pitchFamily="2" charset="0"/>
+                </a:rPr>
+                <a:t>Subset of core images</a:t>
+              </a:r>
+            </a:p>
+          </p:txBody>
+        </p:sp>
+      </p:grpSp>
+      <p:grpSp>
+        <p:nvGrpSpPr>
+          <p:cNvPr id="92" name="Group 91">
+            <a:extLst>
+              <a:ext uri="{FF2B5EF4-FFF2-40B4-BE49-F238E27FC236}">
+                <a16:creationId xmlns:a16="http://schemas.microsoft.com/office/drawing/2014/main" id="{9403314F-6559-0C85-A07A-B26FE16F9327}"/>
+              </a:ext>
+            </a:extLst>
+          </p:cNvPr>
+          <p:cNvGrpSpPr/>
+          <p:nvPr/>
+        </p:nvGrpSpPr>
+        <p:grpSpPr>
+          <a:xfrm>
+            <a:off x="4709467" y="5096212"/>
+            <a:ext cx="3073400" cy="348343"/>
+            <a:chOff x="4709467" y="5096212"/>
+            <a:chExt cx="3073400" cy="348343"/>
+          </a:xfrm>
+        </p:grpSpPr>
+        <p:sp>
+          <p:nvSpPr>
+            <p:cNvPr id="44" name="Data 43">
+              <a:extLst>
+                <a:ext uri="{FF2B5EF4-FFF2-40B4-BE49-F238E27FC236}">
+                  <a16:creationId xmlns:a16="http://schemas.microsoft.com/office/drawing/2014/main" id="{25D99BDE-D449-69CB-0E83-ACDEFD35DC70}"/>
+                </a:ext>
+              </a:extLst>
+            </p:cNvPr>
+            <p:cNvSpPr/>
+            <p:nvPr/>
+          </p:nvSpPr>
+          <p:spPr>
+            <a:xfrm>
+              <a:off x="4709467" y="5096212"/>
+              <a:ext cx="3073400" cy="348343"/>
+            </a:xfrm>
+            <a:prstGeom prst="flowChartInputOutput">
+              <a:avLst/>
+            </a:prstGeom>
+            <a:solidFill>
+              <a:schemeClr val="accent1">
+                <a:lumMod val="40000"/>
+                <a:lumOff val="60000"/>
+              </a:schemeClr>
+            </a:solidFill>
+            <a:ln>
+              <a:solidFill>
+                <a:schemeClr val="accent1">
+                  <a:lumMod val="50000"/>
+                </a:schemeClr>
+              </a:solidFill>
+            </a:ln>
+          </p:spPr>
+          <p:style>
+            <a:lnRef idx="2">
+              <a:schemeClr val="accent1">
+                <a:shade val="15000"/>
+              </a:schemeClr>
+            </a:lnRef>
+            <a:fillRef idx="1">
+              <a:schemeClr val="accent1"/>
+            </a:fillRef>
+            <a:effectRef idx="0">
+              <a:schemeClr val="accent1"/>
+            </a:effectRef>
+            <a:fontRef idx="minor">
+              <a:schemeClr val="lt1"/>
+            </a:fontRef>
+          </p:style>
+          <p:txBody>
+            <a:bodyPr rtlCol="0" anchor="ctr"/>
+            <a:lstStyle/>
+            <a:p>
+              <a:pPr algn="ctr"/>
+              <a:endParaRPr lang="en-GB">
+                <a:solidFill>
+                  <a:schemeClr val="accent1">
+                    <a:lumMod val="60000"/>
+                    <a:lumOff val="40000"/>
+                  </a:schemeClr>
+                </a:solidFill>
+              </a:endParaRPr>
+            </a:p>
+          </p:txBody>
+        </p:sp>
+        <p:sp>
+          <p:nvSpPr>
+            <p:cNvPr id="45" name="TextBox 44">
+              <a:extLst>
+                <a:ext uri="{FF2B5EF4-FFF2-40B4-BE49-F238E27FC236}">
+                  <a16:creationId xmlns:a16="http://schemas.microsoft.com/office/drawing/2014/main" id="{E9176E63-C63B-50F9-5B22-49ADCA76FDA9}"/>
+                </a:ext>
+              </a:extLst>
+            </p:cNvPr>
+            <p:cNvSpPr txBox="1"/>
+            <p:nvPr/>
+          </p:nvSpPr>
+          <p:spPr>
+            <a:xfrm>
+              <a:off x="5117581" y="5139059"/>
+              <a:ext cx="2257168" cy="276999"/>
+            </a:xfrm>
+            <a:prstGeom prst="rect">
+              <a:avLst/>
+            </a:prstGeom>
+            <a:noFill/>
+          </p:spPr>
+          <p:txBody>
+            <a:bodyPr wrap="square" rtlCol="0">
+              <a:spAutoFit/>
+            </a:bodyPr>
+            <a:lstStyle/>
+            <a:p>
+              <a:pPr algn="ctr"/>
+              <a:r>
+                <a:rPr lang="en-GB" sz="1200" dirty="0">
+                  <a:latin typeface="Helvetica" pitchFamily="2" charset="0"/>
+                </a:rPr>
+                <a:t>Cleaned log data</a:t>
+              </a:r>
+            </a:p>
+          </p:txBody>
+        </p:sp>
+      </p:grpSp>
+      <p:sp>
+        <p:nvSpPr>
+          <p:cNvPr id="46" name="Down Arrow 45">
+            <a:extLst>
+              <a:ext uri="{FF2B5EF4-FFF2-40B4-BE49-F238E27FC236}">
+                <a16:creationId xmlns:a16="http://schemas.microsoft.com/office/drawing/2014/main" id="{CD7ADE1C-4DA1-E21A-F58E-5D2CB967549F}"/>
+              </a:ext>
+            </a:extLst>
+          </p:cNvPr>
+          <p:cNvSpPr/>
+          <p:nvPr/>
+        </p:nvSpPr>
+        <p:spPr>
+          <a:xfrm>
+            <a:off x="4451308" y="5574532"/>
+            <a:ext cx="971485" cy="348343"/>
+          </a:xfrm>
+          <a:prstGeom prst="downArrow">
+            <a:avLst/>
+          </a:prstGeom>
+          <a:solidFill>
+            <a:schemeClr val="accent1">
+              <a:lumMod val="40000"/>
+              <a:lumOff val="60000"/>
+            </a:schemeClr>
+          </a:solidFill>
+          <a:ln>
+            <a:solidFill>
+              <a:schemeClr val="accent1">
+                <a:lumMod val="50000"/>
+              </a:schemeClr>
+            </a:solidFill>
+          </a:ln>
+        </p:spPr>
+        <p:style>
+          <a:lnRef idx="2">
+            <a:schemeClr val="accent1">
+              <a:shade val="15000"/>
+            </a:schemeClr>
+          </a:lnRef>
+          <a:fillRef idx="1">
+            <a:schemeClr val="accent1"/>
+          </a:fillRef>
+          <a:effectRef idx="0">
+            <a:schemeClr val="accent1"/>
+          </a:effectRef>
+          <a:fontRef idx="minor">
+            <a:schemeClr val="lt1"/>
+          </a:fontRef>
+        </p:style>
+        <p:txBody>
+          <a:bodyPr rtlCol="0" anchor="ctr"/>
+          <a:lstStyle/>
+          <a:p>
+            <a:pPr algn="ctr"/>
+            <a:endParaRPr lang="en-GB"/>
+          </a:p>
+        </p:txBody>
+      </p:sp>
+      <p:grpSp>
+        <p:nvGrpSpPr>
+          <p:cNvPr id="93" name="Group 92">
+            <a:extLst>
+              <a:ext uri="{FF2B5EF4-FFF2-40B4-BE49-F238E27FC236}">
+                <a16:creationId xmlns:a16="http://schemas.microsoft.com/office/drawing/2014/main" id="{4F58EC68-7FB4-6DBE-FFDA-B657E2C14A18}"/>
+              </a:ext>
+            </a:extLst>
+          </p:cNvPr>
+          <p:cNvGrpSpPr/>
+          <p:nvPr/>
+        </p:nvGrpSpPr>
+        <p:grpSpPr>
+          <a:xfrm>
+            <a:off x="2032488" y="7523831"/>
+            <a:ext cx="3073400" cy="348343"/>
+            <a:chOff x="2032488" y="7523831"/>
+            <a:chExt cx="3073400" cy="348343"/>
+          </a:xfrm>
+        </p:grpSpPr>
+        <p:sp>
+          <p:nvSpPr>
+            <p:cNvPr id="47" name="Data 46">
+              <a:extLst>
+                <a:ext uri="{FF2B5EF4-FFF2-40B4-BE49-F238E27FC236}">
+                  <a16:creationId xmlns:a16="http://schemas.microsoft.com/office/drawing/2014/main" id="{0BA41695-5085-647C-A54E-9453FCC2E5FB}"/>
+                </a:ext>
+              </a:extLst>
+            </p:cNvPr>
+            <p:cNvSpPr/>
+            <p:nvPr/>
+          </p:nvSpPr>
+          <p:spPr>
+            <a:xfrm>
+              <a:off x="2032488" y="7523831"/>
+              <a:ext cx="3073400" cy="348343"/>
+            </a:xfrm>
+            <a:prstGeom prst="flowChartInputOutput">
+              <a:avLst/>
+            </a:prstGeom>
+            <a:solidFill>
+              <a:schemeClr val="accent1">
+                <a:lumMod val="40000"/>
+                <a:lumOff val="60000"/>
+              </a:schemeClr>
+            </a:solidFill>
+            <a:ln>
+              <a:solidFill>
+                <a:schemeClr val="accent1">
+                  <a:lumMod val="50000"/>
+                </a:schemeClr>
+              </a:solidFill>
+            </a:ln>
+          </p:spPr>
+          <p:style>
+            <a:lnRef idx="2">
+              <a:schemeClr val="accent1">
+                <a:shade val="15000"/>
+              </a:schemeClr>
+            </a:lnRef>
+            <a:fillRef idx="1">
+              <a:schemeClr val="accent1"/>
+            </a:fillRef>
+            <a:effectRef idx="0">
+              <a:schemeClr val="accent1"/>
+            </a:effectRef>
+            <a:fontRef idx="minor">
+              <a:schemeClr val="lt1"/>
+            </a:fontRef>
+          </p:style>
+          <p:txBody>
+            <a:bodyPr rtlCol="0" anchor="ctr"/>
+            <a:lstStyle/>
+            <a:p>
+              <a:pPr algn="ctr"/>
+              <a:endParaRPr lang="en-GB">
+                <a:solidFill>
+                  <a:schemeClr val="accent1">
+                    <a:lumMod val="60000"/>
+                    <a:lumOff val="40000"/>
+                  </a:schemeClr>
+                </a:solidFill>
+              </a:endParaRPr>
+            </a:p>
+          </p:txBody>
+        </p:sp>
+        <p:sp>
+          <p:nvSpPr>
+            <p:cNvPr id="48" name="TextBox 47">
+              <a:extLst>
+                <a:ext uri="{FF2B5EF4-FFF2-40B4-BE49-F238E27FC236}">
+                  <a16:creationId xmlns:a16="http://schemas.microsoft.com/office/drawing/2014/main" id="{BCA7B296-7AF7-5C78-CBF7-D4EE913F85B6}"/>
+                </a:ext>
+              </a:extLst>
+            </p:cNvPr>
+            <p:cNvSpPr txBox="1"/>
+            <p:nvPr/>
+          </p:nvSpPr>
+          <p:spPr>
+            <a:xfrm>
+              <a:off x="2440604" y="7561552"/>
+              <a:ext cx="2257168" cy="276999"/>
+            </a:xfrm>
+            <a:prstGeom prst="rect">
+              <a:avLst/>
+            </a:prstGeom>
+            <a:noFill/>
+          </p:spPr>
+          <p:txBody>
+            <a:bodyPr wrap="square" rtlCol="0">
+              <a:spAutoFit/>
+            </a:bodyPr>
+            <a:lstStyle/>
+            <a:p>
+              <a:pPr algn="ctr"/>
+              <a:r>
+                <a:rPr lang="en-GB" sz="1200" dirty="0" err="1">
+                  <a:latin typeface="Helvetica" pitchFamily="2" charset="0"/>
+                </a:rPr>
+                <a:t>Labeled</a:t>
+              </a:r>
+              <a:r>
+                <a:rPr lang="en-GB" sz="1200" dirty="0">
+                  <a:latin typeface="Helvetica" pitchFamily="2" charset="0"/>
+                </a:rPr>
+                <a:t> images</a:t>
+              </a:r>
+            </a:p>
+          </p:txBody>
+        </p:sp>
+      </p:grpSp>
+      <p:grpSp>
+        <p:nvGrpSpPr>
+          <p:cNvPr id="94" name="Group 93">
+            <a:extLst>
+              <a:ext uri="{FF2B5EF4-FFF2-40B4-BE49-F238E27FC236}">
+                <a16:creationId xmlns:a16="http://schemas.microsoft.com/office/drawing/2014/main" id="{317051FB-65EB-FB7C-DDD9-E7B3C33F68BC}"/>
+              </a:ext>
+            </a:extLst>
+          </p:cNvPr>
+          <p:cNvGrpSpPr/>
+          <p:nvPr/>
+        </p:nvGrpSpPr>
+        <p:grpSpPr>
+          <a:xfrm>
+            <a:off x="4697774" y="7523831"/>
+            <a:ext cx="3073400" cy="348343"/>
+            <a:chOff x="4697774" y="7523831"/>
+            <a:chExt cx="3073400" cy="348343"/>
+          </a:xfrm>
+        </p:grpSpPr>
+        <p:sp>
+          <p:nvSpPr>
+            <p:cNvPr id="49" name="Data 48">
+              <a:extLst>
+                <a:ext uri="{FF2B5EF4-FFF2-40B4-BE49-F238E27FC236}">
+                  <a16:creationId xmlns:a16="http://schemas.microsoft.com/office/drawing/2014/main" id="{8F970BE8-CE82-916A-1D56-AF9C69D0D340}"/>
+                </a:ext>
+              </a:extLst>
+            </p:cNvPr>
+            <p:cNvSpPr/>
+            <p:nvPr/>
+          </p:nvSpPr>
+          <p:spPr>
+            <a:xfrm>
+              <a:off x="4697774" y="7523831"/>
+              <a:ext cx="3073400" cy="348343"/>
+            </a:xfrm>
+            <a:prstGeom prst="flowChartInputOutput">
+              <a:avLst/>
+            </a:prstGeom>
+            <a:solidFill>
+              <a:schemeClr val="accent1">
+                <a:lumMod val="40000"/>
+                <a:lumOff val="60000"/>
+              </a:schemeClr>
+            </a:solidFill>
+            <a:ln>
+              <a:solidFill>
+                <a:schemeClr val="accent1">
+                  <a:lumMod val="50000"/>
+                </a:schemeClr>
+              </a:solidFill>
+            </a:ln>
+          </p:spPr>
+          <p:style>
+            <a:lnRef idx="2">
+              <a:schemeClr val="accent1">
+                <a:shade val="15000"/>
+              </a:schemeClr>
+            </a:lnRef>
+            <a:fillRef idx="1">
+              <a:schemeClr val="accent1"/>
+            </a:fillRef>
+            <a:effectRef idx="0">
+              <a:schemeClr val="accent1"/>
+            </a:effectRef>
+            <a:fontRef idx="minor">
+              <a:schemeClr val="lt1"/>
+            </a:fontRef>
+          </p:style>
+          <p:txBody>
+            <a:bodyPr rtlCol="0" anchor="ctr"/>
+            <a:lstStyle/>
+            <a:p>
+              <a:pPr algn="ctr"/>
+              <a:endParaRPr lang="en-GB">
+                <a:solidFill>
+                  <a:schemeClr val="accent1">
+                    <a:lumMod val="60000"/>
+                    <a:lumOff val="40000"/>
+                  </a:schemeClr>
+                </a:solidFill>
+              </a:endParaRPr>
+            </a:p>
+          </p:txBody>
+        </p:sp>
+        <p:sp>
+          <p:nvSpPr>
+            <p:cNvPr id="50" name="TextBox 49">
+              <a:extLst>
+                <a:ext uri="{FF2B5EF4-FFF2-40B4-BE49-F238E27FC236}">
+                  <a16:creationId xmlns:a16="http://schemas.microsoft.com/office/drawing/2014/main" id="{AFA2D383-CF79-31EB-EFA4-9DC0D481FE03}"/>
+                </a:ext>
+              </a:extLst>
+            </p:cNvPr>
+            <p:cNvSpPr txBox="1"/>
+            <p:nvPr/>
+          </p:nvSpPr>
+          <p:spPr>
+            <a:xfrm>
+              <a:off x="5105888" y="7566678"/>
+              <a:ext cx="2257168" cy="276999"/>
+            </a:xfrm>
+            <a:prstGeom prst="rect">
+              <a:avLst/>
+            </a:prstGeom>
+            <a:noFill/>
+          </p:spPr>
+          <p:txBody>
+            <a:bodyPr wrap="square" rtlCol="0">
+              <a:spAutoFit/>
+            </a:bodyPr>
+            <a:lstStyle/>
+            <a:p>
+              <a:pPr algn="ctr"/>
+              <a:r>
+                <a:rPr lang="en-GB" sz="1200" dirty="0">
+                  <a:latin typeface="Helvetica" pitchFamily="2" charset="0"/>
+                </a:rPr>
+                <a:t>Cleaned log data</a:t>
+              </a:r>
+            </a:p>
+          </p:txBody>
+        </p:sp>
+      </p:grpSp>
+      <p:sp>
+        <p:nvSpPr>
+          <p:cNvPr id="51" name="Down Arrow 50">
+            <a:extLst>
+              <a:ext uri="{FF2B5EF4-FFF2-40B4-BE49-F238E27FC236}">
+                <a16:creationId xmlns:a16="http://schemas.microsoft.com/office/drawing/2014/main" id="{519DEA48-66F5-25AB-3235-5B9381A014A3}"/>
+              </a:ext>
+            </a:extLst>
+          </p:cNvPr>
+          <p:cNvSpPr/>
+          <p:nvPr/>
+        </p:nvSpPr>
+        <p:spPr>
+          <a:xfrm>
+            <a:off x="4439615" y="8002151"/>
+            <a:ext cx="971485" cy="348343"/>
+          </a:xfrm>
+          <a:prstGeom prst="downArrow">
+            <a:avLst/>
+          </a:prstGeom>
+          <a:solidFill>
+            <a:schemeClr val="accent1">
+              <a:lumMod val="40000"/>
+              <a:lumOff val="60000"/>
+            </a:schemeClr>
+          </a:solidFill>
+          <a:ln>
+            <a:solidFill>
+              <a:schemeClr val="accent1">
+                <a:lumMod val="50000"/>
+              </a:schemeClr>
+            </a:solidFill>
+          </a:ln>
+        </p:spPr>
+        <p:style>
+          <a:lnRef idx="2">
+            <a:schemeClr val="accent1">
+              <a:shade val="15000"/>
+            </a:schemeClr>
+          </a:lnRef>
+          <a:fillRef idx="1">
+            <a:schemeClr val="accent1"/>
+          </a:fillRef>
+          <a:effectRef idx="0">
+            <a:schemeClr val="accent1"/>
+          </a:effectRef>
+          <a:fontRef idx="minor">
+            <a:schemeClr val="lt1"/>
+          </a:fontRef>
+        </p:style>
+        <p:txBody>
+          <a:bodyPr rtlCol="0" anchor="ctr"/>
+          <a:lstStyle/>
+          <a:p>
+            <a:pPr algn="ctr"/>
+            <a:endParaRPr lang="en-GB"/>
+          </a:p>
+        </p:txBody>
+      </p:sp>
+      <p:grpSp>
+        <p:nvGrpSpPr>
+          <p:cNvPr id="59" name="Group 58">
+            <a:extLst>
+              <a:ext uri="{FF2B5EF4-FFF2-40B4-BE49-F238E27FC236}">
+                <a16:creationId xmlns:a16="http://schemas.microsoft.com/office/drawing/2014/main" id="{966B0338-A3DF-45B4-06CF-7FCC762618D0}"/>
+              </a:ext>
+            </a:extLst>
+          </p:cNvPr>
+          <p:cNvGrpSpPr/>
+          <p:nvPr/>
+        </p:nvGrpSpPr>
+        <p:grpSpPr>
+          <a:xfrm>
+            <a:off x="2805990" y="8955850"/>
+            <a:ext cx="4238422" cy="431468"/>
+            <a:chOff x="2805990" y="8955850"/>
+            <a:chExt cx="4238422" cy="431468"/>
+          </a:xfrm>
+          <a:solidFill>
+            <a:srgbClr val="92D050"/>
+          </a:solidFill>
+        </p:grpSpPr>
+        <p:sp>
+          <p:nvSpPr>
+            <p:cNvPr id="56" name="Down Arrow Callout 55">
+              <a:extLst>
+                <a:ext uri="{FF2B5EF4-FFF2-40B4-BE49-F238E27FC236}">
+                  <a16:creationId xmlns:a16="http://schemas.microsoft.com/office/drawing/2014/main" id="{8ACDA060-DAC5-AD55-46AC-9780158E3EB3}"/>
+                </a:ext>
+              </a:extLst>
+            </p:cNvPr>
+            <p:cNvSpPr/>
+            <p:nvPr/>
+          </p:nvSpPr>
+          <p:spPr>
+            <a:xfrm>
+              <a:off x="2805990" y="8955850"/>
+              <a:ext cx="4238422" cy="431468"/>
+            </a:xfrm>
+            <a:prstGeom prst="downArrowCallout">
+              <a:avLst>
+                <a:gd name="adj1" fmla="val 232786"/>
+                <a:gd name="adj2" fmla="val 217394"/>
+                <a:gd name="adj3" fmla="val 25000"/>
+                <a:gd name="adj4" fmla="val 64977"/>
+              </a:avLst>
+            </a:prstGeom>
+            <a:solidFill>
+              <a:schemeClr val="accent2">
+                <a:lumMod val="40000"/>
+                <a:lumOff val="60000"/>
+              </a:schemeClr>
+            </a:solidFill>
+            <a:ln>
+              <a:solidFill>
+                <a:schemeClr val="accent2">
                   <a:lumMod val="75000"/>
                 </a:schemeClr>
               </a:solidFill>
@@ -4013,10 +7079,72 @@
         </p:sp>
         <p:sp>
           <p:nvSpPr>
-            <p:cNvPr id="13" name="Rectangle 12">
+            <p:cNvPr id="58" name="TextBox 57">
               <a:extLst>
                 <a:ext uri="{FF2B5EF4-FFF2-40B4-BE49-F238E27FC236}">
-                  <a16:creationId xmlns:a16="http://schemas.microsoft.com/office/drawing/2014/main" id="{B1C9CD17-E0C4-7B6B-8F87-3B9C576F2553}"/>
+                  <a16:creationId xmlns:a16="http://schemas.microsoft.com/office/drawing/2014/main" id="{F884EABF-F931-0849-94DF-6FDF680F3CFC}"/>
+                </a:ext>
+              </a:extLst>
+            </p:cNvPr>
+            <p:cNvSpPr txBox="1"/>
+            <p:nvPr/>
+          </p:nvSpPr>
+          <p:spPr>
+            <a:xfrm>
+              <a:off x="3197901" y="8961931"/>
+              <a:ext cx="3454912" cy="276999"/>
+            </a:xfrm>
+            <a:prstGeom prst="rect">
+              <a:avLst/>
+            </a:prstGeom>
+            <a:noFill/>
+          </p:spPr>
+          <p:txBody>
+            <a:bodyPr wrap="square" rtlCol="0">
+              <a:spAutoFit/>
+            </a:bodyPr>
+            <a:lstStyle/>
+            <a:p>
+              <a:pPr algn="ctr"/>
+              <a:r>
+                <a:rPr lang="en-GB" sz="1200" dirty="0">
+                  <a:latin typeface="Helvetica" pitchFamily="2" charset="0"/>
+                </a:rPr>
+                <a:t>Feature Extraction or Image Segmentation</a:t>
+              </a:r>
+            </a:p>
+          </p:txBody>
+        </p:sp>
+      </p:grpSp>
+      <p:grpSp>
+        <p:nvGrpSpPr>
+          <p:cNvPr id="63" name="Group 62">
+            <a:extLst>
+              <a:ext uri="{FF2B5EF4-FFF2-40B4-BE49-F238E27FC236}">
+                <a16:creationId xmlns:a16="http://schemas.microsoft.com/office/drawing/2014/main" id="{45A414BA-448F-137E-589B-3C3952ACE73D}"/>
+              </a:ext>
+            </a:extLst>
+          </p:cNvPr>
+          <p:cNvGrpSpPr/>
+          <p:nvPr/>
+        </p:nvGrpSpPr>
+        <p:grpSpPr>
+          <a:xfrm>
+            <a:off x="2426364" y="9901099"/>
+            <a:ext cx="2013251" cy="431468"/>
+            <a:chOff x="2805990" y="8955850"/>
+            <a:chExt cx="4238422" cy="431468"/>
+          </a:xfrm>
+          <a:solidFill>
+            <a:srgbClr val="92D050"/>
+          </a:solidFill>
+        </p:grpSpPr>
+        <p:sp>
+          <p:nvSpPr>
+            <p:cNvPr id="64" name="Down Arrow Callout 63">
+              <a:extLst>
+                <a:ext uri="{FF2B5EF4-FFF2-40B4-BE49-F238E27FC236}">
+                  <a16:creationId xmlns:a16="http://schemas.microsoft.com/office/drawing/2014/main" id="{1B6DBCD2-0236-03E6-0469-A3AC73E0763A}"/>
                 </a:ext>
               </a:extLst>
             </p:cNvPr>
@@ -4025,16 +7153,26 @@
           </p:nvSpPr>
           <p:spPr>
             <a:xfrm>
-              <a:off x="2677884" y="315685"/>
-              <a:ext cx="6313715" cy="348343"/>
+              <a:off x="2805990" y="8955850"/>
+              <a:ext cx="4238422" cy="431468"/>
             </a:xfrm>
-            <a:prstGeom prst="rect">
-              <a:avLst/>
+            <a:prstGeom prst="downArrowCallout">
+              <a:avLst>
+                <a:gd name="adj1" fmla="val 127277"/>
+                <a:gd name="adj2" fmla="val 119161"/>
+                <a:gd name="adj3" fmla="val 25000"/>
+                <a:gd name="adj4" fmla="val 64977"/>
+              </a:avLst>
             </a:prstGeom>
-            <a:noFill/>
+            <a:solidFill>
+              <a:schemeClr val="accent2">
+                <a:lumMod val="40000"/>
+                <a:lumOff val="60000"/>
+              </a:schemeClr>
+            </a:solidFill>
             <a:ln>
               <a:solidFill>
-                <a:schemeClr val="accent6">
+                <a:schemeClr val="accent2">
                   <a:lumMod val="75000"/>
                 </a:schemeClr>
               </a:solidFill>
@@ -4061,55 +7199,59 @@
             <a:lstStyle/>
             <a:p>
               <a:pPr algn="ctr"/>
-              <a:endParaRPr lang="en-GB"/>
+              <a:endParaRPr lang="en-GB" dirty="0">
+                <a:solidFill>
+                  <a:sysClr val="windowText" lastClr="000000"/>
+                </a:solidFill>
+              </a:endParaRPr>
+            </a:p>
+          </p:txBody>
+        </p:sp>
+        <p:sp>
+          <p:nvSpPr>
+            <p:cNvPr id="65" name="TextBox 64">
+              <a:extLst>
+                <a:ext uri="{FF2B5EF4-FFF2-40B4-BE49-F238E27FC236}">
+                  <a16:creationId xmlns:a16="http://schemas.microsoft.com/office/drawing/2014/main" id="{92260A74-8610-7E01-FE5D-791452653659}"/>
+                </a:ext>
+              </a:extLst>
+            </p:cNvPr>
+            <p:cNvSpPr txBox="1"/>
+            <p:nvPr/>
+          </p:nvSpPr>
+          <p:spPr>
+            <a:xfrm>
+              <a:off x="3197901" y="8961931"/>
+              <a:ext cx="3454912" cy="276999"/>
+            </a:xfrm>
+            <a:prstGeom prst="rect">
+              <a:avLst/>
+            </a:prstGeom>
+            <a:noFill/>
+          </p:spPr>
+          <p:txBody>
+            <a:bodyPr wrap="square" rtlCol="0">
+              <a:spAutoFit/>
+            </a:bodyPr>
+            <a:lstStyle/>
+            <a:p>
+              <a:pPr algn="ctr"/>
+              <a:r>
+                <a:rPr lang="en-GB" sz="1200" dirty="0">
+                  <a:latin typeface="Helvetica" pitchFamily="2" charset="0"/>
+                </a:rPr>
+                <a:t>Dataset Split</a:t>
+              </a:r>
             </a:p>
           </p:txBody>
         </p:sp>
       </p:grpSp>
-      <p:sp>
-        <p:nvSpPr>
-          <p:cNvPr id="14" name="TextBox 13">
+      <p:grpSp>
+        <p:nvGrpSpPr>
+          <p:cNvPr id="66" name="Group 65">
             <a:extLst>
               <a:ext uri="{FF2B5EF4-FFF2-40B4-BE49-F238E27FC236}">
-                <a16:creationId xmlns:a16="http://schemas.microsoft.com/office/drawing/2014/main" id="{68FEB4BE-51D4-4DAA-8268-81A97D4A93D4}"/>
-              </a:ext>
-            </a:extLst>
-          </p:cNvPr>
-          <p:cNvSpPr txBox="1"/>
-          <p:nvPr/>
-        </p:nvSpPr>
-        <p:spPr>
-          <a:xfrm>
-            <a:off x="3808469" y="2536402"/>
-            <a:ext cx="2257168" cy="276999"/>
-          </a:xfrm>
-          <a:prstGeom prst="rect">
-            <a:avLst/>
-          </a:prstGeom>
-          <a:noFill/>
-        </p:spPr>
-        <p:txBody>
-          <a:bodyPr wrap="square" rtlCol="0">
-            <a:spAutoFit/>
-          </a:bodyPr>
-          <a:lstStyle/>
-          <a:p>
-            <a:pPr algn="ctr"/>
-            <a:r>
-              <a:rPr lang="en-GB" sz="1200" dirty="0">
-                <a:latin typeface="Helvetica" pitchFamily="2" charset="0"/>
-              </a:rPr>
-              <a:t>Image labelling</a:t>
-            </a:r>
-          </a:p>
-        </p:txBody>
-      </p:sp>
-      <p:grpSp>
-        <p:nvGrpSpPr>
-          <p:cNvPr id="15" name="Group 14">
-            <a:extLst>
-              <a:ext uri="{FF2B5EF4-FFF2-40B4-BE49-F238E27FC236}">
-                <a16:creationId xmlns:a16="http://schemas.microsoft.com/office/drawing/2014/main" id="{EA4262C6-FE0A-A85F-A7AC-17B166D11B1C}"/>
+                <a16:creationId xmlns:a16="http://schemas.microsoft.com/office/drawing/2014/main" id="{97A6FA2A-5AA4-78C1-05C5-9659F3240563}"/>
               </a:ext>
             </a:extLst>
           </p:cNvPr>
@@ -4118,18 +7260,21 @@
         </p:nvGrpSpPr>
         <p:grpSpPr>
           <a:xfrm>
-            <a:off x="1780195" y="4605495"/>
-            <a:ext cx="6313716" cy="1861458"/>
-            <a:chOff x="2677884" y="315685"/>
-            <a:chExt cx="6313716" cy="1861458"/>
+            <a:off x="2426364" y="10396670"/>
+            <a:ext cx="2013251" cy="431468"/>
+            <a:chOff x="2805990" y="8955850"/>
+            <a:chExt cx="4238422" cy="431468"/>
           </a:xfrm>
+          <a:solidFill>
+            <a:srgbClr val="92D050"/>
+          </a:solidFill>
         </p:grpSpPr>
         <p:sp>
           <p:nvSpPr>
-            <p:cNvPr id="16" name="Down Arrow Callout 15">
+            <p:cNvPr id="67" name="Down Arrow Callout 66">
               <a:extLst>
                 <a:ext uri="{FF2B5EF4-FFF2-40B4-BE49-F238E27FC236}">
-                  <a16:creationId xmlns:a16="http://schemas.microsoft.com/office/drawing/2014/main" id="{F7AFD3E6-3E31-D830-81F1-8FFEAB312FEC}"/>
+                  <a16:creationId xmlns:a16="http://schemas.microsoft.com/office/drawing/2014/main" id="{2A212EB6-1E94-6D1C-99EF-2D8361CE5B51}"/>
                 </a:ext>
               </a:extLst>
             </p:cNvPr>
@@ -4138,21 +7283,26 @@
           </p:nvSpPr>
           <p:spPr>
             <a:xfrm>
-              <a:off x="2677885" y="664029"/>
-              <a:ext cx="6313715" cy="1513114"/>
+              <a:off x="2805990" y="8955850"/>
+              <a:ext cx="4238422" cy="431468"/>
             </a:xfrm>
             <a:prstGeom prst="downArrowCallout">
               <a:avLst>
-                <a:gd name="adj1" fmla="val 132914"/>
-                <a:gd name="adj2" fmla="val 102698"/>
+                <a:gd name="adj1" fmla="val 127277"/>
+                <a:gd name="adj2" fmla="val 119161"/>
                 <a:gd name="adj3" fmla="val 25000"/>
                 <a:gd name="adj4" fmla="val 64977"/>
               </a:avLst>
             </a:prstGeom>
-            <a:noFill/>
+            <a:solidFill>
+              <a:schemeClr val="accent2">
+                <a:lumMod val="40000"/>
+                <a:lumOff val="60000"/>
+              </a:schemeClr>
+            </a:solidFill>
             <a:ln>
               <a:solidFill>
-                <a:schemeClr val="accent6">
+                <a:schemeClr val="accent2">
                   <a:lumMod val="75000"/>
                 </a:schemeClr>
               </a:solidFill>
@@ -4189,10 +7339,72 @@
         </p:sp>
         <p:sp>
           <p:nvSpPr>
-            <p:cNvPr id="17" name="Rectangle 16">
+            <p:cNvPr id="68" name="TextBox 67">
               <a:extLst>
                 <a:ext uri="{FF2B5EF4-FFF2-40B4-BE49-F238E27FC236}">
-                  <a16:creationId xmlns:a16="http://schemas.microsoft.com/office/drawing/2014/main" id="{61450B36-4060-9177-471D-5AE6F5B7313C}"/>
+                  <a16:creationId xmlns:a16="http://schemas.microsoft.com/office/drawing/2014/main" id="{200E9892-FEA3-FDE6-E003-D82B9CF8E736}"/>
+                </a:ext>
+              </a:extLst>
+            </p:cNvPr>
+            <p:cNvSpPr txBox="1"/>
+            <p:nvPr/>
+          </p:nvSpPr>
+          <p:spPr>
+            <a:xfrm>
+              <a:off x="3197901" y="8961931"/>
+              <a:ext cx="3454912" cy="276999"/>
+            </a:xfrm>
+            <a:prstGeom prst="rect">
+              <a:avLst/>
+            </a:prstGeom>
+            <a:noFill/>
+          </p:spPr>
+          <p:txBody>
+            <a:bodyPr wrap="square" rtlCol="0">
+              <a:spAutoFit/>
+            </a:bodyPr>
+            <a:lstStyle/>
+            <a:p>
+              <a:pPr algn="ctr"/>
+              <a:r>
+                <a:rPr lang="en-GB" sz="1200" dirty="0">
+                  <a:latin typeface="Helvetica" pitchFamily="2" charset="0"/>
+                </a:rPr>
+                <a:t>Data Augmentation</a:t>
+              </a:r>
+            </a:p>
+          </p:txBody>
+        </p:sp>
+      </p:grpSp>
+      <p:grpSp>
+        <p:nvGrpSpPr>
+          <p:cNvPr id="69" name="Group 68">
+            <a:extLst>
+              <a:ext uri="{FF2B5EF4-FFF2-40B4-BE49-F238E27FC236}">
+                <a16:creationId xmlns:a16="http://schemas.microsoft.com/office/drawing/2014/main" id="{D9AD7462-2996-1586-47A6-7430624CF071}"/>
+              </a:ext>
+            </a:extLst>
+          </p:cNvPr>
+          <p:cNvGrpSpPr/>
+          <p:nvPr/>
+        </p:nvGrpSpPr>
+        <p:grpSpPr>
+          <a:xfrm>
+            <a:off x="2426364" y="10909059"/>
+            <a:ext cx="2013251" cy="431468"/>
+            <a:chOff x="2805990" y="8955850"/>
+            <a:chExt cx="4238422" cy="431468"/>
+          </a:xfrm>
+          <a:solidFill>
+            <a:srgbClr val="92D050"/>
+          </a:solidFill>
+        </p:grpSpPr>
+        <p:sp>
+          <p:nvSpPr>
+            <p:cNvPr id="70" name="Down Arrow Callout 69">
+              <a:extLst>
+                <a:ext uri="{FF2B5EF4-FFF2-40B4-BE49-F238E27FC236}">
+                  <a16:creationId xmlns:a16="http://schemas.microsoft.com/office/drawing/2014/main" id="{032BA7DD-5763-2814-65A5-F4AFACD122F0}"/>
                 </a:ext>
               </a:extLst>
             </p:cNvPr>
@@ -4201,134 +7413,26 @@
           </p:nvSpPr>
           <p:spPr>
             <a:xfrm>
-              <a:off x="2677884" y="315685"/>
-              <a:ext cx="6313715" cy="348343"/>
-            </a:xfrm>
-            <a:prstGeom prst="rect">
-              <a:avLst/>
-            </a:prstGeom>
-            <a:noFill/>
-            <a:ln>
-              <a:solidFill>
-                <a:schemeClr val="accent6">
-                  <a:lumMod val="75000"/>
-                </a:schemeClr>
-              </a:solidFill>
-            </a:ln>
-          </p:spPr>
-          <p:style>
-            <a:lnRef idx="2">
-              <a:schemeClr val="accent1">
-                <a:shade val="15000"/>
-              </a:schemeClr>
-            </a:lnRef>
-            <a:fillRef idx="1">
-              <a:schemeClr val="accent1"/>
-            </a:fillRef>
-            <a:effectRef idx="0">
-              <a:schemeClr val="accent1"/>
-            </a:effectRef>
-            <a:fontRef idx="minor">
-              <a:schemeClr val="lt1"/>
-            </a:fontRef>
-          </p:style>
-          <p:txBody>
-            <a:bodyPr rtlCol="0" anchor="ctr"/>
-            <a:lstStyle/>
-            <a:p>
-              <a:pPr algn="ctr"/>
-              <a:endParaRPr lang="en-GB"/>
-            </a:p>
-          </p:txBody>
-        </p:sp>
-      </p:grpSp>
-      <p:sp>
-        <p:nvSpPr>
-          <p:cNvPr id="18" name="TextBox 17">
-            <a:extLst>
-              <a:ext uri="{FF2B5EF4-FFF2-40B4-BE49-F238E27FC236}">
-                <a16:creationId xmlns:a16="http://schemas.microsoft.com/office/drawing/2014/main" id="{EC54187A-CDA7-6C2B-F5DE-E8E308CDB2BC}"/>
-              </a:ext>
-            </a:extLst>
-          </p:cNvPr>
-          <p:cNvSpPr txBox="1"/>
-          <p:nvPr/>
-        </p:nvSpPr>
-        <p:spPr>
-          <a:xfrm>
-            <a:off x="3808469" y="4641166"/>
-            <a:ext cx="2257168" cy="276999"/>
-          </a:xfrm>
-          <a:prstGeom prst="rect">
-            <a:avLst/>
-          </a:prstGeom>
-          <a:noFill/>
-        </p:spPr>
-        <p:txBody>
-          <a:bodyPr wrap="square" rtlCol="0">
-            <a:spAutoFit/>
-          </a:bodyPr>
-          <a:lstStyle/>
-          <a:p>
-            <a:pPr algn="ctr"/>
-            <a:r>
-              <a:rPr lang="en-GB" sz="1200" dirty="0">
-                <a:latin typeface="Helvetica" pitchFamily="2" charset="0"/>
-              </a:rPr>
-              <a:t>Data cleaning and preparation</a:t>
-            </a:r>
-          </a:p>
-        </p:txBody>
-      </p:sp>
-      <p:grpSp>
-        <p:nvGrpSpPr>
-          <p:cNvPr id="19" name="Group 18">
-            <a:extLst>
-              <a:ext uri="{FF2B5EF4-FFF2-40B4-BE49-F238E27FC236}">
-                <a16:creationId xmlns:a16="http://schemas.microsoft.com/office/drawing/2014/main" id="{74C64D3F-8E10-39FF-4673-8CE51CEF03ED}"/>
-              </a:ext>
-            </a:extLst>
-          </p:cNvPr>
-          <p:cNvGrpSpPr/>
-          <p:nvPr/>
-        </p:nvGrpSpPr>
-        <p:grpSpPr>
-          <a:xfrm>
-            <a:off x="1780195" y="6710261"/>
-            <a:ext cx="6313716" cy="4950988"/>
-            <a:chOff x="2677884" y="315685"/>
-            <a:chExt cx="6313716" cy="3550721"/>
-          </a:xfrm>
-        </p:grpSpPr>
-        <p:sp>
-          <p:nvSpPr>
-            <p:cNvPr id="20" name="Down Arrow Callout 19">
-              <a:extLst>
-                <a:ext uri="{FF2B5EF4-FFF2-40B4-BE49-F238E27FC236}">
-                  <a16:creationId xmlns:a16="http://schemas.microsoft.com/office/drawing/2014/main" id="{3357AE51-3A69-268E-BDCC-E885D3EAD285}"/>
-                </a:ext>
-              </a:extLst>
-            </p:cNvPr>
-            <p:cNvSpPr/>
-            <p:nvPr/>
-          </p:nvSpPr>
-          <p:spPr>
-            <a:xfrm>
-              <a:off x="2677885" y="664028"/>
-              <a:ext cx="6313715" cy="3202378"/>
+              <a:off x="2805990" y="8955850"/>
+              <a:ext cx="4238422" cy="431468"/>
             </a:xfrm>
             <a:prstGeom prst="downArrowCallout">
               <a:avLst>
-                <a:gd name="adj1" fmla="val 63109"/>
-                <a:gd name="adj2" fmla="val 60863"/>
+                <a:gd name="adj1" fmla="val 127277"/>
+                <a:gd name="adj2" fmla="val 119161"/>
                 <a:gd name="adj3" fmla="val 25000"/>
-                <a:gd name="adj4" fmla="val 70029"/>
+                <a:gd name="adj4" fmla="val 64977"/>
               </a:avLst>
             </a:prstGeom>
-            <a:noFill/>
+            <a:solidFill>
+              <a:schemeClr val="accent2">
+                <a:lumMod val="40000"/>
+                <a:lumOff val="60000"/>
+              </a:schemeClr>
+            </a:solidFill>
             <a:ln>
               <a:solidFill>
-                <a:schemeClr val="accent6">
+                <a:schemeClr val="accent2">
                   <a:lumMod val="75000"/>
                 </a:schemeClr>
               </a:solidFill>
@@ -4365,10 +7469,72 @@
         </p:sp>
         <p:sp>
           <p:nvSpPr>
-            <p:cNvPr id="21" name="Rectangle 20">
+            <p:cNvPr id="71" name="TextBox 70">
               <a:extLst>
                 <a:ext uri="{FF2B5EF4-FFF2-40B4-BE49-F238E27FC236}">
-                  <a16:creationId xmlns:a16="http://schemas.microsoft.com/office/drawing/2014/main" id="{1A4B26E6-64E3-8992-5233-7C73A5DE885B}"/>
+                  <a16:creationId xmlns:a16="http://schemas.microsoft.com/office/drawing/2014/main" id="{64A5D5D7-F920-1AD1-4778-EEDA25157561}"/>
+                </a:ext>
+              </a:extLst>
+            </p:cNvPr>
+            <p:cNvSpPr txBox="1"/>
+            <p:nvPr/>
+          </p:nvSpPr>
+          <p:spPr>
+            <a:xfrm>
+              <a:off x="3197901" y="8961931"/>
+              <a:ext cx="3454912" cy="276999"/>
+            </a:xfrm>
+            <a:prstGeom prst="rect">
+              <a:avLst/>
+            </a:prstGeom>
+            <a:noFill/>
+          </p:spPr>
+          <p:txBody>
+            <a:bodyPr wrap="square" rtlCol="0">
+              <a:spAutoFit/>
+            </a:bodyPr>
+            <a:lstStyle/>
+            <a:p>
+              <a:pPr algn="ctr"/>
+              <a:r>
+                <a:rPr lang="en-GB" sz="1200" dirty="0">
+                  <a:latin typeface="Helvetica" pitchFamily="2" charset="0"/>
+                </a:rPr>
+                <a:t>Training</a:t>
+              </a:r>
+            </a:p>
+          </p:txBody>
+        </p:sp>
+      </p:grpSp>
+      <p:grpSp>
+        <p:nvGrpSpPr>
+          <p:cNvPr id="72" name="Group 71">
+            <a:extLst>
+              <a:ext uri="{FF2B5EF4-FFF2-40B4-BE49-F238E27FC236}">
+                <a16:creationId xmlns:a16="http://schemas.microsoft.com/office/drawing/2014/main" id="{DFC6EAC6-35CA-7219-0BCB-BC1B014519B3}"/>
+              </a:ext>
+            </a:extLst>
+          </p:cNvPr>
+          <p:cNvGrpSpPr/>
+          <p:nvPr/>
+        </p:nvGrpSpPr>
+        <p:grpSpPr>
+          <a:xfrm>
+            <a:off x="2805990" y="11421448"/>
+            <a:ext cx="4238422" cy="431468"/>
+            <a:chOff x="2805990" y="8955850"/>
+            <a:chExt cx="4238422" cy="431468"/>
+          </a:xfrm>
+          <a:solidFill>
+            <a:srgbClr val="92D050"/>
+          </a:solidFill>
+        </p:grpSpPr>
+        <p:sp>
+          <p:nvSpPr>
+            <p:cNvPr id="73" name="Down Arrow Callout 72">
+              <a:extLst>
+                <a:ext uri="{FF2B5EF4-FFF2-40B4-BE49-F238E27FC236}">
+                  <a16:creationId xmlns:a16="http://schemas.microsoft.com/office/drawing/2014/main" id="{C1880E48-8B05-B727-8FF2-C596C1BCD94B}"/>
                 </a:ext>
               </a:extLst>
             </p:cNvPr>
@@ -4377,134 +7543,26 @@
           </p:nvSpPr>
           <p:spPr>
             <a:xfrm>
-              <a:off x="2677884" y="315685"/>
-              <a:ext cx="6313715" cy="348343"/>
-            </a:xfrm>
-            <a:prstGeom prst="rect">
-              <a:avLst/>
-            </a:prstGeom>
-            <a:noFill/>
-            <a:ln>
-              <a:solidFill>
-                <a:schemeClr val="accent6">
-                  <a:lumMod val="75000"/>
-                </a:schemeClr>
-              </a:solidFill>
-            </a:ln>
-          </p:spPr>
-          <p:style>
-            <a:lnRef idx="2">
-              <a:schemeClr val="accent1">
-                <a:shade val="15000"/>
-              </a:schemeClr>
-            </a:lnRef>
-            <a:fillRef idx="1">
-              <a:schemeClr val="accent1"/>
-            </a:fillRef>
-            <a:effectRef idx="0">
-              <a:schemeClr val="accent1"/>
-            </a:effectRef>
-            <a:fontRef idx="minor">
-              <a:schemeClr val="lt1"/>
-            </a:fontRef>
-          </p:style>
-          <p:txBody>
-            <a:bodyPr rtlCol="0" anchor="ctr"/>
-            <a:lstStyle/>
-            <a:p>
-              <a:pPr algn="ctr"/>
-              <a:endParaRPr lang="en-GB"/>
-            </a:p>
-          </p:txBody>
-        </p:sp>
-      </p:grpSp>
-      <p:sp>
-        <p:nvSpPr>
-          <p:cNvPr id="22" name="TextBox 21">
-            <a:extLst>
-              <a:ext uri="{FF2B5EF4-FFF2-40B4-BE49-F238E27FC236}">
-                <a16:creationId xmlns:a16="http://schemas.microsoft.com/office/drawing/2014/main" id="{DD91DD54-1343-8636-AAD8-3725A4DB06AD}"/>
-              </a:ext>
-            </a:extLst>
-          </p:cNvPr>
-          <p:cNvSpPr txBox="1"/>
-          <p:nvPr/>
-        </p:nvSpPr>
-        <p:spPr>
-          <a:xfrm>
-            <a:off x="3808468" y="6781606"/>
-            <a:ext cx="2257168" cy="276999"/>
-          </a:xfrm>
-          <a:prstGeom prst="rect">
-            <a:avLst/>
-          </a:prstGeom>
-          <a:noFill/>
-        </p:spPr>
-        <p:txBody>
-          <a:bodyPr wrap="square" rtlCol="0">
-            <a:spAutoFit/>
-          </a:bodyPr>
-          <a:lstStyle/>
-          <a:p>
-            <a:pPr algn="ctr"/>
-            <a:r>
-              <a:rPr lang="en-GB" sz="1200" dirty="0">
-                <a:latin typeface="Helvetica" pitchFamily="2" charset="0"/>
-              </a:rPr>
-              <a:t>Machine Learning sub-flow</a:t>
-            </a:r>
-          </a:p>
-        </p:txBody>
-      </p:sp>
-      <p:grpSp>
-        <p:nvGrpSpPr>
-          <p:cNvPr id="23" name="Group 22">
-            <a:extLst>
-              <a:ext uri="{FF2B5EF4-FFF2-40B4-BE49-F238E27FC236}">
-                <a16:creationId xmlns:a16="http://schemas.microsoft.com/office/drawing/2014/main" id="{E470A7F9-749A-0257-C4E6-76B2D3BDF6A7}"/>
-              </a:ext>
-            </a:extLst>
-          </p:cNvPr>
-          <p:cNvGrpSpPr/>
-          <p:nvPr/>
-        </p:nvGrpSpPr>
-        <p:grpSpPr>
-          <a:xfrm>
-            <a:off x="1780194" y="11903358"/>
-            <a:ext cx="6313716" cy="1861458"/>
-            <a:chOff x="2677884" y="315685"/>
-            <a:chExt cx="6313716" cy="1861458"/>
-          </a:xfrm>
-        </p:grpSpPr>
-        <p:sp>
-          <p:nvSpPr>
-            <p:cNvPr id="24" name="Down Arrow Callout 23">
-              <a:extLst>
-                <a:ext uri="{FF2B5EF4-FFF2-40B4-BE49-F238E27FC236}">
-                  <a16:creationId xmlns:a16="http://schemas.microsoft.com/office/drawing/2014/main" id="{1DE668C4-0017-EF4F-AFEE-8696B7E60EDD}"/>
-                </a:ext>
-              </a:extLst>
-            </p:cNvPr>
-            <p:cNvSpPr/>
-            <p:nvPr/>
-          </p:nvSpPr>
-          <p:spPr>
-            <a:xfrm>
-              <a:off x="2677886" y="664029"/>
-              <a:ext cx="6313714" cy="1513114"/>
+              <a:off x="2805990" y="8955850"/>
+              <a:ext cx="4238422" cy="431468"/>
             </a:xfrm>
             <a:prstGeom prst="downArrowCallout">
               <a:avLst>
-                <a:gd name="adj1" fmla="val 132914"/>
-                <a:gd name="adj2" fmla="val 102698"/>
+                <a:gd name="adj1" fmla="val 127277"/>
+                <a:gd name="adj2" fmla="val 119161"/>
                 <a:gd name="adj3" fmla="val 25000"/>
                 <a:gd name="adj4" fmla="val 64977"/>
               </a:avLst>
             </a:prstGeom>
-            <a:noFill/>
+            <a:solidFill>
+              <a:schemeClr val="accent2">
+                <a:lumMod val="40000"/>
+                <a:lumOff val="60000"/>
+              </a:schemeClr>
+            </a:solidFill>
             <a:ln>
               <a:solidFill>
-                <a:schemeClr val="accent6">
+                <a:schemeClr val="accent2">
                   <a:lumMod val="75000"/>
                 </a:schemeClr>
               </a:solidFill>
@@ -4541,10 +7599,72 @@
         </p:sp>
         <p:sp>
           <p:nvSpPr>
-            <p:cNvPr id="25" name="Rectangle 24">
+            <p:cNvPr id="74" name="TextBox 73">
               <a:extLst>
                 <a:ext uri="{FF2B5EF4-FFF2-40B4-BE49-F238E27FC236}">
-                  <a16:creationId xmlns:a16="http://schemas.microsoft.com/office/drawing/2014/main" id="{6C888D0E-86C3-CA72-0524-6A8EB122F35B}"/>
+                  <a16:creationId xmlns:a16="http://schemas.microsoft.com/office/drawing/2014/main" id="{8A9CC81A-9C76-DBA0-1AA1-0C01744079CD}"/>
+                </a:ext>
+              </a:extLst>
+            </p:cNvPr>
+            <p:cNvSpPr txBox="1"/>
+            <p:nvPr/>
+          </p:nvSpPr>
+          <p:spPr>
+            <a:xfrm>
+              <a:off x="3197901" y="8961931"/>
+              <a:ext cx="3454912" cy="276999"/>
+            </a:xfrm>
+            <a:prstGeom prst="rect">
+              <a:avLst/>
+            </a:prstGeom>
+            <a:noFill/>
+          </p:spPr>
+          <p:txBody>
+            <a:bodyPr wrap="square" rtlCol="0">
+              <a:spAutoFit/>
+            </a:bodyPr>
+            <a:lstStyle/>
+            <a:p>
+              <a:pPr algn="ctr"/>
+              <a:r>
+                <a:rPr lang="en-GB" sz="1200" dirty="0">
+                  <a:latin typeface="Helvetica" pitchFamily="2" charset="0"/>
+                </a:rPr>
+                <a:t>Evaluation</a:t>
+              </a:r>
+            </a:p>
+          </p:txBody>
+        </p:sp>
+      </p:grpSp>
+      <p:grpSp>
+        <p:nvGrpSpPr>
+          <p:cNvPr id="75" name="Group 74">
+            <a:extLst>
+              <a:ext uri="{FF2B5EF4-FFF2-40B4-BE49-F238E27FC236}">
+                <a16:creationId xmlns:a16="http://schemas.microsoft.com/office/drawing/2014/main" id="{85B89A9B-CBEE-B212-5D3E-0C22D00FF2F9}"/>
+              </a:ext>
+            </a:extLst>
+          </p:cNvPr>
+          <p:cNvGrpSpPr/>
+          <p:nvPr/>
+        </p:nvGrpSpPr>
+        <p:grpSpPr>
+          <a:xfrm>
+            <a:off x="5427480" y="9901098"/>
+            <a:ext cx="2013251" cy="431469"/>
+            <a:chOff x="2805990" y="8955849"/>
+            <a:chExt cx="4238422" cy="431469"/>
+          </a:xfrm>
+          <a:solidFill>
+            <a:srgbClr val="92D050"/>
+          </a:solidFill>
+        </p:grpSpPr>
+        <p:sp>
+          <p:nvSpPr>
+            <p:cNvPr id="76" name="Down Arrow Callout 75">
+              <a:extLst>
+                <a:ext uri="{FF2B5EF4-FFF2-40B4-BE49-F238E27FC236}">
+                  <a16:creationId xmlns:a16="http://schemas.microsoft.com/office/drawing/2014/main" id="{A6764ED4-9BC4-40ED-1552-DF324841A8D2}"/>
                 </a:ext>
               </a:extLst>
             </p:cNvPr>
@@ -4553,17 +7673,624 @@
           </p:nvSpPr>
           <p:spPr>
             <a:xfrm>
-              <a:off x="2677884" y="315685"/>
-              <a:ext cx="6313715" cy="348343"/>
+              <a:off x="2805990" y="8955850"/>
+              <a:ext cx="4238422" cy="431468"/>
+            </a:xfrm>
+            <a:prstGeom prst="downArrowCallout">
+              <a:avLst>
+                <a:gd name="adj1" fmla="val 127277"/>
+                <a:gd name="adj2" fmla="val 119161"/>
+                <a:gd name="adj3" fmla="val 25000"/>
+                <a:gd name="adj4" fmla="val 64977"/>
+              </a:avLst>
+            </a:prstGeom>
+            <a:solidFill>
+              <a:schemeClr val="accent2">
+                <a:lumMod val="40000"/>
+                <a:lumOff val="60000"/>
+              </a:schemeClr>
+            </a:solidFill>
+            <a:ln>
+              <a:solidFill>
+                <a:schemeClr val="accent2">
+                  <a:lumMod val="75000"/>
+                </a:schemeClr>
+              </a:solidFill>
+            </a:ln>
+          </p:spPr>
+          <p:style>
+            <a:lnRef idx="2">
+              <a:schemeClr val="accent1">
+                <a:shade val="15000"/>
+              </a:schemeClr>
+            </a:lnRef>
+            <a:fillRef idx="1">
+              <a:schemeClr val="accent1"/>
+            </a:fillRef>
+            <a:effectRef idx="0">
+              <a:schemeClr val="accent1"/>
+            </a:effectRef>
+            <a:fontRef idx="minor">
+              <a:schemeClr val="lt1"/>
+            </a:fontRef>
+          </p:style>
+          <p:txBody>
+            <a:bodyPr rtlCol="0" anchor="ctr"/>
+            <a:lstStyle/>
+            <a:p>
+              <a:pPr algn="ctr"/>
+              <a:endParaRPr lang="en-GB">
+                <a:solidFill>
+                  <a:sysClr val="windowText" lastClr="000000"/>
+                </a:solidFill>
+              </a:endParaRPr>
+            </a:p>
+          </p:txBody>
+        </p:sp>
+        <p:sp>
+          <p:nvSpPr>
+            <p:cNvPr id="77" name="TextBox 76">
+              <a:extLst>
+                <a:ext uri="{FF2B5EF4-FFF2-40B4-BE49-F238E27FC236}">
+                  <a16:creationId xmlns:a16="http://schemas.microsoft.com/office/drawing/2014/main" id="{96718073-8949-EE22-CEF7-6F98C4115037}"/>
+                </a:ext>
+              </a:extLst>
+            </p:cNvPr>
+            <p:cNvSpPr txBox="1"/>
+            <p:nvPr/>
+          </p:nvSpPr>
+          <p:spPr>
+            <a:xfrm>
+              <a:off x="2919862" y="8955849"/>
+              <a:ext cx="4010675" cy="276999"/>
             </a:xfrm>
             <a:prstGeom prst="rect">
               <a:avLst/>
             </a:prstGeom>
             <a:noFill/>
             <a:ln>
+              <a:noFill/>
+            </a:ln>
+          </p:spPr>
+          <p:txBody>
+            <a:bodyPr wrap="square" rtlCol="0">
+              <a:spAutoFit/>
+            </a:bodyPr>
+            <a:lstStyle/>
+            <a:p>
+              <a:pPr algn="ctr"/>
+              <a:r>
+                <a:rPr lang="en-GB" sz="1200" dirty="0">
+                  <a:latin typeface="Helvetica" pitchFamily="2" charset="0"/>
+                </a:rPr>
+                <a:t>Dimensionality Reduction</a:t>
+              </a:r>
+            </a:p>
+          </p:txBody>
+        </p:sp>
+      </p:grpSp>
+      <p:grpSp>
+        <p:nvGrpSpPr>
+          <p:cNvPr id="78" name="Group 77">
+            <a:extLst>
+              <a:ext uri="{FF2B5EF4-FFF2-40B4-BE49-F238E27FC236}">
+                <a16:creationId xmlns:a16="http://schemas.microsoft.com/office/drawing/2014/main" id="{7BCA7221-15A5-157E-D645-9241E0087922}"/>
+              </a:ext>
+            </a:extLst>
+          </p:cNvPr>
+          <p:cNvGrpSpPr/>
+          <p:nvPr/>
+        </p:nvGrpSpPr>
+        <p:grpSpPr>
+          <a:xfrm>
+            <a:off x="5427480" y="10396670"/>
+            <a:ext cx="2013251" cy="431468"/>
+            <a:chOff x="2805990" y="8955850"/>
+            <a:chExt cx="4238422" cy="431468"/>
+          </a:xfrm>
+          <a:solidFill>
+            <a:srgbClr val="92D050"/>
+          </a:solidFill>
+        </p:grpSpPr>
+        <p:sp>
+          <p:nvSpPr>
+            <p:cNvPr id="79" name="Down Arrow Callout 78">
+              <a:extLst>
+                <a:ext uri="{FF2B5EF4-FFF2-40B4-BE49-F238E27FC236}">
+                  <a16:creationId xmlns:a16="http://schemas.microsoft.com/office/drawing/2014/main" id="{F2146A88-4746-F15D-979B-7EFE76EC0BB3}"/>
+                </a:ext>
+              </a:extLst>
+            </p:cNvPr>
+            <p:cNvSpPr/>
+            <p:nvPr/>
+          </p:nvSpPr>
+          <p:spPr>
+            <a:xfrm>
+              <a:off x="2805990" y="8955850"/>
+              <a:ext cx="4238422" cy="431468"/>
+            </a:xfrm>
+            <a:prstGeom prst="downArrowCallout">
+              <a:avLst>
+                <a:gd name="adj1" fmla="val 127277"/>
+                <a:gd name="adj2" fmla="val 119161"/>
+                <a:gd name="adj3" fmla="val 25000"/>
+                <a:gd name="adj4" fmla="val 64977"/>
+              </a:avLst>
+            </a:prstGeom>
+            <a:solidFill>
+              <a:schemeClr val="accent2">
+                <a:lumMod val="40000"/>
+                <a:lumOff val="60000"/>
+              </a:schemeClr>
+            </a:solidFill>
+            <a:ln>
               <a:solidFill>
-                <a:schemeClr val="accent6">
+                <a:schemeClr val="accent2">
                   <a:lumMod val="75000"/>
+                </a:schemeClr>
+              </a:solidFill>
+            </a:ln>
+          </p:spPr>
+          <p:style>
+            <a:lnRef idx="2">
+              <a:schemeClr val="accent1">
+                <a:shade val="15000"/>
+              </a:schemeClr>
+            </a:lnRef>
+            <a:fillRef idx="1">
+              <a:schemeClr val="accent1"/>
+            </a:fillRef>
+            <a:effectRef idx="0">
+              <a:schemeClr val="accent1"/>
+            </a:effectRef>
+            <a:fontRef idx="minor">
+              <a:schemeClr val="lt1"/>
+            </a:fontRef>
+          </p:style>
+          <p:txBody>
+            <a:bodyPr rtlCol="0" anchor="ctr"/>
+            <a:lstStyle/>
+            <a:p>
+              <a:pPr algn="ctr"/>
+              <a:endParaRPr lang="en-GB">
+                <a:solidFill>
+                  <a:sysClr val="windowText" lastClr="000000"/>
+                </a:solidFill>
+              </a:endParaRPr>
+            </a:p>
+          </p:txBody>
+        </p:sp>
+        <p:sp>
+          <p:nvSpPr>
+            <p:cNvPr id="80" name="TextBox 79">
+              <a:extLst>
+                <a:ext uri="{FF2B5EF4-FFF2-40B4-BE49-F238E27FC236}">
+                  <a16:creationId xmlns:a16="http://schemas.microsoft.com/office/drawing/2014/main" id="{50FF5D68-26A6-E3E1-D3C8-8960A30F6F0F}"/>
+                </a:ext>
+              </a:extLst>
+            </p:cNvPr>
+            <p:cNvSpPr txBox="1"/>
+            <p:nvPr/>
+          </p:nvSpPr>
+          <p:spPr>
+            <a:xfrm>
+              <a:off x="3197901" y="8961931"/>
+              <a:ext cx="3454912" cy="276999"/>
+            </a:xfrm>
+            <a:prstGeom prst="rect">
+              <a:avLst/>
+            </a:prstGeom>
+            <a:noFill/>
+          </p:spPr>
+          <p:txBody>
+            <a:bodyPr wrap="square" rtlCol="0">
+              <a:spAutoFit/>
+            </a:bodyPr>
+            <a:lstStyle/>
+            <a:p>
+              <a:pPr algn="ctr"/>
+              <a:r>
+                <a:rPr lang="en-GB" sz="1200" dirty="0">
+                  <a:latin typeface="Helvetica" pitchFamily="2" charset="0"/>
+                </a:rPr>
+                <a:t>Clustering</a:t>
+              </a:r>
+            </a:p>
+          </p:txBody>
+        </p:sp>
+      </p:grpSp>
+      <p:sp>
+        <p:nvSpPr>
+          <p:cNvPr id="84" name="TextBox 83">
+            <a:extLst>
+              <a:ext uri="{FF2B5EF4-FFF2-40B4-BE49-F238E27FC236}">
+                <a16:creationId xmlns:a16="http://schemas.microsoft.com/office/drawing/2014/main" id="{D5C2CDD1-92BB-8280-B5A5-A40B8CC008C8}"/>
+              </a:ext>
+            </a:extLst>
+          </p:cNvPr>
+          <p:cNvSpPr txBox="1"/>
+          <p:nvPr/>
+        </p:nvSpPr>
+        <p:spPr>
+          <a:xfrm>
+            <a:off x="2426364" y="9511349"/>
+            <a:ext cx="2013252" cy="276999"/>
+          </a:xfrm>
+          <a:prstGeom prst="rect">
+            <a:avLst/>
+          </a:prstGeom>
+          <a:noFill/>
+          <a:ln w="12700">
+            <a:solidFill>
+              <a:schemeClr val="accent2">
+                <a:lumMod val="75000"/>
+              </a:schemeClr>
+            </a:solidFill>
+          </a:ln>
+        </p:spPr>
+        <p:txBody>
+          <a:bodyPr wrap="square" rtlCol="0">
+            <a:spAutoFit/>
+          </a:bodyPr>
+          <a:lstStyle/>
+          <a:p>
+            <a:pPr algn="ctr"/>
+            <a:r>
+              <a:rPr lang="en-GB" sz="1200" dirty="0">
+                <a:latin typeface="Helvetica" pitchFamily="2" charset="0"/>
+              </a:rPr>
+              <a:t>Classification</a:t>
+            </a:r>
+          </a:p>
+        </p:txBody>
+      </p:sp>
+      <p:sp>
+        <p:nvSpPr>
+          <p:cNvPr id="85" name="TextBox 84">
+            <a:extLst>
+              <a:ext uri="{FF2B5EF4-FFF2-40B4-BE49-F238E27FC236}">
+                <a16:creationId xmlns:a16="http://schemas.microsoft.com/office/drawing/2014/main" id="{A1000A43-8A19-9082-B312-5F0B3167DD48}"/>
+              </a:ext>
+            </a:extLst>
+          </p:cNvPr>
+          <p:cNvSpPr txBox="1"/>
+          <p:nvPr/>
+        </p:nvSpPr>
+        <p:spPr>
+          <a:xfrm>
+            <a:off x="5420430" y="9515131"/>
+            <a:ext cx="2024945" cy="276999"/>
+          </a:xfrm>
+          <a:prstGeom prst="rect">
+            <a:avLst/>
+          </a:prstGeom>
+          <a:noFill/>
+          <a:ln w="12700">
+            <a:solidFill>
+              <a:schemeClr val="accent2">
+                <a:lumMod val="75000"/>
+              </a:schemeClr>
+            </a:solidFill>
+          </a:ln>
+        </p:spPr>
+        <p:txBody>
+          <a:bodyPr wrap="square" rtlCol="0">
+            <a:spAutoFit/>
+          </a:bodyPr>
+          <a:lstStyle/>
+          <a:p>
+            <a:pPr algn="ctr"/>
+            <a:r>
+              <a:rPr lang="en-GB" sz="1200" dirty="0">
+                <a:latin typeface="Helvetica" pitchFamily="2" charset="0"/>
+              </a:rPr>
+              <a:t>Clustering</a:t>
+            </a:r>
+          </a:p>
+        </p:txBody>
+      </p:sp>
+      <p:grpSp>
+        <p:nvGrpSpPr>
+          <p:cNvPr id="95" name="Group 94">
+            <a:extLst>
+              <a:ext uri="{FF2B5EF4-FFF2-40B4-BE49-F238E27FC236}">
+                <a16:creationId xmlns:a16="http://schemas.microsoft.com/office/drawing/2014/main" id="{02A8CD2C-4A35-8D86-F0C3-487FAB4F00E0}"/>
+              </a:ext>
+            </a:extLst>
+          </p:cNvPr>
+          <p:cNvGrpSpPr/>
+          <p:nvPr/>
+        </p:nvGrpSpPr>
+        <p:grpSpPr>
+          <a:xfrm>
+            <a:off x="2032487" y="12619259"/>
+            <a:ext cx="5750379" cy="348343"/>
+            <a:chOff x="2032488" y="7523831"/>
+            <a:chExt cx="3073400" cy="348343"/>
+          </a:xfrm>
+        </p:grpSpPr>
+        <p:sp>
+          <p:nvSpPr>
+            <p:cNvPr id="96" name="Data 95">
+              <a:extLst>
+                <a:ext uri="{FF2B5EF4-FFF2-40B4-BE49-F238E27FC236}">
+                  <a16:creationId xmlns:a16="http://schemas.microsoft.com/office/drawing/2014/main" id="{91885999-FE2B-8EFE-45FA-B2B2DD9E8DCC}"/>
+                </a:ext>
+              </a:extLst>
+            </p:cNvPr>
+            <p:cNvSpPr/>
+            <p:nvPr/>
+          </p:nvSpPr>
+          <p:spPr>
+            <a:xfrm>
+              <a:off x="2032488" y="7523831"/>
+              <a:ext cx="3073400" cy="348343"/>
+            </a:xfrm>
+            <a:prstGeom prst="flowChartInputOutput">
+              <a:avLst/>
+            </a:prstGeom>
+            <a:solidFill>
+              <a:schemeClr val="accent1">
+                <a:lumMod val="40000"/>
+                <a:lumOff val="60000"/>
+              </a:schemeClr>
+            </a:solidFill>
+            <a:ln>
+              <a:solidFill>
+                <a:schemeClr val="accent1">
+                  <a:lumMod val="50000"/>
+                </a:schemeClr>
+              </a:solidFill>
+            </a:ln>
+          </p:spPr>
+          <p:style>
+            <a:lnRef idx="2">
+              <a:schemeClr val="accent1">
+                <a:shade val="15000"/>
+              </a:schemeClr>
+            </a:lnRef>
+            <a:fillRef idx="1">
+              <a:schemeClr val="accent1"/>
+            </a:fillRef>
+            <a:effectRef idx="0">
+              <a:schemeClr val="accent1"/>
+            </a:effectRef>
+            <a:fontRef idx="minor">
+              <a:schemeClr val="lt1"/>
+            </a:fontRef>
+          </p:style>
+          <p:txBody>
+            <a:bodyPr rtlCol="0" anchor="ctr"/>
+            <a:lstStyle/>
+            <a:p>
+              <a:pPr algn="ctr"/>
+              <a:endParaRPr lang="en-GB">
+                <a:solidFill>
+                  <a:schemeClr val="accent1">
+                    <a:lumMod val="60000"/>
+                    <a:lumOff val="40000"/>
+                  </a:schemeClr>
+                </a:solidFill>
+              </a:endParaRPr>
+            </a:p>
+          </p:txBody>
+        </p:sp>
+        <p:sp>
+          <p:nvSpPr>
+            <p:cNvPr id="97" name="TextBox 96">
+              <a:extLst>
+                <a:ext uri="{FF2B5EF4-FFF2-40B4-BE49-F238E27FC236}">
+                  <a16:creationId xmlns:a16="http://schemas.microsoft.com/office/drawing/2014/main" id="{6F9C70F9-C356-81E1-9F1D-E60E39A9FA55}"/>
+                </a:ext>
+              </a:extLst>
+            </p:cNvPr>
+            <p:cNvSpPr txBox="1"/>
+            <p:nvPr/>
+          </p:nvSpPr>
+          <p:spPr>
+            <a:xfrm>
+              <a:off x="2440604" y="7561552"/>
+              <a:ext cx="2257168" cy="276999"/>
+            </a:xfrm>
+            <a:prstGeom prst="rect">
+              <a:avLst/>
+            </a:prstGeom>
+            <a:noFill/>
+          </p:spPr>
+          <p:txBody>
+            <a:bodyPr wrap="square" rtlCol="0">
+              <a:spAutoFit/>
+            </a:bodyPr>
+            <a:lstStyle/>
+            <a:p>
+              <a:pPr algn="ctr"/>
+              <a:r>
+                <a:rPr lang="en-GB" sz="1200" dirty="0">
+                  <a:latin typeface="Helvetica" pitchFamily="2" charset="0"/>
+                </a:rPr>
+                <a:t>Model-classified images</a:t>
+              </a:r>
+            </a:p>
+          </p:txBody>
+        </p:sp>
+      </p:grpSp>
+      <p:sp>
+        <p:nvSpPr>
+          <p:cNvPr id="101" name="Down Arrow 100">
+            <a:extLst>
+              <a:ext uri="{FF2B5EF4-FFF2-40B4-BE49-F238E27FC236}">
+                <a16:creationId xmlns:a16="http://schemas.microsoft.com/office/drawing/2014/main" id="{63FDDA3D-9960-E56B-CC5C-5BB8255A6B41}"/>
+              </a:ext>
+            </a:extLst>
+          </p:cNvPr>
+          <p:cNvSpPr/>
+          <p:nvPr/>
+        </p:nvSpPr>
+        <p:spPr>
+          <a:xfrm>
+            <a:off x="4439615" y="13097579"/>
+            <a:ext cx="971485" cy="348343"/>
+          </a:xfrm>
+          <a:prstGeom prst="downArrow">
+            <a:avLst/>
+          </a:prstGeom>
+          <a:solidFill>
+            <a:schemeClr val="accent1">
+              <a:lumMod val="40000"/>
+              <a:lumOff val="60000"/>
+            </a:schemeClr>
+          </a:solidFill>
+          <a:ln>
+            <a:solidFill>
+              <a:schemeClr val="accent1">
+                <a:lumMod val="50000"/>
+              </a:schemeClr>
+            </a:solidFill>
+          </a:ln>
+        </p:spPr>
+        <p:style>
+          <a:lnRef idx="2">
+            <a:schemeClr val="accent1">
+              <a:shade val="15000"/>
+            </a:schemeClr>
+          </a:lnRef>
+          <a:fillRef idx="1">
+            <a:schemeClr val="accent1"/>
+          </a:fillRef>
+          <a:effectRef idx="0">
+            <a:schemeClr val="accent1"/>
+          </a:effectRef>
+          <a:fontRef idx="minor">
+            <a:schemeClr val="lt1"/>
+          </a:fontRef>
+        </p:style>
+        <p:txBody>
+          <a:bodyPr rtlCol="0" anchor="ctr"/>
+          <a:lstStyle/>
+          <a:p>
+            <a:pPr algn="ctr"/>
+            <a:endParaRPr lang="en-GB"/>
+          </a:p>
+        </p:txBody>
+      </p:sp>
+      <p:grpSp>
+        <p:nvGrpSpPr>
+          <p:cNvPr id="102" name="Group 101">
+            <a:extLst>
+              <a:ext uri="{FF2B5EF4-FFF2-40B4-BE49-F238E27FC236}">
+                <a16:creationId xmlns:a16="http://schemas.microsoft.com/office/drawing/2014/main" id="{18F9F73F-5AF4-B70B-E5B5-E1A6E768C9C3}"/>
+              </a:ext>
+            </a:extLst>
+          </p:cNvPr>
+          <p:cNvGrpSpPr/>
+          <p:nvPr/>
+        </p:nvGrpSpPr>
+        <p:grpSpPr>
+          <a:xfrm>
+            <a:off x="1804443" y="13561748"/>
+            <a:ext cx="6313715" cy="1243681"/>
+            <a:chOff x="2677884" y="315686"/>
+            <a:chExt cx="6313715" cy="1243681"/>
+          </a:xfrm>
+        </p:grpSpPr>
+        <p:sp>
+          <p:nvSpPr>
+            <p:cNvPr id="103" name="Down Arrow Callout 102">
+              <a:extLst>
+                <a:ext uri="{FF2B5EF4-FFF2-40B4-BE49-F238E27FC236}">
+                  <a16:creationId xmlns:a16="http://schemas.microsoft.com/office/drawing/2014/main" id="{792AFD34-DEBC-02FC-6A5A-7E76AA621364}"/>
+                </a:ext>
+              </a:extLst>
+            </p:cNvPr>
+            <p:cNvSpPr/>
+            <p:nvPr/>
+          </p:nvSpPr>
+          <p:spPr>
+            <a:xfrm>
+              <a:off x="2677884" y="600890"/>
+              <a:ext cx="6313715" cy="958477"/>
+            </a:xfrm>
+            <a:prstGeom prst="downArrowCallout">
+              <a:avLst>
+                <a:gd name="adj1" fmla="val 132914"/>
+                <a:gd name="adj2" fmla="val 102698"/>
+                <a:gd name="adj3" fmla="val 25000"/>
+                <a:gd name="adj4" fmla="val 64977"/>
+              </a:avLst>
+            </a:prstGeom>
+            <a:solidFill>
+              <a:schemeClr val="accent2">
+                <a:lumMod val="60000"/>
+                <a:lumOff val="40000"/>
+              </a:schemeClr>
+            </a:solidFill>
+            <a:ln>
+              <a:solidFill>
+                <a:schemeClr val="accent2">
+                  <a:lumMod val="50000"/>
+                </a:schemeClr>
+              </a:solidFill>
+            </a:ln>
+          </p:spPr>
+          <p:style>
+            <a:lnRef idx="2">
+              <a:schemeClr val="accent1">
+                <a:shade val="15000"/>
+              </a:schemeClr>
+            </a:lnRef>
+            <a:fillRef idx="1">
+              <a:schemeClr val="accent1"/>
+            </a:fillRef>
+            <a:effectRef idx="0">
+              <a:schemeClr val="accent1"/>
+            </a:effectRef>
+            <a:fontRef idx="minor">
+              <a:schemeClr val="lt1"/>
+            </a:fontRef>
+          </p:style>
+          <p:txBody>
+            <a:bodyPr rtlCol="0" anchor="ctr"/>
+            <a:lstStyle/>
+            <a:p>
+              <a:pPr algn="ctr"/>
+              <a:endParaRPr lang="en-GB">
+                <a:solidFill>
+                  <a:sysClr val="windowText" lastClr="000000"/>
+                </a:solidFill>
+              </a:endParaRPr>
+            </a:p>
+          </p:txBody>
+        </p:sp>
+        <p:sp>
+          <p:nvSpPr>
+            <p:cNvPr id="104" name="Rectangle 103">
+              <a:extLst>
+                <a:ext uri="{FF2B5EF4-FFF2-40B4-BE49-F238E27FC236}">
+                  <a16:creationId xmlns:a16="http://schemas.microsoft.com/office/drawing/2014/main" id="{336299A7-B421-3BAD-9AEC-6D0519E4B933}"/>
+                </a:ext>
+              </a:extLst>
+            </p:cNvPr>
+            <p:cNvSpPr/>
+            <p:nvPr/>
+          </p:nvSpPr>
+          <p:spPr>
+            <a:xfrm>
+              <a:off x="2677884" y="315686"/>
+              <a:ext cx="6313715" cy="286066"/>
+            </a:xfrm>
+            <a:prstGeom prst="rect">
+              <a:avLst/>
+            </a:prstGeom>
+            <a:solidFill>
+              <a:schemeClr val="accent2">
+                <a:lumMod val="60000"/>
+                <a:lumOff val="40000"/>
+              </a:schemeClr>
+            </a:solidFill>
+            <a:ln>
+              <a:solidFill>
+                <a:schemeClr val="accent2">
+                  <a:lumMod val="50000"/>
                 </a:schemeClr>
               </a:solidFill>
             </a:ln>
@@ -4596,10 +8323,10 @@
       </p:grpSp>
       <p:sp>
         <p:nvSpPr>
-          <p:cNvPr id="26" name="TextBox 25">
+          <p:cNvPr id="105" name="TextBox 104">
             <a:extLst>
               <a:ext uri="{FF2B5EF4-FFF2-40B4-BE49-F238E27FC236}">
-                <a16:creationId xmlns:a16="http://schemas.microsoft.com/office/drawing/2014/main" id="{FDC6B67F-B323-0883-7BA3-94C982C413FF}"/>
+                <a16:creationId xmlns:a16="http://schemas.microsoft.com/office/drawing/2014/main" id="{1AC18C1B-48FF-B8C6-887B-52DD284A4F74}"/>
               </a:ext>
             </a:extLst>
           </p:cNvPr>
@@ -4608,7 +8335,264 @@
         </p:nvSpPr>
         <p:spPr>
           <a:xfrm>
-            <a:off x="3808467" y="11937853"/>
+            <a:off x="2813603" y="13576094"/>
+            <a:ext cx="4223196" cy="276999"/>
+          </a:xfrm>
+          <a:prstGeom prst="rect">
+            <a:avLst/>
+          </a:prstGeom>
+          <a:noFill/>
+        </p:spPr>
+        <p:txBody>
+          <a:bodyPr wrap="square" rtlCol="0">
+            <a:spAutoFit/>
+          </a:bodyPr>
+          <a:lstStyle/>
+          <a:p>
+            <a:pPr algn="ctr"/>
+            <a:r>
+              <a:rPr lang="en-GB" sz="1200" dirty="0">
+                <a:latin typeface="Helvetica" pitchFamily="2" charset="0"/>
+              </a:rPr>
+              <a:t>Final visualisation</a:t>
+            </a:r>
+          </a:p>
+        </p:txBody>
+      </p:sp>
+      <p:sp>
+        <p:nvSpPr>
+          <p:cNvPr id="106" name="TextBox 105">
+            <a:extLst>
+              <a:ext uri="{FF2B5EF4-FFF2-40B4-BE49-F238E27FC236}">
+                <a16:creationId xmlns:a16="http://schemas.microsoft.com/office/drawing/2014/main" id="{40EB4C03-E8CB-B202-27D8-A6E512B2EE12}"/>
+              </a:ext>
+            </a:extLst>
+          </p:cNvPr>
+          <p:cNvSpPr txBox="1"/>
+          <p:nvPr/>
+        </p:nvSpPr>
+        <p:spPr>
+          <a:xfrm>
+            <a:off x="1879818" y="13926681"/>
+            <a:ext cx="6177106" cy="461665"/>
+          </a:xfrm>
+          <a:prstGeom prst="rect">
+            <a:avLst/>
+          </a:prstGeom>
+          <a:noFill/>
+        </p:spPr>
+        <p:txBody>
+          <a:bodyPr wrap="square" rtlCol="0">
+            <a:spAutoFit/>
+          </a:bodyPr>
+          <a:lstStyle/>
+          <a:p>
+            <a:pPr algn="ctr"/>
+            <a:r>
+              <a:rPr lang="en-GB" sz="1200" dirty="0">
+                <a:latin typeface="Helvetica" pitchFamily="2" charset="0"/>
+              </a:rPr>
+              <a:t>Construction of model-based stratigraphic column to compare with visual-based stratigraphic column</a:t>
+            </a:r>
+          </a:p>
+        </p:txBody>
+      </p:sp>
+      <p:grpSp>
+        <p:nvGrpSpPr>
+          <p:cNvPr id="107" name="Group 106">
+            <a:extLst>
+              <a:ext uri="{FF2B5EF4-FFF2-40B4-BE49-F238E27FC236}">
+                <a16:creationId xmlns:a16="http://schemas.microsoft.com/office/drawing/2014/main" id="{D310BF5B-41FB-F08E-F0E4-E563C85F6212}"/>
+              </a:ext>
+            </a:extLst>
+          </p:cNvPr>
+          <p:cNvGrpSpPr/>
+          <p:nvPr/>
+        </p:nvGrpSpPr>
+        <p:grpSpPr>
+          <a:xfrm>
+            <a:off x="2093181" y="14916461"/>
+            <a:ext cx="5750379" cy="348343"/>
+            <a:chOff x="2032488" y="7523831"/>
+            <a:chExt cx="3073400" cy="348343"/>
+          </a:xfrm>
+        </p:grpSpPr>
+        <p:sp>
+          <p:nvSpPr>
+            <p:cNvPr id="108" name="Data 107">
+              <a:extLst>
+                <a:ext uri="{FF2B5EF4-FFF2-40B4-BE49-F238E27FC236}">
+                  <a16:creationId xmlns:a16="http://schemas.microsoft.com/office/drawing/2014/main" id="{41922C7F-9F4E-AF9C-4C40-CD74AF330F13}"/>
+                </a:ext>
+              </a:extLst>
+            </p:cNvPr>
+            <p:cNvSpPr/>
+            <p:nvPr/>
+          </p:nvSpPr>
+          <p:spPr>
+            <a:xfrm>
+              <a:off x="2032488" y="7523831"/>
+              <a:ext cx="3073400" cy="348343"/>
+            </a:xfrm>
+            <a:prstGeom prst="flowChartInputOutput">
+              <a:avLst/>
+            </a:prstGeom>
+            <a:solidFill>
+              <a:schemeClr val="accent1">
+                <a:lumMod val="40000"/>
+                <a:lumOff val="60000"/>
+              </a:schemeClr>
+            </a:solidFill>
+            <a:ln>
+              <a:solidFill>
+                <a:schemeClr val="accent1">
+                  <a:lumMod val="50000"/>
+                </a:schemeClr>
+              </a:solidFill>
+            </a:ln>
+          </p:spPr>
+          <p:style>
+            <a:lnRef idx="2">
+              <a:schemeClr val="accent1">
+                <a:shade val="15000"/>
+              </a:schemeClr>
+            </a:lnRef>
+            <a:fillRef idx="1">
+              <a:schemeClr val="accent1"/>
+            </a:fillRef>
+            <a:effectRef idx="0">
+              <a:schemeClr val="accent1"/>
+            </a:effectRef>
+            <a:fontRef idx="minor">
+              <a:schemeClr val="lt1"/>
+            </a:fontRef>
+          </p:style>
+          <p:txBody>
+            <a:bodyPr rtlCol="0" anchor="ctr"/>
+            <a:lstStyle/>
+            <a:p>
+              <a:pPr algn="ctr"/>
+              <a:endParaRPr lang="en-GB">
+                <a:solidFill>
+                  <a:schemeClr val="accent1">
+                    <a:lumMod val="60000"/>
+                    <a:lumOff val="40000"/>
+                  </a:schemeClr>
+                </a:solidFill>
+              </a:endParaRPr>
+            </a:p>
+          </p:txBody>
+        </p:sp>
+        <p:sp>
+          <p:nvSpPr>
+            <p:cNvPr id="109" name="TextBox 108">
+              <a:extLst>
+                <a:ext uri="{FF2B5EF4-FFF2-40B4-BE49-F238E27FC236}">
+                  <a16:creationId xmlns:a16="http://schemas.microsoft.com/office/drawing/2014/main" id="{9730E78C-E4B0-4486-95F1-79A9F728A7BB}"/>
+                </a:ext>
+              </a:extLst>
+            </p:cNvPr>
+            <p:cNvSpPr txBox="1"/>
+            <p:nvPr/>
+          </p:nvSpPr>
+          <p:spPr>
+            <a:xfrm>
+              <a:off x="2440604" y="7561552"/>
+              <a:ext cx="2257168" cy="276999"/>
+            </a:xfrm>
+            <a:prstGeom prst="rect">
+              <a:avLst/>
+            </a:prstGeom>
+            <a:noFill/>
+          </p:spPr>
+          <p:txBody>
+            <a:bodyPr wrap="square" rtlCol="0">
+              <a:spAutoFit/>
+            </a:bodyPr>
+            <a:lstStyle/>
+            <a:p>
+              <a:pPr algn="ctr"/>
+              <a:r>
+                <a:rPr lang="en-GB" sz="1200" dirty="0">
+                  <a:latin typeface="Helvetica" pitchFamily="2" charset="0"/>
+                </a:rPr>
+                <a:t>Fully validated model-based stratigraphic column</a:t>
+              </a:r>
+            </a:p>
+          </p:txBody>
+        </p:sp>
+      </p:grpSp>
+      <p:sp>
+        <p:nvSpPr>
+          <p:cNvPr id="111" name="Rectangle 110">
+            <a:extLst>
+              <a:ext uri="{FF2B5EF4-FFF2-40B4-BE49-F238E27FC236}">
+                <a16:creationId xmlns:a16="http://schemas.microsoft.com/office/drawing/2014/main" id="{17757861-B093-93F2-4A5A-13D5129C5052}"/>
+              </a:ext>
+            </a:extLst>
+          </p:cNvPr>
+          <p:cNvSpPr/>
+          <p:nvPr/>
+        </p:nvSpPr>
+        <p:spPr>
+          <a:xfrm>
+            <a:off x="8545010" y="782263"/>
+            <a:ext cx="2171196" cy="341928"/>
+          </a:xfrm>
+          <a:prstGeom prst="rect">
+            <a:avLst/>
+          </a:prstGeom>
+          <a:solidFill>
+            <a:schemeClr val="accent6"/>
+          </a:solidFill>
+          <a:ln>
+            <a:solidFill>
+              <a:schemeClr val="accent6">
+                <a:lumMod val="75000"/>
+              </a:schemeClr>
+            </a:solidFill>
+          </a:ln>
+        </p:spPr>
+        <p:style>
+          <a:lnRef idx="2">
+            <a:schemeClr val="accent1">
+              <a:shade val="15000"/>
+            </a:schemeClr>
+          </a:lnRef>
+          <a:fillRef idx="1">
+            <a:schemeClr val="accent1"/>
+          </a:fillRef>
+          <a:effectRef idx="0">
+            <a:schemeClr val="accent1"/>
+          </a:effectRef>
+          <a:fontRef idx="minor">
+            <a:schemeClr val="lt1"/>
+          </a:fontRef>
+        </p:style>
+        <p:txBody>
+          <a:bodyPr rtlCol="0" anchor="ctr"/>
+          <a:lstStyle/>
+          <a:p>
+            <a:pPr algn="ctr"/>
+            <a:endParaRPr lang="en-GB"/>
+          </a:p>
+        </p:txBody>
+      </p:sp>
+      <p:sp>
+        <p:nvSpPr>
+          <p:cNvPr id="112" name="TextBox 111">
+            <a:extLst>
+              <a:ext uri="{FF2B5EF4-FFF2-40B4-BE49-F238E27FC236}">
+                <a16:creationId xmlns:a16="http://schemas.microsoft.com/office/drawing/2014/main" id="{0DBB4178-7979-E2F2-E613-E37A2F5ECA19}"/>
+              </a:ext>
+            </a:extLst>
+          </p:cNvPr>
+          <p:cNvSpPr txBox="1"/>
+          <p:nvPr/>
+        </p:nvSpPr>
+        <p:spPr>
+          <a:xfrm>
+            <a:off x="8502024" y="814727"/>
             <a:ext cx="2257168" cy="276999"/>
           </a:xfrm>
           <a:prstGeom prst="rect">
@@ -4627,7 +8611,364 @@
               <a:rPr lang="en-GB" sz="1200" dirty="0">
                 <a:latin typeface="Helvetica" pitchFamily="2" charset="0"/>
               </a:rPr>
-              <a:t>Final Visualisation</a:t>
+              <a:t>Completed before project</a:t>
+            </a:r>
+          </a:p>
+        </p:txBody>
+      </p:sp>
+      <p:sp>
+        <p:nvSpPr>
+          <p:cNvPr id="113" name="Rectangle 112">
+            <a:extLst>
+              <a:ext uri="{FF2B5EF4-FFF2-40B4-BE49-F238E27FC236}">
+                <a16:creationId xmlns:a16="http://schemas.microsoft.com/office/drawing/2014/main" id="{914FDB97-F4B2-6F44-2DA4-BE4F84444260}"/>
+              </a:ext>
+            </a:extLst>
+          </p:cNvPr>
+          <p:cNvSpPr/>
+          <p:nvPr/>
+        </p:nvSpPr>
+        <p:spPr>
+          <a:xfrm>
+            <a:off x="8545011" y="1310135"/>
+            <a:ext cx="2171196" cy="494130"/>
+          </a:xfrm>
+          <a:prstGeom prst="rect">
+            <a:avLst/>
+          </a:prstGeom>
+          <a:solidFill>
+            <a:schemeClr val="accent4">
+              <a:lumMod val="60000"/>
+              <a:lumOff val="40000"/>
+            </a:schemeClr>
+          </a:solidFill>
+          <a:ln>
+            <a:solidFill>
+              <a:schemeClr val="accent4">
+                <a:lumMod val="75000"/>
+              </a:schemeClr>
+            </a:solidFill>
+          </a:ln>
+        </p:spPr>
+        <p:style>
+          <a:lnRef idx="2">
+            <a:schemeClr val="accent1">
+              <a:shade val="15000"/>
+            </a:schemeClr>
+          </a:lnRef>
+          <a:fillRef idx="1">
+            <a:schemeClr val="accent1"/>
+          </a:fillRef>
+          <a:effectRef idx="0">
+            <a:schemeClr val="accent1"/>
+          </a:effectRef>
+          <a:fontRef idx="minor">
+            <a:schemeClr val="lt1"/>
+          </a:fontRef>
+        </p:style>
+        <p:txBody>
+          <a:bodyPr rtlCol="0" anchor="ctr"/>
+          <a:lstStyle/>
+          <a:p>
+            <a:pPr algn="ctr"/>
+            <a:endParaRPr lang="en-GB"/>
+          </a:p>
+        </p:txBody>
+      </p:sp>
+      <p:sp>
+        <p:nvSpPr>
+          <p:cNvPr id="114" name="TextBox 113">
+            <a:extLst>
+              <a:ext uri="{FF2B5EF4-FFF2-40B4-BE49-F238E27FC236}">
+                <a16:creationId xmlns:a16="http://schemas.microsoft.com/office/drawing/2014/main" id="{033E08E2-41E2-8EB0-7DEB-FBB3DB7E67BB}"/>
+              </a:ext>
+            </a:extLst>
+          </p:cNvPr>
+          <p:cNvSpPr txBox="1"/>
+          <p:nvPr/>
+        </p:nvSpPr>
+        <p:spPr>
+          <a:xfrm>
+            <a:off x="8502024" y="1330462"/>
+            <a:ext cx="2257168" cy="461665"/>
+          </a:xfrm>
+          <a:prstGeom prst="rect">
+            <a:avLst/>
+          </a:prstGeom>
+          <a:noFill/>
+        </p:spPr>
+        <p:txBody>
+          <a:bodyPr wrap="square" rtlCol="0">
+            <a:spAutoFit/>
+          </a:bodyPr>
+          <a:lstStyle/>
+          <a:p>
+            <a:pPr algn="ctr"/>
+            <a:r>
+              <a:rPr lang="en-GB" sz="1200" dirty="0">
+                <a:latin typeface="Helvetica" pitchFamily="2" charset="0"/>
+              </a:rPr>
+              <a:t>Partially completed during CAS Modules 2 and 3</a:t>
+            </a:r>
+          </a:p>
+        </p:txBody>
+      </p:sp>
+      <p:sp>
+        <p:nvSpPr>
+          <p:cNvPr id="115" name="Rectangle 114">
+            <a:extLst>
+              <a:ext uri="{FF2B5EF4-FFF2-40B4-BE49-F238E27FC236}">
+                <a16:creationId xmlns:a16="http://schemas.microsoft.com/office/drawing/2014/main" id="{1BF597F1-6531-6BFA-011E-026521A2F6EA}"/>
+              </a:ext>
+            </a:extLst>
+          </p:cNvPr>
+          <p:cNvSpPr/>
+          <p:nvPr/>
+        </p:nvSpPr>
+        <p:spPr>
+          <a:xfrm>
+            <a:off x="8545010" y="2005985"/>
+            <a:ext cx="2171196" cy="286066"/>
+          </a:xfrm>
+          <a:prstGeom prst="rect">
+            <a:avLst/>
+          </a:prstGeom>
+          <a:solidFill>
+            <a:schemeClr val="accent2">
+              <a:lumMod val="60000"/>
+              <a:lumOff val="40000"/>
+            </a:schemeClr>
+          </a:solidFill>
+          <a:ln>
+            <a:solidFill>
+              <a:schemeClr val="accent2">
+                <a:lumMod val="50000"/>
+              </a:schemeClr>
+            </a:solidFill>
+          </a:ln>
+        </p:spPr>
+        <p:style>
+          <a:lnRef idx="2">
+            <a:schemeClr val="accent1">
+              <a:shade val="15000"/>
+            </a:schemeClr>
+          </a:lnRef>
+          <a:fillRef idx="1">
+            <a:schemeClr val="accent1"/>
+          </a:fillRef>
+          <a:effectRef idx="0">
+            <a:schemeClr val="accent1"/>
+          </a:effectRef>
+          <a:fontRef idx="minor">
+            <a:schemeClr val="lt1"/>
+          </a:fontRef>
+        </p:style>
+        <p:txBody>
+          <a:bodyPr rtlCol="0" anchor="ctr"/>
+          <a:lstStyle/>
+          <a:p>
+            <a:pPr algn="ctr"/>
+            <a:endParaRPr lang="en-GB"/>
+          </a:p>
+        </p:txBody>
+      </p:sp>
+      <p:sp>
+        <p:nvSpPr>
+          <p:cNvPr id="116" name="TextBox 115">
+            <a:extLst>
+              <a:ext uri="{FF2B5EF4-FFF2-40B4-BE49-F238E27FC236}">
+                <a16:creationId xmlns:a16="http://schemas.microsoft.com/office/drawing/2014/main" id="{3F15D8F0-4BE9-BA95-3664-A8F76B3298BA}"/>
+              </a:ext>
+            </a:extLst>
+          </p:cNvPr>
+          <p:cNvSpPr txBox="1"/>
+          <p:nvPr/>
+        </p:nvSpPr>
+        <p:spPr>
+          <a:xfrm>
+            <a:off x="8502024" y="2010518"/>
+            <a:ext cx="2257168" cy="276999"/>
+          </a:xfrm>
+          <a:prstGeom prst="rect">
+            <a:avLst/>
+          </a:prstGeom>
+          <a:noFill/>
+        </p:spPr>
+        <p:txBody>
+          <a:bodyPr wrap="square" rtlCol="0">
+            <a:spAutoFit/>
+          </a:bodyPr>
+          <a:lstStyle/>
+          <a:p>
+            <a:pPr algn="ctr"/>
+            <a:r>
+              <a:rPr lang="en-GB" sz="1200" dirty="0">
+                <a:latin typeface="Helvetica" pitchFamily="2" charset="0"/>
+              </a:rPr>
+              <a:t>To be done during project</a:t>
+            </a:r>
+          </a:p>
+        </p:txBody>
+      </p:sp>
+      <p:grpSp>
+        <p:nvGrpSpPr>
+          <p:cNvPr id="117" name="Group 116">
+            <a:extLst>
+              <a:ext uri="{FF2B5EF4-FFF2-40B4-BE49-F238E27FC236}">
+                <a16:creationId xmlns:a16="http://schemas.microsoft.com/office/drawing/2014/main" id="{EC17033A-F7BB-6C92-AE2E-8CA8C5B5CBAC}"/>
+              </a:ext>
+            </a:extLst>
+          </p:cNvPr>
+          <p:cNvGrpSpPr/>
+          <p:nvPr/>
+        </p:nvGrpSpPr>
+        <p:grpSpPr>
+          <a:xfrm>
+            <a:off x="8545010" y="2518728"/>
+            <a:ext cx="2171196" cy="287910"/>
+            <a:chOff x="4709467" y="5096212"/>
+            <a:chExt cx="3073400" cy="350588"/>
+          </a:xfrm>
+        </p:grpSpPr>
+        <p:sp>
+          <p:nvSpPr>
+            <p:cNvPr id="118" name="Data 117">
+              <a:extLst>
+                <a:ext uri="{FF2B5EF4-FFF2-40B4-BE49-F238E27FC236}">
+                  <a16:creationId xmlns:a16="http://schemas.microsoft.com/office/drawing/2014/main" id="{6C7EAE14-C9FA-C744-4954-7AE54B586836}"/>
+                </a:ext>
+              </a:extLst>
+            </p:cNvPr>
+            <p:cNvSpPr/>
+            <p:nvPr/>
+          </p:nvSpPr>
+          <p:spPr>
+            <a:xfrm>
+              <a:off x="4709467" y="5096212"/>
+              <a:ext cx="3073400" cy="348343"/>
+            </a:xfrm>
+            <a:prstGeom prst="flowChartInputOutput">
+              <a:avLst/>
+            </a:prstGeom>
+            <a:solidFill>
+              <a:schemeClr val="accent1">
+                <a:lumMod val="40000"/>
+                <a:lumOff val="60000"/>
+              </a:schemeClr>
+            </a:solidFill>
+            <a:ln>
+              <a:solidFill>
+                <a:schemeClr val="accent1">
+                  <a:lumMod val="50000"/>
+                </a:schemeClr>
+              </a:solidFill>
+            </a:ln>
+          </p:spPr>
+          <p:style>
+            <a:lnRef idx="2">
+              <a:schemeClr val="accent1">
+                <a:shade val="15000"/>
+              </a:schemeClr>
+            </a:lnRef>
+            <a:fillRef idx="1">
+              <a:schemeClr val="accent1"/>
+            </a:fillRef>
+            <a:effectRef idx="0">
+              <a:schemeClr val="accent1"/>
+            </a:effectRef>
+            <a:fontRef idx="minor">
+              <a:schemeClr val="lt1"/>
+            </a:fontRef>
+          </p:style>
+          <p:txBody>
+            <a:bodyPr rtlCol="0" anchor="ctr"/>
+            <a:lstStyle/>
+            <a:p>
+              <a:pPr algn="ctr"/>
+              <a:endParaRPr lang="en-GB">
+                <a:solidFill>
+                  <a:schemeClr val="accent1">
+                    <a:lumMod val="60000"/>
+                    <a:lumOff val="40000"/>
+                  </a:schemeClr>
+                </a:solidFill>
+              </a:endParaRPr>
+            </a:p>
+          </p:txBody>
+        </p:sp>
+        <p:sp>
+          <p:nvSpPr>
+            <p:cNvPr id="119" name="TextBox 118">
+              <a:extLst>
+                <a:ext uri="{FF2B5EF4-FFF2-40B4-BE49-F238E27FC236}">
+                  <a16:creationId xmlns:a16="http://schemas.microsoft.com/office/drawing/2014/main" id="{E744D711-4F84-471A-22C0-63705F956B07}"/>
+                </a:ext>
+              </a:extLst>
+            </p:cNvPr>
+            <p:cNvSpPr txBox="1"/>
+            <p:nvPr/>
+          </p:nvSpPr>
+          <p:spPr>
+            <a:xfrm>
+              <a:off x="5117581" y="5109498"/>
+              <a:ext cx="2257168" cy="337302"/>
+            </a:xfrm>
+            <a:prstGeom prst="rect">
+              <a:avLst/>
+            </a:prstGeom>
+            <a:noFill/>
+          </p:spPr>
+          <p:txBody>
+            <a:bodyPr wrap="square" rtlCol="0">
+              <a:spAutoFit/>
+            </a:bodyPr>
+            <a:lstStyle/>
+            <a:p>
+              <a:pPr algn="ctr"/>
+              <a:r>
+                <a:rPr lang="en-GB" sz="1200" dirty="0">
+                  <a:latin typeface="Helvetica" pitchFamily="2" charset="0"/>
+                </a:rPr>
+                <a:t>Data product</a:t>
+              </a:r>
+            </a:p>
+          </p:txBody>
+        </p:sp>
+      </p:grpSp>
+      <p:sp>
+        <p:nvSpPr>
+          <p:cNvPr id="120" name="TextBox 119">
+            <a:extLst>
+              <a:ext uri="{FF2B5EF4-FFF2-40B4-BE49-F238E27FC236}">
+                <a16:creationId xmlns:a16="http://schemas.microsoft.com/office/drawing/2014/main" id="{F55CE7E7-79A8-DDC6-358B-BC8F22B9B668}"/>
+              </a:ext>
+            </a:extLst>
+          </p:cNvPr>
+          <p:cNvSpPr txBox="1"/>
+          <p:nvPr/>
+        </p:nvSpPr>
+        <p:spPr>
+          <a:xfrm>
+            <a:off x="8502024" y="472799"/>
+            <a:ext cx="2257168" cy="276999"/>
+          </a:xfrm>
+          <a:prstGeom prst="rect">
+            <a:avLst/>
+          </a:prstGeom>
+          <a:noFill/>
+        </p:spPr>
+        <p:txBody>
+          <a:bodyPr wrap="square" rtlCol="0">
+            <a:spAutoFit/>
+          </a:bodyPr>
+          <a:lstStyle/>
+          <a:p>
+            <a:pPr algn="just"/>
+            <a:r>
+              <a:rPr lang="en-GB" sz="1200" dirty="0">
+                <a:latin typeface="Helvetica" pitchFamily="2" charset="0"/>
+              </a:rPr>
+              <a:t>Legend:</a:t>
             </a:r>
           </a:p>
         </p:txBody>

--- a/Module1/M1project/figures.pptx
+++ b/Module1/M1project/figures.pptx
@@ -4,6 +4,9 @@
   <p:sldMasterIdLst>
     <p:sldMasterId id="2147483660" r:id="rId1"/>
   </p:sldMasterIdLst>
+  <p:notesMasterIdLst>
+    <p:notesMasterId r:id="rId4"/>
+  </p:notesMasterIdLst>
   <p:sldIdLst>
     <p:sldId id="256" r:id="rId2"/>
     <p:sldId id="257" r:id="rId3"/>
@@ -113,6 +116,439 @@
 </p:presentation>
 </file>
 
+<file path=ppt/notesMasters/notesMaster1.xml><?xml version="1.0" encoding="utf-8"?>
+<p:notesMaster xmlns:a="http://schemas.openxmlformats.org/drawingml/2006/main" xmlns:r="http://schemas.openxmlformats.org/officeDocument/2006/relationships" xmlns:p="http://schemas.openxmlformats.org/presentationml/2006/main">
+  <p:cSld>
+    <p:bg>
+      <p:bgRef idx="1001">
+        <a:schemeClr val="bg1"/>
+      </p:bgRef>
+    </p:bg>
+    <p:spTree>
+      <p:nvGrpSpPr>
+        <p:cNvPr id="1" name=""/>
+        <p:cNvGrpSpPr/>
+        <p:nvPr/>
+      </p:nvGrpSpPr>
+      <p:grpSpPr>
+        <a:xfrm>
+          <a:off x="0" y="0"/>
+          <a:ext cx="0" cy="0"/>
+          <a:chOff x="0" y="0"/>
+          <a:chExt cx="0" cy="0"/>
+        </a:xfrm>
+      </p:grpSpPr>
+      <p:sp>
+        <p:nvSpPr>
+          <p:cNvPr id="2" name="Header Placeholder 1"/>
+          <p:cNvSpPr>
+            <a:spLocks noGrp="1"/>
+          </p:cNvSpPr>
+          <p:nvPr>
+            <p:ph type="hdr" sz="quarter"/>
+          </p:nvPr>
+        </p:nvSpPr>
+        <p:spPr>
+          <a:xfrm>
+            <a:off x="0" y="0"/>
+            <a:ext cx="2971800" cy="458788"/>
+          </a:xfrm>
+          <a:prstGeom prst="rect">
+            <a:avLst/>
+          </a:prstGeom>
+        </p:spPr>
+        <p:txBody>
+          <a:bodyPr vert="horz" lIns="91440" tIns="45720" rIns="91440" bIns="45720" rtlCol="0"/>
+          <a:lstStyle>
+            <a:lvl1pPr algn="l">
+              <a:defRPr sz="1200"/>
+            </a:lvl1pPr>
+          </a:lstStyle>
+          <a:p>
+            <a:endParaRPr lang="en-GB"/>
+          </a:p>
+        </p:txBody>
+      </p:sp>
+      <p:sp>
+        <p:nvSpPr>
+          <p:cNvPr id="3" name="Date Placeholder 2"/>
+          <p:cNvSpPr>
+            <a:spLocks noGrp="1"/>
+          </p:cNvSpPr>
+          <p:nvPr>
+            <p:ph type="dt" idx="1"/>
+          </p:nvPr>
+        </p:nvSpPr>
+        <p:spPr>
+          <a:xfrm>
+            <a:off x="3884613" y="0"/>
+            <a:ext cx="2971800" cy="458788"/>
+          </a:xfrm>
+          <a:prstGeom prst="rect">
+            <a:avLst/>
+          </a:prstGeom>
+        </p:spPr>
+        <p:txBody>
+          <a:bodyPr vert="horz" lIns="91440" tIns="45720" rIns="91440" bIns="45720" rtlCol="0"/>
+          <a:lstStyle>
+            <a:lvl1pPr algn="r">
+              <a:defRPr sz="1200"/>
+            </a:lvl1pPr>
+          </a:lstStyle>
+          <a:p>
+            <a:fld id="{AEE19CC6-9619-1248-8D80-F45A17382EB4}" type="datetimeFigureOut">
+              <a:rPr lang="en-GB" smtClean="0"/>
+              <a:t>15/12/2023</a:t>
+            </a:fld>
+            <a:endParaRPr lang="en-GB"/>
+          </a:p>
+        </p:txBody>
+      </p:sp>
+      <p:sp>
+        <p:nvSpPr>
+          <p:cNvPr id="4" name="Slide Image Placeholder 3"/>
+          <p:cNvSpPr>
+            <a:spLocks noGrp="1" noRot="1" noChangeAspect="1"/>
+          </p:cNvSpPr>
+          <p:nvPr>
+            <p:ph type="sldImg" idx="2"/>
+          </p:nvPr>
+        </p:nvSpPr>
+        <p:spPr>
+          <a:xfrm>
+            <a:off x="2400300" y="1143000"/>
+            <a:ext cx="2057400" cy="3086100"/>
+          </a:xfrm>
+          <a:prstGeom prst="rect">
+            <a:avLst/>
+          </a:prstGeom>
+          <a:noFill/>
+          <a:ln w="12700">
+            <a:solidFill>
+              <a:prstClr val="black"/>
+            </a:solidFill>
+          </a:ln>
+        </p:spPr>
+        <p:txBody>
+          <a:bodyPr vert="horz" lIns="91440" tIns="45720" rIns="91440" bIns="45720" rtlCol="0" anchor="ctr"/>
+          <a:lstStyle/>
+          <a:p>
+            <a:endParaRPr lang="en-GB"/>
+          </a:p>
+        </p:txBody>
+      </p:sp>
+      <p:sp>
+        <p:nvSpPr>
+          <p:cNvPr id="5" name="Notes Placeholder 4"/>
+          <p:cNvSpPr>
+            <a:spLocks noGrp="1"/>
+          </p:cNvSpPr>
+          <p:nvPr>
+            <p:ph type="body" sz="quarter" idx="3"/>
+          </p:nvPr>
+        </p:nvSpPr>
+        <p:spPr>
+          <a:xfrm>
+            <a:off x="685800" y="4400550"/>
+            <a:ext cx="5486400" cy="3600450"/>
+          </a:xfrm>
+          <a:prstGeom prst="rect">
+            <a:avLst/>
+          </a:prstGeom>
+        </p:spPr>
+        <p:txBody>
+          <a:bodyPr vert="horz" lIns="91440" tIns="45720" rIns="91440" bIns="45720" rtlCol="0"/>
+          <a:lstStyle/>
+          <a:p>
+            <a:pPr lvl="0"/>
+            <a:r>
+              <a:rPr lang="en-GB"/>
+              <a:t>Click to edit Master text styles</a:t>
+            </a:r>
+          </a:p>
+          <a:p>
+            <a:pPr lvl="1"/>
+            <a:r>
+              <a:rPr lang="en-GB"/>
+              <a:t>Second level</a:t>
+            </a:r>
+          </a:p>
+          <a:p>
+            <a:pPr lvl="2"/>
+            <a:r>
+              <a:rPr lang="en-GB"/>
+              <a:t>Third level</a:t>
+            </a:r>
+          </a:p>
+          <a:p>
+            <a:pPr lvl="3"/>
+            <a:r>
+              <a:rPr lang="en-GB"/>
+              <a:t>Fourth level</a:t>
+            </a:r>
+          </a:p>
+          <a:p>
+            <a:pPr lvl="4"/>
+            <a:r>
+              <a:rPr lang="en-GB"/>
+              <a:t>Fifth level</a:t>
+            </a:r>
+          </a:p>
+        </p:txBody>
+      </p:sp>
+      <p:sp>
+        <p:nvSpPr>
+          <p:cNvPr id="6" name="Footer Placeholder 5"/>
+          <p:cNvSpPr>
+            <a:spLocks noGrp="1"/>
+          </p:cNvSpPr>
+          <p:nvPr>
+            <p:ph type="ftr" sz="quarter" idx="4"/>
+          </p:nvPr>
+        </p:nvSpPr>
+        <p:spPr>
+          <a:xfrm>
+            <a:off x="0" y="8685213"/>
+            <a:ext cx="2971800" cy="458787"/>
+          </a:xfrm>
+          <a:prstGeom prst="rect">
+            <a:avLst/>
+          </a:prstGeom>
+        </p:spPr>
+        <p:txBody>
+          <a:bodyPr vert="horz" lIns="91440" tIns="45720" rIns="91440" bIns="45720" rtlCol="0" anchor="b"/>
+          <a:lstStyle>
+            <a:lvl1pPr algn="l">
+              <a:defRPr sz="1200"/>
+            </a:lvl1pPr>
+          </a:lstStyle>
+          <a:p>
+            <a:endParaRPr lang="en-GB"/>
+          </a:p>
+        </p:txBody>
+      </p:sp>
+      <p:sp>
+        <p:nvSpPr>
+          <p:cNvPr id="7" name="Slide Number Placeholder 6"/>
+          <p:cNvSpPr>
+            <a:spLocks noGrp="1"/>
+          </p:cNvSpPr>
+          <p:nvPr>
+            <p:ph type="sldNum" sz="quarter" idx="5"/>
+          </p:nvPr>
+        </p:nvSpPr>
+        <p:spPr>
+          <a:xfrm>
+            <a:off x="3884613" y="8685213"/>
+            <a:ext cx="2971800" cy="458787"/>
+          </a:xfrm>
+          <a:prstGeom prst="rect">
+            <a:avLst/>
+          </a:prstGeom>
+        </p:spPr>
+        <p:txBody>
+          <a:bodyPr vert="horz" lIns="91440" tIns="45720" rIns="91440" bIns="45720" rtlCol="0" anchor="b"/>
+          <a:lstStyle>
+            <a:lvl1pPr algn="r">
+              <a:defRPr sz="1200"/>
+            </a:lvl1pPr>
+          </a:lstStyle>
+          <a:p>
+            <a:fld id="{17558FCE-06D7-CB4E-9EBF-A5067431AD3E}" type="slidenum">
+              <a:rPr lang="en-GB" smtClean="0"/>
+              <a:t>‹#›</a:t>
+            </a:fld>
+            <a:endParaRPr lang="en-GB"/>
+          </a:p>
+        </p:txBody>
+      </p:sp>
+    </p:spTree>
+    <p:extLst>
+      <p:ext uri="{BB962C8B-B14F-4D97-AF65-F5344CB8AC3E}">
+        <p14:creationId xmlns:p14="http://schemas.microsoft.com/office/powerpoint/2010/main" val="3908586425"/>
+      </p:ext>
+    </p:extLst>
+  </p:cSld>
+  <p:clrMap bg1="lt1" tx1="dk1" bg2="lt2" tx2="dk2" accent1="accent1" accent2="accent2" accent3="accent3" accent4="accent4" accent5="accent5" accent6="accent6" hlink="hlink" folHlink="folHlink"/>
+  <p:notesStyle>
+    <a:lvl1pPr marL="0" algn="l" defTabSz="914400" rtl="0" eaLnBrk="1" latinLnBrk="0" hangingPunct="1">
+      <a:defRPr sz="1200" kern="1200">
+        <a:solidFill>
+          <a:schemeClr val="tx1"/>
+        </a:solidFill>
+        <a:latin typeface="+mn-lt"/>
+        <a:ea typeface="+mn-ea"/>
+        <a:cs typeface="+mn-cs"/>
+      </a:defRPr>
+    </a:lvl1pPr>
+    <a:lvl2pPr marL="457200" algn="l" defTabSz="914400" rtl="0" eaLnBrk="1" latinLnBrk="0" hangingPunct="1">
+      <a:defRPr sz="1200" kern="1200">
+        <a:solidFill>
+          <a:schemeClr val="tx1"/>
+        </a:solidFill>
+        <a:latin typeface="+mn-lt"/>
+        <a:ea typeface="+mn-ea"/>
+        <a:cs typeface="+mn-cs"/>
+      </a:defRPr>
+    </a:lvl2pPr>
+    <a:lvl3pPr marL="914400" algn="l" defTabSz="914400" rtl="0" eaLnBrk="1" latinLnBrk="0" hangingPunct="1">
+      <a:defRPr sz="1200" kern="1200">
+        <a:solidFill>
+          <a:schemeClr val="tx1"/>
+        </a:solidFill>
+        <a:latin typeface="+mn-lt"/>
+        <a:ea typeface="+mn-ea"/>
+        <a:cs typeface="+mn-cs"/>
+      </a:defRPr>
+    </a:lvl3pPr>
+    <a:lvl4pPr marL="1371600" algn="l" defTabSz="914400" rtl="0" eaLnBrk="1" latinLnBrk="0" hangingPunct="1">
+      <a:defRPr sz="1200" kern="1200">
+        <a:solidFill>
+          <a:schemeClr val="tx1"/>
+        </a:solidFill>
+        <a:latin typeface="+mn-lt"/>
+        <a:ea typeface="+mn-ea"/>
+        <a:cs typeface="+mn-cs"/>
+      </a:defRPr>
+    </a:lvl4pPr>
+    <a:lvl5pPr marL="1828800" algn="l" defTabSz="914400" rtl="0" eaLnBrk="1" latinLnBrk="0" hangingPunct="1">
+      <a:defRPr sz="1200" kern="1200">
+        <a:solidFill>
+          <a:schemeClr val="tx1"/>
+        </a:solidFill>
+        <a:latin typeface="+mn-lt"/>
+        <a:ea typeface="+mn-ea"/>
+        <a:cs typeface="+mn-cs"/>
+      </a:defRPr>
+    </a:lvl5pPr>
+    <a:lvl6pPr marL="2286000" algn="l" defTabSz="914400" rtl="0" eaLnBrk="1" latinLnBrk="0" hangingPunct="1">
+      <a:defRPr sz="1200" kern="1200">
+        <a:solidFill>
+          <a:schemeClr val="tx1"/>
+        </a:solidFill>
+        <a:latin typeface="+mn-lt"/>
+        <a:ea typeface="+mn-ea"/>
+        <a:cs typeface="+mn-cs"/>
+      </a:defRPr>
+    </a:lvl6pPr>
+    <a:lvl7pPr marL="2743200" algn="l" defTabSz="914400" rtl="0" eaLnBrk="1" latinLnBrk="0" hangingPunct="1">
+      <a:defRPr sz="1200" kern="1200">
+        <a:solidFill>
+          <a:schemeClr val="tx1"/>
+        </a:solidFill>
+        <a:latin typeface="+mn-lt"/>
+        <a:ea typeface="+mn-ea"/>
+        <a:cs typeface="+mn-cs"/>
+      </a:defRPr>
+    </a:lvl7pPr>
+    <a:lvl8pPr marL="3200400" algn="l" defTabSz="914400" rtl="0" eaLnBrk="1" latinLnBrk="0" hangingPunct="1">
+      <a:defRPr sz="1200" kern="1200">
+        <a:solidFill>
+          <a:schemeClr val="tx1"/>
+        </a:solidFill>
+        <a:latin typeface="+mn-lt"/>
+        <a:ea typeface="+mn-ea"/>
+        <a:cs typeface="+mn-cs"/>
+      </a:defRPr>
+    </a:lvl8pPr>
+    <a:lvl9pPr marL="3657600" algn="l" defTabSz="914400" rtl="0" eaLnBrk="1" latinLnBrk="0" hangingPunct="1">
+      <a:defRPr sz="1200" kern="1200">
+        <a:solidFill>
+          <a:schemeClr val="tx1"/>
+        </a:solidFill>
+        <a:latin typeface="+mn-lt"/>
+        <a:ea typeface="+mn-ea"/>
+        <a:cs typeface="+mn-cs"/>
+      </a:defRPr>
+    </a:lvl9pPr>
+  </p:notesStyle>
+</p:notesMaster>
+</file>
+
+<file path=ppt/notesSlides/notesSlide1.xml><?xml version="1.0" encoding="utf-8"?>
+<p:notes xmlns:a="http://schemas.openxmlformats.org/drawingml/2006/main" xmlns:r="http://schemas.openxmlformats.org/officeDocument/2006/relationships" xmlns:p="http://schemas.openxmlformats.org/presentationml/2006/main">
+  <p:cSld>
+    <p:spTree>
+      <p:nvGrpSpPr>
+        <p:cNvPr id="1" name=""/>
+        <p:cNvGrpSpPr/>
+        <p:nvPr/>
+      </p:nvGrpSpPr>
+      <p:grpSpPr>
+        <a:xfrm>
+          <a:off x="0" y="0"/>
+          <a:ext cx="0" cy="0"/>
+          <a:chOff x="0" y="0"/>
+          <a:chExt cx="0" cy="0"/>
+        </a:xfrm>
+      </p:grpSpPr>
+      <p:sp>
+        <p:nvSpPr>
+          <p:cNvPr id="2" name="Slide Image Placeholder 1"/>
+          <p:cNvSpPr>
+            <a:spLocks noGrp="1" noRot="1" noChangeAspect="1"/>
+          </p:cNvSpPr>
+          <p:nvPr>
+            <p:ph type="sldImg"/>
+          </p:nvPr>
+        </p:nvSpPr>
+        <p:spPr/>
+      </p:sp>
+      <p:sp>
+        <p:nvSpPr>
+          <p:cNvPr id="3" name="Notes Placeholder 2"/>
+          <p:cNvSpPr>
+            <a:spLocks noGrp="1"/>
+          </p:cNvSpPr>
+          <p:nvPr>
+            <p:ph type="body" idx="1"/>
+          </p:nvPr>
+        </p:nvSpPr>
+        <p:spPr/>
+        <p:txBody>
+          <a:bodyPr/>
+          <a:lstStyle/>
+          <a:p>
+            <a:endParaRPr lang="en-GB" dirty="0"/>
+          </a:p>
+        </p:txBody>
+      </p:sp>
+      <p:sp>
+        <p:nvSpPr>
+          <p:cNvPr id="4" name="Slide Number Placeholder 3"/>
+          <p:cNvSpPr>
+            <a:spLocks noGrp="1"/>
+          </p:cNvSpPr>
+          <p:nvPr>
+            <p:ph type="sldNum" sz="quarter" idx="5"/>
+          </p:nvPr>
+        </p:nvSpPr>
+        <p:spPr/>
+        <p:txBody>
+          <a:bodyPr/>
+          <a:lstStyle/>
+          <a:p>
+            <a:fld id="{17558FCE-06D7-CB4E-9EBF-A5067431AD3E}" type="slidenum">
+              <a:rPr lang="en-GB" smtClean="0"/>
+              <a:t>1</a:t>
+            </a:fld>
+            <a:endParaRPr lang="en-GB"/>
+          </a:p>
+        </p:txBody>
+      </p:sp>
+    </p:spTree>
+    <p:extLst>
+      <p:ext uri="{BB962C8B-B14F-4D97-AF65-F5344CB8AC3E}">
+        <p14:creationId xmlns:p14="http://schemas.microsoft.com/office/powerpoint/2010/main" val="1257101146"/>
+      </p:ext>
+    </p:extLst>
+  </p:cSld>
+  <p:clrMapOvr>
+    <a:masterClrMapping/>
+  </p:clrMapOvr>
+</p:notes>
+</file>
+
 <file path=ppt/slideLayouts/slideLayout1.xml><?xml version="1.0" encoding="utf-8"?>
 <p:sldLayout xmlns:a="http://schemas.openxmlformats.org/drawingml/2006/main" xmlns:r="http://schemas.openxmlformats.org/officeDocument/2006/relationships" xmlns:p="http://schemas.openxmlformats.org/presentationml/2006/main" type="title" preserve="1">
   <p:cSld name="Title Slide">
@@ -244,7 +680,7 @@
           <a:p>
             <a:fld id="{FABAE490-0A31-9944-8C10-D3082C1F3F1E}" type="datetimeFigureOut">
               <a:rPr lang="en-GB" smtClean="0"/>
-              <a:t>14/12/2023</a:t>
+              <a:t>15/12/2023</a:t>
             </a:fld>
             <a:endParaRPr lang="en-GB"/>
           </a:p>
@@ -414,7 +850,7 @@
           <a:p>
             <a:fld id="{FABAE490-0A31-9944-8C10-D3082C1F3F1E}" type="datetimeFigureOut">
               <a:rPr lang="en-GB" smtClean="0"/>
-              <a:t>14/12/2023</a:t>
+              <a:t>15/12/2023</a:t>
             </a:fld>
             <a:endParaRPr lang="en-GB"/>
           </a:p>
@@ -594,7 +1030,7 @@
           <a:p>
             <a:fld id="{FABAE490-0A31-9944-8C10-D3082C1F3F1E}" type="datetimeFigureOut">
               <a:rPr lang="en-GB" smtClean="0"/>
-              <a:t>14/12/2023</a:t>
+              <a:t>15/12/2023</a:t>
             </a:fld>
             <a:endParaRPr lang="en-GB"/>
           </a:p>
@@ -764,7 +1200,7 @@
           <a:p>
             <a:fld id="{FABAE490-0A31-9944-8C10-D3082C1F3F1E}" type="datetimeFigureOut">
               <a:rPr lang="en-GB" smtClean="0"/>
-              <a:t>14/12/2023</a:t>
+              <a:t>15/12/2023</a:t>
             </a:fld>
             <a:endParaRPr lang="en-GB"/>
           </a:p>
@@ -1008,7 +1444,7 @@
           <a:p>
             <a:fld id="{FABAE490-0A31-9944-8C10-D3082C1F3F1E}" type="datetimeFigureOut">
               <a:rPr lang="en-GB" smtClean="0"/>
-              <a:t>14/12/2023</a:t>
+              <a:t>15/12/2023</a:t>
             </a:fld>
             <a:endParaRPr lang="en-GB"/>
           </a:p>
@@ -1240,7 +1676,7 @@
           <a:p>
             <a:fld id="{FABAE490-0A31-9944-8C10-D3082C1F3F1E}" type="datetimeFigureOut">
               <a:rPr lang="en-GB" smtClean="0"/>
-              <a:t>14/12/2023</a:t>
+              <a:t>15/12/2023</a:t>
             </a:fld>
             <a:endParaRPr lang="en-GB"/>
           </a:p>
@@ -1607,7 +2043,7 @@
           <a:p>
             <a:fld id="{FABAE490-0A31-9944-8C10-D3082C1F3F1E}" type="datetimeFigureOut">
               <a:rPr lang="en-GB" smtClean="0"/>
-              <a:t>14/12/2023</a:t>
+              <a:t>15/12/2023</a:t>
             </a:fld>
             <a:endParaRPr lang="en-GB"/>
           </a:p>
@@ -1725,7 +2161,7 @@
           <a:p>
             <a:fld id="{FABAE490-0A31-9944-8C10-D3082C1F3F1E}" type="datetimeFigureOut">
               <a:rPr lang="en-GB" smtClean="0"/>
-              <a:t>14/12/2023</a:t>
+              <a:t>15/12/2023</a:t>
             </a:fld>
             <a:endParaRPr lang="en-GB"/>
           </a:p>
@@ -1820,7 +2256,7 @@
           <a:p>
             <a:fld id="{FABAE490-0A31-9944-8C10-D3082C1F3F1E}" type="datetimeFigureOut">
               <a:rPr lang="en-GB" smtClean="0"/>
-              <a:t>14/12/2023</a:t>
+              <a:t>15/12/2023</a:t>
             </a:fld>
             <a:endParaRPr lang="en-GB"/>
           </a:p>
@@ -2097,7 +2533,7 @@
           <a:p>
             <a:fld id="{FABAE490-0A31-9944-8C10-D3082C1F3F1E}" type="datetimeFigureOut">
               <a:rPr lang="en-GB" smtClean="0"/>
-              <a:t>14/12/2023</a:t>
+              <a:t>15/12/2023</a:t>
             </a:fld>
             <a:endParaRPr lang="en-GB"/>
           </a:p>
@@ -2354,7 +2790,7 @@
           <a:p>
             <a:fld id="{FABAE490-0A31-9944-8C10-D3082C1F3F1E}" type="datetimeFigureOut">
               <a:rPr lang="en-GB" smtClean="0"/>
-              <a:t>14/12/2023</a:t>
+              <a:t>15/12/2023</a:t>
             </a:fld>
             <a:endParaRPr lang="en-GB"/>
           </a:p>
@@ -2567,7 +3003,7 @@
           <a:p>
             <a:fld id="{FABAE490-0A31-9944-8C10-D3082C1F3F1E}" type="datetimeFigureOut">
               <a:rPr lang="en-GB" smtClean="0"/>
-              <a:t>14/12/2023</a:t>
+              <a:t>15/12/2023</a:t>
             </a:fld>
             <a:endParaRPr lang="en-GB"/>
           </a:p>
@@ -2987,7 +3423,7 @@
           <p:nvPr/>
         </p:nvPicPr>
         <p:blipFill>
-          <a:blip r:embed="rId2"/>
+          <a:blip r:embed="rId3"/>
           <a:stretch>
             <a:fillRect/>
           </a:stretch>
@@ -3017,7 +3453,7 @@
           <p:nvPr/>
         </p:nvPicPr>
         <p:blipFill rotWithShape="1">
-          <a:blip r:embed="rId3"/>
+          <a:blip r:embed="rId4"/>
           <a:srcRect l="3836" r="21829"/>
           <a:stretch/>
         </p:blipFill>
@@ -3086,7 +3522,7 @@
           <p:nvPr/>
         </p:nvPicPr>
         <p:blipFill rotWithShape="1">
-          <a:blip r:embed="rId4"/>
+          <a:blip r:embed="rId5"/>
           <a:srcRect l="4519" r="10664"/>
           <a:stretch/>
         </p:blipFill>
@@ -3155,7 +3591,7 @@
           <p:nvPr/>
         </p:nvPicPr>
         <p:blipFill rotWithShape="1">
-          <a:blip r:embed="rId5"/>
+          <a:blip r:embed="rId6"/>
           <a:srcRect l="3206" r="17243"/>
           <a:stretch/>
         </p:blipFill>
@@ -3224,7 +3660,7 @@
           <p:nvPr/>
         </p:nvPicPr>
         <p:blipFill rotWithShape="1">
-          <a:blip r:embed="rId6"/>
+          <a:blip r:embed="rId7"/>
           <a:srcRect r="18232"/>
           <a:stretch/>
         </p:blipFill>
@@ -3293,7 +3729,7 @@
           <p:nvPr>
             <p:extLst>
               <p:ext uri="{D42A27DB-BD31-4B8C-83A1-F6EECF244321}">
-                <p14:modId xmlns:p14="http://schemas.microsoft.com/office/powerpoint/2010/main" val="3578634436"/>
+                <p14:modId xmlns:p14="http://schemas.microsoft.com/office/powerpoint/2010/main" val="928011304"/>
               </p:ext>
             </p:extLst>
           </p:nvPr>
@@ -3331,166 +3767,6 @@
                   </a:extLst>
                 </a:gridCol>
               </a:tblGrid>
-              <a:tr h="1483112">
-                <a:tc>
-                  <a:txBody>
-                    <a:bodyPr/>
-                    <a:lstStyle/>
-                    <a:p>
-                      <a:endParaRPr lang="en-GB" dirty="0"/>
-                    </a:p>
-                  </a:txBody>
-                  <a:tcPr>
-                    <a:lnL w="12700" cap="flat" cmpd="sng" algn="ctr">
-                      <a:solidFill>
-                        <a:schemeClr val="tx1"/>
-                      </a:solidFill>
-                      <a:prstDash val="solid"/>
-                      <a:round/>
-                      <a:headEnd type="none" w="med" len="med"/>
-                      <a:tailEnd type="none" w="med" len="med"/>
-                    </a:lnL>
-                    <a:lnR w="12700" cap="flat" cmpd="sng" algn="ctr">
-                      <a:solidFill>
-                        <a:schemeClr val="tx1"/>
-                      </a:solidFill>
-                      <a:prstDash val="solid"/>
-                      <a:round/>
-                      <a:headEnd type="none" w="med" len="med"/>
-                      <a:tailEnd type="none" w="med" len="med"/>
-                    </a:lnR>
-                    <a:lnT w="12700" cap="flat" cmpd="sng" algn="ctr">
-                      <a:solidFill>
-                        <a:schemeClr val="tx1"/>
-                      </a:solidFill>
-                      <a:prstDash val="solid"/>
-                      <a:round/>
-                      <a:headEnd type="none" w="med" len="med"/>
-                      <a:tailEnd type="none" w="med" len="med"/>
-                    </a:lnT>
-                    <a:lnB w="12700" cap="flat" cmpd="sng" algn="ctr">
-                      <a:solidFill>
-                        <a:schemeClr val="tx1"/>
-                      </a:solidFill>
-                      <a:prstDash val="solid"/>
-                      <a:round/>
-                      <a:headEnd type="none" w="med" len="med"/>
-                      <a:tailEnd type="none" w="med" len="med"/>
-                    </a:lnB>
-                    <a:solidFill>
-                      <a:schemeClr val="accent4">
-                        <a:lumMod val="60000"/>
-                        <a:lumOff val="40000"/>
-                      </a:schemeClr>
-                    </a:solidFill>
-                  </a:tcPr>
-                </a:tc>
-                <a:tc>
-                  <a:txBody>
-                    <a:bodyPr/>
-                    <a:lstStyle/>
-                    <a:p>
-                      <a:endParaRPr lang="en-GB" dirty="0"/>
-                    </a:p>
-                  </a:txBody>
-                  <a:tcPr>
-                    <a:lnL w="12700" cap="flat" cmpd="sng" algn="ctr">
-                      <a:solidFill>
-                        <a:schemeClr val="tx1"/>
-                      </a:solidFill>
-                      <a:prstDash val="solid"/>
-                      <a:round/>
-                      <a:headEnd type="none" w="med" len="med"/>
-                      <a:tailEnd type="none" w="med" len="med"/>
-                    </a:lnL>
-                    <a:lnR w="12700" cap="flat" cmpd="sng" algn="ctr">
-                      <a:solidFill>
-                        <a:schemeClr val="tx1"/>
-                      </a:solidFill>
-                      <a:prstDash val="solid"/>
-                      <a:round/>
-                      <a:headEnd type="none" w="med" len="med"/>
-                      <a:tailEnd type="none" w="med" len="med"/>
-                    </a:lnR>
-                    <a:lnT w="12700" cap="flat" cmpd="sng" algn="ctr">
-                      <a:solidFill>
-                        <a:schemeClr val="tx1"/>
-                      </a:solidFill>
-                      <a:prstDash val="solid"/>
-                      <a:round/>
-                      <a:headEnd type="none" w="med" len="med"/>
-                      <a:tailEnd type="none" w="med" len="med"/>
-                    </a:lnT>
-                    <a:lnB w="12700" cap="flat" cmpd="sng" algn="ctr">
-                      <a:solidFill>
-                        <a:schemeClr val="tx1"/>
-                      </a:solidFill>
-                      <a:prstDash val="solid"/>
-                      <a:round/>
-                      <a:headEnd type="none" w="med" len="med"/>
-                      <a:tailEnd type="none" w="med" len="med"/>
-                    </a:lnB>
-                    <a:solidFill>
-                      <a:srgbClr val="FF2600"/>
-                    </a:solidFill>
-                  </a:tcPr>
-                </a:tc>
-                <a:tc>
-                  <a:txBody>
-                    <a:bodyPr/>
-                    <a:lstStyle/>
-                    <a:p>
-                      <a:endParaRPr lang="en-GB" dirty="0"/>
-                    </a:p>
-                  </a:txBody>
-                  <a:tcPr>
-                    <a:lnL w="12700" cap="flat" cmpd="sng" algn="ctr">
-                      <a:solidFill>
-                        <a:schemeClr val="tx1"/>
-                      </a:solidFill>
-                      <a:prstDash val="solid"/>
-                      <a:round/>
-                      <a:headEnd type="none" w="med" len="med"/>
-                      <a:tailEnd type="none" w="med" len="med"/>
-                    </a:lnL>
-                    <a:lnR w="12700" cap="flat" cmpd="sng" algn="ctr">
-                      <a:solidFill>
-                        <a:schemeClr val="tx1"/>
-                      </a:solidFill>
-                      <a:prstDash val="solid"/>
-                      <a:round/>
-                      <a:headEnd type="none" w="med" len="med"/>
-                      <a:tailEnd type="none" w="med" len="med"/>
-                    </a:lnR>
-                    <a:lnT w="12700" cap="flat" cmpd="sng" algn="ctr">
-                      <a:solidFill>
-                        <a:schemeClr val="tx1"/>
-                      </a:solidFill>
-                      <a:prstDash val="solid"/>
-                      <a:round/>
-                      <a:headEnd type="none" w="med" len="med"/>
-                      <a:tailEnd type="none" w="med" len="med"/>
-                    </a:lnT>
-                    <a:lnB w="12700" cap="flat" cmpd="sng" algn="ctr">
-                      <a:solidFill>
-                        <a:schemeClr val="tx1"/>
-                      </a:solidFill>
-                      <a:prstDash val="solid"/>
-                      <a:round/>
-                      <a:headEnd type="none" w="med" len="med"/>
-                      <a:tailEnd type="none" w="med" len="med"/>
-                    </a:lnB>
-                    <a:solidFill>
-                      <a:srgbClr val="FF2600"/>
-                    </a:solidFill>
-                  </a:tcPr>
-                </a:tc>
-                <a:extLst>
-                  <a:ext uri="{0D108BD9-81ED-4DB2-BD59-A6C34878D82A}">
-                    <a16:rowId xmlns:a16="http://schemas.microsoft.com/office/drawing/2014/main" val="1820197552"/>
-                  </a:ext>
-                </a:extLst>
-              </a:tr>
               <a:tr h="1483112">
                 <a:tc>
                   <a:txBody>
@@ -3647,7 +3923,7 @@
                 </a:tc>
                 <a:extLst>
                   <a:ext uri="{0D108BD9-81ED-4DB2-BD59-A6C34878D82A}">
-                    <a16:rowId xmlns:a16="http://schemas.microsoft.com/office/drawing/2014/main" val="3837047177"/>
+                    <a16:rowId xmlns:a16="http://schemas.microsoft.com/office/drawing/2014/main" val="1820197552"/>
                   </a:ext>
                 </a:extLst>
               </a:tr>
@@ -3698,7 +3974,7 @@
                       <a:tailEnd type="none" w="med" len="med"/>
                     </a:lnB>
                     <a:solidFill>
-                      <a:srgbClr val="92D050"/>
+                      <a:srgbClr val="00B050"/>
                     </a:solidFill>
                   </a:tcPr>
                 </a:tc>
@@ -3748,7 +4024,10 @@
                       <a:tailEnd type="none" w="med" len="med"/>
                     </a:lnB>
                     <a:solidFill>
-                      <a:srgbClr val="92D050"/>
+                      <a:schemeClr val="accent4">
+                        <a:lumMod val="60000"/>
+                        <a:lumOff val="40000"/>
+                      </a:schemeClr>
                     </a:solidFill>
                   </a:tcPr>
                 </a:tc>
@@ -3807,6 +4086,163 @@
                 </a:tc>
                 <a:extLst>
                   <a:ext uri="{0D108BD9-81ED-4DB2-BD59-A6C34878D82A}">
+                    <a16:rowId xmlns:a16="http://schemas.microsoft.com/office/drawing/2014/main" val="3837047177"/>
+                  </a:ext>
+                </a:extLst>
+              </a:tr>
+              <a:tr h="1483112">
+                <a:tc>
+                  <a:txBody>
+                    <a:bodyPr/>
+                    <a:lstStyle/>
+                    <a:p>
+                      <a:endParaRPr lang="en-GB" dirty="0"/>
+                    </a:p>
+                  </a:txBody>
+                  <a:tcPr>
+                    <a:lnL w="12700" cap="flat" cmpd="sng" algn="ctr">
+                      <a:solidFill>
+                        <a:schemeClr val="tx1"/>
+                      </a:solidFill>
+                      <a:prstDash val="solid"/>
+                      <a:round/>
+                      <a:headEnd type="none" w="med" len="med"/>
+                      <a:tailEnd type="none" w="med" len="med"/>
+                    </a:lnL>
+                    <a:lnR w="12700" cap="flat" cmpd="sng" algn="ctr">
+                      <a:solidFill>
+                        <a:schemeClr val="tx1"/>
+                      </a:solidFill>
+                      <a:prstDash val="solid"/>
+                      <a:round/>
+                      <a:headEnd type="none" w="med" len="med"/>
+                      <a:tailEnd type="none" w="med" len="med"/>
+                    </a:lnR>
+                    <a:lnT w="12700" cap="flat" cmpd="sng" algn="ctr">
+                      <a:solidFill>
+                        <a:schemeClr val="tx1"/>
+                      </a:solidFill>
+                      <a:prstDash val="solid"/>
+                      <a:round/>
+                      <a:headEnd type="none" w="med" len="med"/>
+                      <a:tailEnd type="none" w="med" len="med"/>
+                    </a:lnT>
+                    <a:lnB w="12700" cap="flat" cmpd="sng" algn="ctr">
+                      <a:solidFill>
+                        <a:schemeClr val="tx1"/>
+                      </a:solidFill>
+                      <a:prstDash val="solid"/>
+                      <a:round/>
+                      <a:headEnd type="none" w="med" len="med"/>
+                      <a:tailEnd type="none" w="med" len="med"/>
+                    </a:lnB>
+                    <a:solidFill>
+                      <a:srgbClr val="00B050"/>
+                    </a:solidFill>
+                  </a:tcPr>
+                </a:tc>
+                <a:tc>
+                  <a:txBody>
+                    <a:bodyPr/>
+                    <a:lstStyle/>
+                    <a:p>
+                      <a:endParaRPr lang="en-GB" dirty="0"/>
+                    </a:p>
+                  </a:txBody>
+                  <a:tcPr>
+                    <a:lnL w="12700" cap="flat" cmpd="sng" algn="ctr">
+                      <a:solidFill>
+                        <a:schemeClr val="tx1"/>
+                      </a:solidFill>
+                      <a:prstDash val="solid"/>
+                      <a:round/>
+                      <a:headEnd type="none" w="med" len="med"/>
+                      <a:tailEnd type="none" w="med" len="med"/>
+                    </a:lnL>
+                    <a:lnR w="12700" cap="flat" cmpd="sng" algn="ctr">
+                      <a:solidFill>
+                        <a:schemeClr val="tx1"/>
+                      </a:solidFill>
+                      <a:prstDash val="solid"/>
+                      <a:round/>
+                      <a:headEnd type="none" w="med" len="med"/>
+                      <a:tailEnd type="none" w="med" len="med"/>
+                    </a:lnR>
+                    <a:lnT w="12700" cap="flat" cmpd="sng" algn="ctr">
+                      <a:solidFill>
+                        <a:schemeClr val="tx1"/>
+                      </a:solidFill>
+                      <a:prstDash val="solid"/>
+                      <a:round/>
+                      <a:headEnd type="none" w="med" len="med"/>
+                      <a:tailEnd type="none" w="med" len="med"/>
+                    </a:lnT>
+                    <a:lnB w="12700" cap="flat" cmpd="sng" algn="ctr">
+                      <a:solidFill>
+                        <a:schemeClr val="tx1"/>
+                      </a:solidFill>
+                      <a:prstDash val="solid"/>
+                      <a:round/>
+                      <a:headEnd type="none" w="med" len="med"/>
+                      <a:tailEnd type="none" w="med" len="med"/>
+                    </a:lnB>
+                    <a:solidFill>
+                      <a:srgbClr val="00B050"/>
+                    </a:solidFill>
+                  </a:tcPr>
+                </a:tc>
+                <a:tc>
+                  <a:txBody>
+                    <a:bodyPr/>
+                    <a:lstStyle/>
+                    <a:p>
+                      <a:endParaRPr lang="en-GB" dirty="0"/>
+                    </a:p>
+                  </a:txBody>
+                  <a:tcPr>
+                    <a:lnL w="12700" cap="flat" cmpd="sng" algn="ctr">
+                      <a:solidFill>
+                        <a:schemeClr val="tx1"/>
+                      </a:solidFill>
+                      <a:prstDash val="solid"/>
+                      <a:round/>
+                      <a:headEnd type="none" w="med" len="med"/>
+                      <a:tailEnd type="none" w="med" len="med"/>
+                    </a:lnL>
+                    <a:lnR w="12700" cap="flat" cmpd="sng" algn="ctr">
+                      <a:solidFill>
+                        <a:schemeClr val="tx1"/>
+                      </a:solidFill>
+                      <a:prstDash val="solid"/>
+                      <a:round/>
+                      <a:headEnd type="none" w="med" len="med"/>
+                      <a:tailEnd type="none" w="med" len="med"/>
+                    </a:lnR>
+                    <a:lnT w="12700" cap="flat" cmpd="sng" algn="ctr">
+                      <a:solidFill>
+                        <a:schemeClr val="tx1"/>
+                      </a:solidFill>
+                      <a:prstDash val="solid"/>
+                      <a:round/>
+                      <a:headEnd type="none" w="med" len="med"/>
+                      <a:tailEnd type="none" w="med" len="med"/>
+                    </a:lnT>
+                    <a:lnB w="12700" cap="flat" cmpd="sng" algn="ctr">
+                      <a:solidFill>
+                        <a:schemeClr val="tx1"/>
+                      </a:solidFill>
+                      <a:prstDash val="solid"/>
+                      <a:round/>
+                      <a:headEnd type="none" w="med" len="med"/>
+                      <a:tailEnd type="none" w="med" len="med"/>
+                    </a:lnB>
+                    <a:solidFill>
+                      <a:srgbClr val="92D050"/>
+                    </a:solidFill>
+                  </a:tcPr>
+                </a:tc>
+                <a:extLst>
+                  <a:ext uri="{0D108BD9-81ED-4DB2-BD59-A6C34878D82A}">
                     <a16:rowId xmlns:a16="http://schemas.microsoft.com/office/drawing/2014/main" val="2322098054"/>
                   </a:ext>
                 </a:extLst>
@@ -4268,7 +4704,7 @@
         </p:nvSpPr>
         <p:spPr>
           <a:xfrm>
-            <a:off x="5669064" y="8519922"/>
+            <a:off x="7178252" y="10007155"/>
             <a:ext cx="471604" cy="369332"/>
           </a:xfrm>
           <a:prstGeom prst="rect">
@@ -9245,4 +9681,299 @@
     </a:ext>
   </a:extLst>
 </a:theme>
+</file>
+
+<file path=ppt/theme/theme2.xml><?xml version="1.0" encoding="utf-8"?>
+<a:theme xmlns:a="http://schemas.openxmlformats.org/drawingml/2006/main" name="Office Theme">
+  <a:themeElements>
+    <a:clrScheme name="Office">
+      <a:dk1>
+        <a:sysClr val="windowText" lastClr="000000"/>
+      </a:dk1>
+      <a:lt1>
+        <a:sysClr val="window" lastClr="FFFFFF"/>
+      </a:lt1>
+      <a:dk2>
+        <a:srgbClr val="44546A"/>
+      </a:dk2>
+      <a:lt2>
+        <a:srgbClr val="E7E6E6"/>
+      </a:lt2>
+      <a:accent1>
+        <a:srgbClr val="4472C4"/>
+      </a:accent1>
+      <a:accent2>
+        <a:srgbClr val="ED7D31"/>
+      </a:accent2>
+      <a:accent3>
+        <a:srgbClr val="A5A5A5"/>
+      </a:accent3>
+      <a:accent4>
+        <a:srgbClr val="FFC000"/>
+      </a:accent4>
+      <a:accent5>
+        <a:srgbClr val="5B9BD5"/>
+      </a:accent5>
+      <a:accent6>
+        <a:srgbClr val="70AD47"/>
+      </a:accent6>
+      <a:hlink>
+        <a:srgbClr val="0563C1"/>
+      </a:hlink>
+      <a:folHlink>
+        <a:srgbClr val="954F72"/>
+      </a:folHlink>
+    </a:clrScheme>
+    <a:fontScheme name="Office">
+      <a:majorFont>
+        <a:latin typeface="Calibri Light" panose="020F0302020204030204"/>
+        <a:ea typeface=""/>
+        <a:cs typeface=""/>
+        <a:font script="Jpan" typeface="游ゴシック Light"/>
+        <a:font script="Hang" typeface="맑은 고딕"/>
+        <a:font script="Hans" typeface="等线 Light"/>
+        <a:font script="Hant" typeface="新細明體"/>
+        <a:font script="Arab" typeface="Times New Roman"/>
+        <a:font script="Hebr" typeface="Times New Roman"/>
+        <a:font script="Thai" typeface="Angsana New"/>
+        <a:font script="Ethi" typeface="Nyala"/>
+        <a:font script="Beng" typeface="Vrinda"/>
+        <a:font script="Gujr" typeface="Shruti"/>
+        <a:font script="Khmr" typeface="MoolBoran"/>
+        <a:font script="Knda" typeface="Tunga"/>
+        <a:font script="Guru" typeface="Raavi"/>
+        <a:font script="Cans" typeface="Euphemia"/>
+        <a:font script="Cher" typeface="Plantagenet Cherokee"/>
+        <a:font script="Yiii" typeface="Microsoft Yi Baiti"/>
+        <a:font script="Tibt" typeface="Microsoft Himalaya"/>
+        <a:font script="Thaa" typeface="MV Boli"/>
+        <a:font script="Deva" typeface="Mangal"/>
+        <a:font script="Telu" typeface="Gautami"/>
+        <a:font script="Taml" typeface="Latha"/>
+        <a:font script="Syrc" typeface="Estrangelo Edessa"/>
+        <a:font script="Orya" typeface="Kalinga"/>
+        <a:font script="Mlym" typeface="Kartika"/>
+        <a:font script="Laoo" typeface="DokChampa"/>
+        <a:font script="Sinh" typeface="Iskoola Pota"/>
+        <a:font script="Mong" typeface="Mongolian Baiti"/>
+        <a:font script="Viet" typeface="Times New Roman"/>
+        <a:font script="Uigh" typeface="Microsoft Uighur"/>
+        <a:font script="Geor" typeface="Sylfaen"/>
+        <a:font script="Armn" typeface="Arial"/>
+        <a:font script="Bugi" typeface="Leelawadee UI"/>
+        <a:font script="Bopo" typeface="Microsoft JhengHei"/>
+        <a:font script="Java" typeface="Javanese Text"/>
+        <a:font script="Lisu" typeface="Segoe UI"/>
+        <a:font script="Mymr" typeface="Myanmar Text"/>
+        <a:font script="Nkoo" typeface="Ebrima"/>
+        <a:font script="Olck" typeface="Nirmala UI"/>
+        <a:font script="Osma" typeface="Ebrima"/>
+        <a:font script="Phag" typeface="Phagspa"/>
+        <a:font script="Syrn" typeface="Estrangelo Edessa"/>
+        <a:font script="Syrj" typeface="Estrangelo Edessa"/>
+        <a:font script="Syre" typeface="Estrangelo Edessa"/>
+        <a:font script="Sora" typeface="Nirmala UI"/>
+        <a:font script="Tale" typeface="Microsoft Tai Le"/>
+        <a:font script="Talu" typeface="Microsoft New Tai Lue"/>
+        <a:font script="Tfng" typeface="Ebrima"/>
+      </a:majorFont>
+      <a:minorFont>
+        <a:latin typeface="Calibri" panose="020F0502020204030204"/>
+        <a:ea typeface=""/>
+        <a:cs typeface=""/>
+        <a:font script="Jpan" typeface="游ゴシック"/>
+        <a:font script="Hang" typeface="맑은 고딕"/>
+        <a:font script="Hans" typeface="等线"/>
+        <a:font script="Hant" typeface="新細明體"/>
+        <a:font script="Arab" typeface="Arial"/>
+        <a:font script="Hebr" typeface="Arial"/>
+        <a:font script="Thai" typeface="Cordia New"/>
+        <a:font script="Ethi" typeface="Nyala"/>
+        <a:font script="Beng" typeface="Vrinda"/>
+        <a:font script="Gujr" typeface="Shruti"/>
+        <a:font script="Khmr" typeface="DaunPenh"/>
+        <a:font script="Knda" typeface="Tunga"/>
+        <a:font script="Guru" typeface="Raavi"/>
+        <a:font script="Cans" typeface="Euphemia"/>
+        <a:font script="Cher" typeface="Plantagenet Cherokee"/>
+        <a:font script="Yiii" typeface="Microsoft Yi Baiti"/>
+        <a:font script="Tibt" typeface="Microsoft Himalaya"/>
+        <a:font script="Thaa" typeface="MV Boli"/>
+        <a:font script="Deva" typeface="Mangal"/>
+        <a:font script="Telu" typeface="Gautami"/>
+        <a:font script="Taml" typeface="Latha"/>
+        <a:font script="Syrc" typeface="Estrangelo Edessa"/>
+        <a:font script="Orya" typeface="Kalinga"/>
+        <a:font script="Mlym" typeface="Kartika"/>
+        <a:font script="Laoo" typeface="DokChampa"/>
+        <a:font script="Sinh" typeface="Iskoola Pota"/>
+        <a:font script="Mong" typeface="Mongolian Baiti"/>
+        <a:font script="Viet" typeface="Arial"/>
+        <a:font script="Uigh" typeface="Microsoft Uighur"/>
+        <a:font script="Geor" typeface="Sylfaen"/>
+        <a:font script="Armn" typeface="Arial"/>
+        <a:font script="Bugi" typeface="Leelawadee UI"/>
+        <a:font script="Bopo" typeface="Microsoft JhengHei"/>
+        <a:font script="Java" typeface="Javanese Text"/>
+        <a:font script="Lisu" typeface="Segoe UI"/>
+        <a:font script="Mymr" typeface="Myanmar Text"/>
+        <a:font script="Nkoo" typeface="Ebrima"/>
+        <a:font script="Olck" typeface="Nirmala UI"/>
+        <a:font script="Osma" typeface="Ebrima"/>
+        <a:font script="Phag" typeface="Phagspa"/>
+        <a:font script="Syrn" typeface="Estrangelo Edessa"/>
+        <a:font script="Syrj" typeface="Estrangelo Edessa"/>
+        <a:font script="Syre" typeface="Estrangelo Edessa"/>
+        <a:font script="Sora" typeface="Nirmala UI"/>
+        <a:font script="Tale" typeface="Microsoft Tai Le"/>
+        <a:font script="Talu" typeface="Microsoft New Tai Lue"/>
+        <a:font script="Tfng" typeface="Ebrima"/>
+      </a:minorFont>
+    </a:fontScheme>
+    <a:fmtScheme name="Office">
+      <a:fillStyleLst>
+        <a:solidFill>
+          <a:schemeClr val="phClr"/>
+        </a:solidFill>
+        <a:gradFill rotWithShape="1">
+          <a:gsLst>
+            <a:gs pos="0">
+              <a:schemeClr val="phClr">
+                <a:lumMod val="110000"/>
+                <a:satMod val="105000"/>
+                <a:tint val="67000"/>
+              </a:schemeClr>
+            </a:gs>
+            <a:gs pos="50000">
+              <a:schemeClr val="phClr">
+                <a:lumMod val="105000"/>
+                <a:satMod val="103000"/>
+                <a:tint val="73000"/>
+              </a:schemeClr>
+            </a:gs>
+            <a:gs pos="100000">
+              <a:schemeClr val="phClr">
+                <a:lumMod val="105000"/>
+                <a:satMod val="109000"/>
+                <a:tint val="81000"/>
+              </a:schemeClr>
+            </a:gs>
+          </a:gsLst>
+          <a:lin ang="5400000" scaled="0"/>
+        </a:gradFill>
+        <a:gradFill rotWithShape="1">
+          <a:gsLst>
+            <a:gs pos="0">
+              <a:schemeClr val="phClr">
+                <a:satMod val="103000"/>
+                <a:lumMod val="102000"/>
+                <a:tint val="94000"/>
+              </a:schemeClr>
+            </a:gs>
+            <a:gs pos="50000">
+              <a:schemeClr val="phClr">
+                <a:satMod val="110000"/>
+                <a:lumMod val="100000"/>
+                <a:shade val="100000"/>
+              </a:schemeClr>
+            </a:gs>
+            <a:gs pos="100000">
+              <a:schemeClr val="phClr">
+                <a:lumMod val="99000"/>
+                <a:satMod val="120000"/>
+                <a:shade val="78000"/>
+              </a:schemeClr>
+            </a:gs>
+          </a:gsLst>
+          <a:lin ang="5400000" scaled="0"/>
+        </a:gradFill>
+      </a:fillStyleLst>
+      <a:lnStyleLst>
+        <a:ln w="6350" cap="flat" cmpd="sng" algn="ctr">
+          <a:solidFill>
+            <a:schemeClr val="phClr"/>
+          </a:solidFill>
+          <a:prstDash val="solid"/>
+          <a:miter lim="800000"/>
+        </a:ln>
+        <a:ln w="12700" cap="flat" cmpd="sng" algn="ctr">
+          <a:solidFill>
+            <a:schemeClr val="phClr"/>
+          </a:solidFill>
+          <a:prstDash val="solid"/>
+          <a:miter lim="800000"/>
+        </a:ln>
+        <a:ln w="19050" cap="flat" cmpd="sng" algn="ctr">
+          <a:solidFill>
+            <a:schemeClr val="phClr"/>
+          </a:solidFill>
+          <a:prstDash val="solid"/>
+          <a:miter lim="800000"/>
+        </a:ln>
+      </a:lnStyleLst>
+      <a:effectStyleLst>
+        <a:effectStyle>
+          <a:effectLst/>
+        </a:effectStyle>
+        <a:effectStyle>
+          <a:effectLst/>
+        </a:effectStyle>
+        <a:effectStyle>
+          <a:effectLst>
+            <a:outerShdw blurRad="57150" dist="19050" dir="5400000" algn="ctr" rotWithShape="0">
+              <a:srgbClr val="000000">
+                <a:alpha val="63000"/>
+              </a:srgbClr>
+            </a:outerShdw>
+          </a:effectLst>
+        </a:effectStyle>
+      </a:effectStyleLst>
+      <a:bgFillStyleLst>
+        <a:solidFill>
+          <a:schemeClr val="phClr"/>
+        </a:solidFill>
+        <a:solidFill>
+          <a:schemeClr val="phClr">
+            <a:tint val="95000"/>
+            <a:satMod val="170000"/>
+          </a:schemeClr>
+        </a:solidFill>
+        <a:gradFill rotWithShape="1">
+          <a:gsLst>
+            <a:gs pos="0">
+              <a:schemeClr val="phClr">
+                <a:tint val="93000"/>
+                <a:satMod val="150000"/>
+                <a:shade val="98000"/>
+                <a:lumMod val="102000"/>
+              </a:schemeClr>
+            </a:gs>
+            <a:gs pos="50000">
+              <a:schemeClr val="phClr">
+                <a:tint val="98000"/>
+                <a:satMod val="130000"/>
+                <a:shade val="90000"/>
+                <a:lumMod val="103000"/>
+              </a:schemeClr>
+            </a:gs>
+            <a:gs pos="100000">
+              <a:schemeClr val="phClr">
+                <a:shade val="63000"/>
+                <a:satMod val="120000"/>
+              </a:schemeClr>
+            </a:gs>
+          </a:gsLst>
+          <a:lin ang="5400000" scaled="0"/>
+        </a:gradFill>
+      </a:bgFillStyleLst>
+    </a:fmtScheme>
+  </a:themeElements>
+  <a:objectDefaults/>
+  <a:extraClrSchemeLst/>
+  <a:extLst>
+    <a:ext uri="{05A4C25C-085E-4340-85A3-A5531E510DB2}">
+      <thm15:themeFamily xmlns:thm15="http://schemas.microsoft.com/office/thememl/2012/main" name="Office Theme" id="{62F939B6-93AF-4DB8-9C6B-D6C7DFDC589F}" vid="{4A3C46E8-61CC-4603-A589-7422A47A8E4A}"/>
+    </a:ext>
+  </a:extLst>
+</a:theme>
 </file>